--- a/lesson06.pptx
+++ b/lesson06.pptx
@@ -5,42 +5,43 @@
     <p:sldMasterId id="2147483648" r:id="rId1"/>
   </p:sldMasterIdLst>
   <p:notesMasterIdLst>
-    <p:notesMasterId r:id="rId35"/>
+    <p:notesMasterId r:id="rId36"/>
   </p:notesMasterIdLst>
   <p:sldIdLst>
     <p:sldId id="380" r:id="rId2"/>
     <p:sldId id="348" r:id="rId3"/>
     <p:sldId id="349" r:id="rId4"/>
     <p:sldId id="350" r:id="rId5"/>
-    <p:sldId id="351" r:id="rId6"/>
-    <p:sldId id="352" r:id="rId7"/>
-    <p:sldId id="353" r:id="rId8"/>
-    <p:sldId id="354" r:id="rId9"/>
-    <p:sldId id="355" r:id="rId10"/>
-    <p:sldId id="356" r:id="rId11"/>
-    <p:sldId id="357" r:id="rId12"/>
-    <p:sldId id="358" r:id="rId13"/>
-    <p:sldId id="359" r:id="rId14"/>
-    <p:sldId id="360" r:id="rId15"/>
-    <p:sldId id="361" r:id="rId16"/>
-    <p:sldId id="362" r:id="rId17"/>
-    <p:sldId id="363" r:id="rId18"/>
-    <p:sldId id="364" r:id="rId19"/>
-    <p:sldId id="365" r:id="rId20"/>
-    <p:sldId id="366" r:id="rId21"/>
-    <p:sldId id="367" r:id="rId22"/>
-    <p:sldId id="368" r:id="rId23"/>
-    <p:sldId id="369" r:id="rId24"/>
-    <p:sldId id="370" r:id="rId25"/>
-    <p:sldId id="371" r:id="rId26"/>
-    <p:sldId id="372" r:id="rId27"/>
-    <p:sldId id="374" r:id="rId28"/>
-    <p:sldId id="375" r:id="rId29"/>
-    <p:sldId id="377" r:id="rId30"/>
-    <p:sldId id="376" r:id="rId31"/>
-    <p:sldId id="381" r:id="rId32"/>
-    <p:sldId id="378" r:id="rId33"/>
-    <p:sldId id="379" r:id="rId34"/>
+    <p:sldId id="382" r:id="rId6"/>
+    <p:sldId id="351" r:id="rId7"/>
+    <p:sldId id="352" r:id="rId8"/>
+    <p:sldId id="353" r:id="rId9"/>
+    <p:sldId id="354" r:id="rId10"/>
+    <p:sldId id="355" r:id="rId11"/>
+    <p:sldId id="356" r:id="rId12"/>
+    <p:sldId id="357" r:id="rId13"/>
+    <p:sldId id="358" r:id="rId14"/>
+    <p:sldId id="359" r:id="rId15"/>
+    <p:sldId id="360" r:id="rId16"/>
+    <p:sldId id="361" r:id="rId17"/>
+    <p:sldId id="362" r:id="rId18"/>
+    <p:sldId id="363" r:id="rId19"/>
+    <p:sldId id="364" r:id="rId20"/>
+    <p:sldId id="365" r:id="rId21"/>
+    <p:sldId id="366" r:id="rId22"/>
+    <p:sldId id="367" r:id="rId23"/>
+    <p:sldId id="368" r:id="rId24"/>
+    <p:sldId id="369" r:id="rId25"/>
+    <p:sldId id="370" r:id="rId26"/>
+    <p:sldId id="371" r:id="rId27"/>
+    <p:sldId id="372" r:id="rId28"/>
+    <p:sldId id="374" r:id="rId29"/>
+    <p:sldId id="375" r:id="rId30"/>
+    <p:sldId id="377" r:id="rId31"/>
+    <p:sldId id="376" r:id="rId32"/>
+    <p:sldId id="381" r:id="rId33"/>
+    <p:sldId id="378" r:id="rId34"/>
+    <p:sldId id="379" r:id="rId35"/>
   </p:sldIdLst>
   <p:sldSz cx="12192000" cy="6858000"/>
   <p:notesSz cx="6858000" cy="9144000"/>
@@ -148,6 +149,7 @@
             <p14:sldId id="348"/>
             <p14:sldId id="349"/>
             <p14:sldId id="350"/>
+            <p14:sldId id="382"/>
             <p14:sldId id="351"/>
             <p14:sldId id="352"/>
             <p14:sldId id="353"/>
@@ -723,7 +725,7 @@
             <a:fld id="{B2668688-711B-4328-ACFB-54B46FA90133}" type="slidenum">
               <a:rPr lang="uk-UA" smtClean="0"/>
               <a:pPr/>
-              <a:t>24</a:t>
+              <a:t>25</a:t>
             </a:fld>
             <a:endParaRPr lang="uk-UA"/>
           </a:p>
@@ -3959,214 +3961,61 @@
       </p:grpSpPr>
       <p:sp>
         <p:nvSpPr>
-          <p:cNvPr id="7" name="Номер слайда 36"/>
-          <p:cNvSpPr txBox="1">
-            <a:spLocks/>
-          </p:cNvSpPr>
+          <p:cNvPr id="5" name="Прямоугольник 4"/>
+          <p:cNvSpPr/>
           <p:nvPr/>
         </p:nvSpPr>
         <p:spPr>
           <a:xfrm>
-            <a:off x="10992544" y="6093296"/>
-            <a:ext cx="648072" cy="432048"/>
-          </a:xfrm>
-          <a:prstGeom prst="roundRect">
-            <a:avLst/>
-          </a:prstGeom>
-          <a:ln w="25400" cap="flat" cmpd="sng" algn="ctr">
-            <a:solidFill>
-              <a:schemeClr val="tx2">
-                <a:lumMod val="60000"/>
-                <a:lumOff val="40000"/>
-              </a:schemeClr>
-            </a:solidFill>
-            <a:prstDash val="solid"/>
-          </a:ln>
+            <a:off x="0" y="0"/>
+            <a:ext cx="12192000" cy="6858000"/>
+          </a:xfrm>
+          <a:prstGeom prst="rect">
+            <a:avLst/>
+          </a:prstGeom>
+          <a:solidFill>
+            <a:schemeClr val="tx2">
+              <a:lumMod val="75000"/>
+            </a:schemeClr>
+          </a:solidFill>
         </p:spPr>
         <p:style>
           <a:lnRef idx="2">
-            <a:schemeClr val="accent1"/>
+            <a:schemeClr val="accent1">
+              <a:shade val="50000"/>
+            </a:schemeClr>
           </a:lnRef>
           <a:fillRef idx="1">
-            <a:schemeClr val="lt1"/>
+            <a:schemeClr val="accent1"/>
           </a:fillRef>
           <a:effectRef idx="0">
             <a:schemeClr val="accent1"/>
           </a:effectRef>
           <a:fontRef idx="minor">
-            <a:schemeClr val="dk1"/>
+            <a:schemeClr val="lt1"/>
           </a:fontRef>
         </p:style>
         <p:txBody>
-          <a:bodyPr vert="horz" lIns="91440" tIns="45720" rIns="91440" bIns="45720" rtlCol="0" anchor="ctr"/>
-          <a:lstStyle/>
-          <a:p>
-            <a:pPr algn="ctr">
-              <a:defRPr/>
-            </a:pPr>
-            <a:fld id="{6389AA22-90B4-448C-8B6B-C699140D38B9}" type="slidenum">
-              <a:rPr lang="uk-UA" sz="2400" b="1">
-                <a:solidFill>
-                  <a:schemeClr val="bg1">
-                    <a:lumMod val="50000"/>
-                  </a:schemeClr>
-                </a:solidFill>
-              </a:rPr>
-              <a:pPr algn="ctr">
-                <a:defRPr/>
-              </a:pPr>
-              <a:t>10</a:t>
-            </a:fld>
-            <a:endParaRPr lang="uk-UA" sz="2400" b="1" dirty="0">
-              <a:solidFill>
-                <a:schemeClr val="bg1">
-                  <a:lumMod val="50000"/>
-                </a:schemeClr>
-              </a:solidFill>
-            </a:endParaRPr>
-          </a:p>
-        </p:txBody>
-      </p:sp>
-      <p:sp>
-        <p:nvSpPr>
-          <p:cNvPr id="8" name="Прямоугольник 7"/>
-          <p:cNvSpPr/>
-          <p:nvPr/>
-        </p:nvSpPr>
-        <p:spPr>
-          <a:xfrm>
-            <a:off x="0" y="344850"/>
-            <a:ext cx="12192000" cy="707886"/>
-          </a:xfrm>
-          <a:prstGeom prst="rect">
-            <a:avLst/>
-          </a:prstGeom>
-        </p:spPr>
-        <p:txBody>
-          <a:bodyPr wrap="square">
-            <a:spAutoFit/>
-          </a:bodyPr>
+          <a:bodyPr rtlCol="0" anchor="ctr"/>
           <a:lstStyle/>
           <a:p>
             <a:pPr algn="ctr"/>
             <a:r>
-              <a:rPr lang="ru-RU" sz="4000" b="1" dirty="0" smtClean="0"/>
-              <a:t>Сложный </a:t>
-            </a:r>
-            <a:r>
-              <a:rPr lang="ru-RU" sz="4000" b="1" dirty="0"/>
-              <a:t>селектор</a:t>
-            </a:r>
-          </a:p>
-        </p:txBody>
-      </p:sp>
-      <p:sp>
-        <p:nvSpPr>
-          <p:cNvPr id="10" name="TextBox 9"/>
-          <p:cNvSpPr txBox="1"/>
-          <p:nvPr/>
-        </p:nvSpPr>
-        <p:spPr>
-          <a:xfrm>
-            <a:off x="7392144" y="1443548"/>
-            <a:ext cx="4129609" cy="3785652"/>
-          </a:xfrm>
-          <a:prstGeom prst="rect">
-            <a:avLst/>
-          </a:prstGeom>
-          <a:noFill/>
-        </p:spPr>
-        <p:txBody>
-          <a:bodyPr wrap="square" rtlCol="0">
-            <a:spAutoFit/>
-          </a:bodyPr>
-          <a:lstStyle/>
-          <a:p>
-            <a:r>
-              <a:rPr lang="ru-RU" sz="2400" dirty="0" smtClean="0"/>
-              <a:t>Сложный </a:t>
-            </a:r>
-            <a:r>
-              <a:rPr lang="ru-RU" sz="2400" dirty="0"/>
-              <a:t>селектор позволяет задать правило для тегов которые должны соответствовать нескольким простым </a:t>
-            </a:r>
-            <a:r>
-              <a:rPr lang="ru-RU" sz="2400" dirty="0" smtClean="0"/>
-              <a:t>селекторам одновременно, </a:t>
-            </a:r>
-            <a:r>
-              <a:rPr lang="ru-RU" sz="2400" dirty="0"/>
-              <a:t>например: </a:t>
-            </a:r>
-            <a:r>
-              <a:rPr lang="ru-RU" sz="2400" i="1" dirty="0">
-                <a:solidFill>
-                  <a:srgbClr val="0070C0"/>
-                </a:solidFill>
-              </a:rPr>
-              <a:t>иметь два определенных класса</a:t>
-            </a:r>
-            <a:r>
-              <a:rPr lang="ru-RU" sz="2400" dirty="0"/>
-              <a:t>, или </a:t>
-            </a:r>
-            <a:r>
-              <a:rPr lang="ru-RU" sz="2400" i="1" dirty="0">
-                <a:solidFill>
-                  <a:srgbClr val="00B050"/>
-                </a:solidFill>
-              </a:rPr>
-              <a:t>тег должен быть определенного типа и иметь определённый класс</a:t>
-            </a:r>
-            <a:r>
-              <a:rPr lang="ru-RU" sz="2400" dirty="0"/>
-              <a:t>.</a:t>
-            </a:r>
-          </a:p>
-        </p:txBody>
-      </p:sp>
-      <p:pic>
-        <p:nvPicPr>
-          <p:cNvPr id="2" name="Рисунок 1"/>
-          <p:cNvPicPr>
-            <a:picLocks noChangeAspect="1"/>
-          </p:cNvPicPr>
-          <p:nvPr/>
-        </p:nvPicPr>
-        <p:blipFill>
-          <a:blip r:embed="rId2"/>
-          <a:stretch>
-            <a:fillRect/>
-          </a:stretch>
-        </p:blipFill>
-        <p:spPr>
-          <a:xfrm>
-            <a:off x="911424" y="1628800"/>
-            <a:ext cx="6083820" cy="3384376"/>
-          </a:xfrm>
-          <a:prstGeom prst="rect">
-            <a:avLst/>
-          </a:prstGeom>
-          <a:ln>
-            <a:solidFill>
-              <a:schemeClr val="bg1">
-                <a:lumMod val="85000"/>
-              </a:schemeClr>
-            </a:solidFill>
-          </a:ln>
-          <a:effectLst>
-            <a:outerShdw blurRad="190500" algn="tl" rotWithShape="0">
-              <a:srgbClr val="000000">
-                <a:alpha val="70000"/>
-              </a:srgbClr>
-            </a:outerShdw>
-          </a:effectLst>
-        </p:spPr>
-      </p:pic>
+              <a:rPr lang="en-US" sz="7200" b="1" dirty="0" smtClean="0"/>
+              <a:t>2. </a:t>
+            </a:r>
+            <a:r>
+              <a:rPr lang="ru-RU" sz="7200" b="1" dirty="0" smtClean="0"/>
+              <a:t>Сложные селекторы</a:t>
+            </a:r>
+            <a:endParaRPr lang="uk-UA" sz="7200" b="1" dirty="0"/>
+          </a:p>
+        </p:txBody>
+      </p:sp>
     </p:spTree>
     <p:extLst>
       <p:ext uri="{BB962C8B-B14F-4D97-AF65-F5344CB8AC3E}">
-        <p14:creationId xmlns:p14="http://schemas.microsoft.com/office/powerpoint/2010/main" val="2423143776"/>
+        <p14:creationId xmlns:p14="http://schemas.microsoft.com/office/powerpoint/2010/main" val="4119959173"/>
       </p:ext>
     </p:extLst>
   </p:cSld>
@@ -4202,7 +4051,7 @@
       </p:grpSpPr>
       <p:sp>
         <p:nvSpPr>
-          <p:cNvPr id="6" name="Номер слайда 36"/>
+          <p:cNvPr id="7" name="Номер слайда 36"/>
           <p:cNvSpPr txBox="1">
             <a:spLocks/>
           </p:cNvSpPr>
@@ -4210,7 +4059,7 @@
         </p:nvSpPr>
         <p:spPr>
           <a:xfrm>
-            <a:off x="11136560" y="6108831"/>
+            <a:off x="10992544" y="6093296"/>
             <a:ext cx="648072" cy="432048"/>
           </a:xfrm>
           <a:prstGeom prst="roundRect">
@@ -4272,14 +4121,47 @@
       </p:sp>
       <p:sp>
         <p:nvSpPr>
-          <p:cNvPr id="7" name="TextBox 6"/>
+          <p:cNvPr id="8" name="Прямоугольник 7"/>
+          <p:cNvSpPr/>
+          <p:nvPr/>
+        </p:nvSpPr>
+        <p:spPr>
+          <a:xfrm>
+            <a:off x="0" y="344850"/>
+            <a:ext cx="12192000" cy="707886"/>
+          </a:xfrm>
+          <a:prstGeom prst="rect">
+            <a:avLst/>
+          </a:prstGeom>
+        </p:spPr>
+        <p:txBody>
+          <a:bodyPr wrap="square">
+            <a:spAutoFit/>
+          </a:bodyPr>
+          <a:lstStyle/>
+          <a:p>
+            <a:pPr algn="ctr"/>
+            <a:r>
+              <a:rPr lang="ru-RU" sz="4000" b="1" dirty="0" smtClean="0"/>
+              <a:t>Сложный </a:t>
+            </a:r>
+            <a:r>
+              <a:rPr lang="ru-RU" sz="4000" b="1" dirty="0"/>
+              <a:t>селектор</a:t>
+            </a:r>
+          </a:p>
+        </p:txBody>
+      </p:sp>
+      <p:sp>
+        <p:nvSpPr>
+          <p:cNvPr id="10" name="TextBox 9"/>
           <p:cNvSpPr txBox="1"/>
           <p:nvPr/>
         </p:nvSpPr>
         <p:spPr>
           <a:xfrm>
-            <a:off x="0" y="188640"/>
-            <a:ext cx="12192000" cy="584775"/>
+            <a:off x="7392144" y="1443548"/>
+            <a:ext cx="4129609" cy="3785652"/>
           </a:xfrm>
           <a:prstGeom prst="rect">
             <a:avLst/>
@@ -4292,135 +4174,52 @@
           </a:bodyPr>
           <a:lstStyle/>
           <a:p>
-            <a:pPr algn="ctr"/>
-            <a:r>
-              <a:rPr lang="ru-RU" sz="3200" b="1" dirty="0" err="1" smtClean="0"/>
-              <a:t>Псевдокласс</a:t>
-            </a:r>
-            <a:r>
-              <a:rPr lang="en-US" sz="3200" b="1" dirty="0" smtClean="0"/>
-              <a:t> :</a:t>
-            </a:r>
-            <a:r>
-              <a:rPr lang="en-US" sz="3200" b="1" dirty="0"/>
-              <a:t>not</a:t>
-            </a:r>
-            <a:r>
-              <a:rPr lang="en-US" sz="3200" b="1" dirty="0" smtClean="0"/>
-              <a:t>()</a:t>
-            </a:r>
-            <a:endParaRPr lang="en-US" sz="3200" b="1" dirty="0"/>
-          </a:p>
-        </p:txBody>
-      </p:sp>
-      <p:sp>
-        <p:nvSpPr>
-          <p:cNvPr id="9" name="Прямоугольник 8"/>
-          <p:cNvSpPr/>
-          <p:nvPr/>
-        </p:nvSpPr>
-        <p:spPr>
-          <a:xfrm>
-            <a:off x="1919536" y="4201022"/>
-            <a:ext cx="8352927" cy="1569660"/>
-          </a:xfrm>
-          <a:prstGeom prst="rect">
-            <a:avLst/>
-          </a:prstGeom>
-        </p:spPr>
-        <p:txBody>
-          <a:bodyPr wrap="square">
-            <a:spAutoFit/>
-          </a:bodyPr>
-          <a:lstStyle/>
-          <a:p>
+            <a:r>
+              <a:rPr lang="ru-RU" sz="2400" dirty="0" smtClean="0"/>
+              <a:t>Сложный </a:t>
+            </a:r>
             <a:r>
               <a:rPr lang="ru-RU" sz="2400" dirty="0"/>
-              <a:t>Селектор с отрицанием позволит выбрать все теги с классом </a:t>
-            </a:r>
-            <a:r>
-              <a:rPr lang="en-US" sz="2400" b="1" dirty="0"/>
-              <a:t>.cat</a:t>
-            </a:r>
-            <a:r>
-              <a:rPr lang="ru-RU" sz="2400" b="1" dirty="0"/>
-              <a:t> </a:t>
+              <a:t>селектор позволяет задать правило для тегов которые должны соответствовать нескольким простым </a:t>
+            </a:r>
+            <a:r>
+              <a:rPr lang="ru-RU" sz="2400" dirty="0" smtClean="0"/>
+              <a:t>селекторам одновременно, </a:t>
             </a:r>
             <a:r>
               <a:rPr lang="ru-RU" sz="2400" dirty="0"/>
-              <a:t>за исключением тех, которые еще имеют и класс </a:t>
-            </a:r>
-            <a:r>
-              <a:rPr lang="ru-RU" sz="2400" b="1" dirty="0"/>
+              <a:t>например: </a:t>
+            </a:r>
+            <a:r>
+              <a:rPr lang="ru-RU" sz="2400" i="1" dirty="0">
+                <a:solidFill>
+                  <a:srgbClr val="0070C0"/>
+                </a:solidFill>
+              </a:rPr>
+              <a:t>иметь два определенных класса</a:t>
+            </a:r>
+            <a:r>
+              <a:rPr lang="ru-RU" sz="2400" dirty="0"/>
+              <a:t>, или </a:t>
+            </a:r>
+            <a:r>
+              <a:rPr lang="ru-RU" sz="2400" i="1" dirty="0">
+                <a:solidFill>
+                  <a:srgbClr val="00B050"/>
+                </a:solidFill>
+              </a:rPr>
+              <a:t>тег должен быть определенного типа и иметь определённый класс</a:t>
+            </a:r>
+            <a:r>
+              <a:rPr lang="ru-RU" sz="2400" dirty="0"/>
               <a:t>.</a:t>
             </a:r>
-            <a:r>
-              <a:rPr lang="en-US" sz="2400" b="1" dirty="0" smtClean="0"/>
-              <a:t>dog</a:t>
-            </a:r>
-            <a:r>
-              <a:rPr lang="ru-RU" sz="2400" b="1" dirty="0" smtClean="0"/>
-              <a:t> </a:t>
-            </a:r>
-            <a:r>
-              <a:rPr lang="ru-RU" sz="2400" dirty="0" smtClean="0"/>
-              <a:t>Селектор </a:t>
-            </a:r>
-            <a:r>
-              <a:rPr lang="ru-RU" sz="2400" dirty="0"/>
-              <a:t>отрицания может использоваться и в более сложных выражениях. </a:t>
-            </a:r>
-            <a:r>
-              <a:rPr lang="en-US" sz="2400" b="1" dirty="0">
-                <a:solidFill>
-                  <a:schemeClr val="accent2"/>
-                </a:solidFill>
-              </a:rPr>
-              <a:t>:</a:t>
-            </a:r>
-            <a:r>
-              <a:rPr lang="en-US" sz="2400" b="1" dirty="0" smtClean="0">
-                <a:solidFill>
-                  <a:schemeClr val="accent2"/>
-                </a:solidFill>
-              </a:rPr>
-              <a:t>not</a:t>
-            </a:r>
-            <a:r>
-              <a:rPr lang="ru-RU" sz="2400" b="1" dirty="0" smtClean="0">
-                <a:solidFill>
-                  <a:schemeClr val="accent2"/>
-                </a:solidFill>
-              </a:rPr>
-              <a:t>()</a:t>
-            </a:r>
-            <a:r>
-              <a:rPr lang="en-US" sz="2400" b="1" dirty="0" smtClean="0">
-                <a:solidFill>
-                  <a:schemeClr val="accent2"/>
-                </a:solidFill>
-              </a:rPr>
-              <a:t> </a:t>
-            </a:r>
-            <a:r>
-              <a:rPr lang="ru-RU" sz="2400" b="1" dirty="0">
-                <a:solidFill>
-                  <a:schemeClr val="accent2"/>
-                </a:solidFill>
-              </a:rPr>
-              <a:t>принимает только простой селектор!!!</a:t>
-            </a:r>
-            <a:endParaRPr lang="en-US" sz="2400" b="1" dirty="0">
-              <a:solidFill>
-                <a:schemeClr val="accent2"/>
-              </a:solidFill>
-            </a:endParaRPr>
           </a:p>
         </p:txBody>
       </p:sp>
       <p:pic>
         <p:nvPicPr>
-          <p:cNvPr id="10" name="Рисунок 9"/>
+          <p:cNvPr id="2" name="Рисунок 1"/>
           <p:cNvPicPr>
             <a:picLocks noChangeAspect="1"/>
           </p:cNvPicPr>
@@ -4434,8 +4233,8 @@
         </p:blipFill>
         <p:spPr>
           <a:xfrm>
-            <a:off x="2762954" y="1196752"/>
-            <a:ext cx="6666092" cy="2580933"/>
+            <a:off x="911424" y="1628800"/>
+            <a:ext cx="6083820" cy="3384376"/>
           </a:xfrm>
           <a:prstGeom prst="rect">
             <a:avLst/>
@@ -4443,7 +4242,7 @@
           <a:ln>
             <a:solidFill>
               <a:schemeClr val="bg1">
-                <a:lumMod val="75000"/>
+                <a:lumMod val="85000"/>
               </a:schemeClr>
             </a:solidFill>
           </a:ln>
@@ -4459,7 +4258,7 @@
     </p:spTree>
     <p:extLst>
       <p:ext uri="{BB962C8B-B14F-4D97-AF65-F5344CB8AC3E}">
-        <p14:creationId xmlns:p14="http://schemas.microsoft.com/office/powerpoint/2010/main" val="2968629854"/>
+        <p14:creationId xmlns:p14="http://schemas.microsoft.com/office/powerpoint/2010/main" val="2423143776"/>
       </p:ext>
     </p:extLst>
   </p:cSld>
@@ -4503,7 +4302,7 @@
         </p:nvSpPr>
         <p:spPr>
           <a:xfrm>
-            <a:off x="11280576" y="6165304"/>
+            <a:off x="11136560" y="6108831"/>
             <a:ext cx="648072" cy="432048"/>
           </a:xfrm>
           <a:prstGeom prst="roundRect">
@@ -4565,14 +4364,14 @@
       </p:sp>
       <p:sp>
         <p:nvSpPr>
-          <p:cNvPr id="13" name="TextBox 12"/>
+          <p:cNvPr id="7" name="TextBox 6"/>
           <p:cNvSpPr txBox="1"/>
           <p:nvPr/>
         </p:nvSpPr>
         <p:spPr>
           <a:xfrm>
-            <a:off x="0" y="571327"/>
-            <a:ext cx="12192000" cy="769441"/>
+            <a:off x="0" y="188640"/>
+            <a:ext cx="12192000" cy="584775"/>
           </a:xfrm>
           <a:prstGeom prst="rect">
             <a:avLst/>
@@ -4587,131 +4386,172 @@
           <a:p>
             <a:pPr algn="ctr"/>
             <a:r>
-              <a:rPr lang="ru-RU" sz="4400" b="1" dirty="0" err="1"/>
-              <a:t>Псевдоклассы</a:t>
-            </a:r>
-            <a:endParaRPr lang="en-US" sz="4400" b="1" dirty="0"/>
-          </a:p>
-        </p:txBody>
-      </p:sp>
-      <p:sp>
-        <p:nvSpPr>
-          <p:cNvPr id="3" name="TextBox 2"/>
-          <p:cNvSpPr txBox="1"/>
+              <a:rPr lang="ru-RU" sz="3200" b="1" dirty="0" err="1" smtClean="0"/>
+              <a:t>Псевдокласс</a:t>
+            </a:r>
+            <a:r>
+              <a:rPr lang="en-US" sz="3200" b="1" dirty="0" smtClean="0"/>
+              <a:t> :</a:t>
+            </a:r>
+            <a:r>
+              <a:rPr lang="en-US" sz="3200" b="1" dirty="0"/>
+              <a:t>not</a:t>
+            </a:r>
+            <a:r>
+              <a:rPr lang="en-US" sz="3200" b="1" dirty="0" smtClean="0"/>
+              <a:t>()</a:t>
+            </a:r>
+            <a:endParaRPr lang="en-US" sz="3200" b="1" dirty="0"/>
+          </a:p>
+        </p:txBody>
+      </p:sp>
+      <p:sp>
+        <p:nvSpPr>
+          <p:cNvPr id="9" name="Прямоугольник 8"/>
+          <p:cNvSpPr/>
           <p:nvPr/>
         </p:nvSpPr>
         <p:spPr>
           <a:xfrm>
-            <a:off x="1775520" y="1988840"/>
-            <a:ext cx="9145016" cy="1938992"/>
+            <a:off x="1919536" y="4201022"/>
+            <a:ext cx="8352927" cy="1569660"/>
           </a:xfrm>
           <a:prstGeom prst="rect">
             <a:avLst/>
           </a:prstGeom>
-          <a:noFill/>
-        </p:spPr>
-        <p:txBody>
-          <a:bodyPr wrap="square" rtlCol="0">
+        </p:spPr>
+        <p:txBody>
+          <a:bodyPr wrap="square">
             <a:spAutoFit/>
           </a:bodyPr>
           <a:lstStyle/>
           <a:p>
-            <a:pPr algn="just"/>
             <a:r>
               <a:rPr lang="ru-RU" sz="2400" dirty="0"/>
-              <a:t>Если вы встречаете в </a:t>
-            </a:r>
-            <a:r>
-              <a:rPr lang="en-US" sz="2400" dirty="0"/>
-              <a:t>CSS</a:t>
+              <a:t>Селектор с отрицанием позволит выбрать все теги с классом </a:t>
+            </a:r>
+            <a:r>
+              <a:rPr lang="en-US" sz="2400" b="1" dirty="0"/>
+              <a:t>.cat</a:t>
+            </a:r>
+            <a:r>
+              <a:rPr lang="ru-RU" sz="2400" b="1" dirty="0"/>
+              <a:t> </a:t>
             </a:r>
             <a:r>
               <a:rPr lang="ru-RU" sz="2400" dirty="0"/>
-              <a:t>-селекторе конструкцию записанную через </a:t>
+              <a:t>за исключением тех, которые еще имеют и класс </a:t>
+            </a:r>
+            <a:r>
+              <a:rPr lang="ru-RU" sz="2400" b="1" dirty="0"/>
+              <a:t>.</a:t>
+            </a:r>
+            <a:r>
+              <a:rPr lang="en-US" sz="2400" b="1" dirty="0" smtClean="0"/>
+              <a:t>dog</a:t>
+            </a:r>
+            <a:r>
+              <a:rPr lang="ru-RU" sz="2400" b="1" dirty="0" smtClean="0"/>
+              <a:t> </a:t>
             </a:r>
             <a:r>
               <a:rPr lang="ru-RU" sz="2400" dirty="0" smtClean="0"/>
-              <a:t>двоеточие, </a:t>
+              <a:t>Селектор </a:t>
             </a:r>
             <a:r>
               <a:rPr lang="ru-RU" sz="2400" dirty="0"/>
-              <a:t>то такую конструкцию называют </a:t>
-            </a:r>
-            <a:r>
-              <a:rPr lang="ru-RU" sz="2400" b="1" dirty="0" err="1"/>
-              <a:t>псевдокласс</a:t>
-            </a:r>
-            <a:r>
-              <a:rPr lang="ru-RU" sz="2400" dirty="0"/>
-              <a:t>. </a:t>
-            </a:r>
-            <a:r>
-              <a:rPr lang="ru-RU" sz="2400" dirty="0" err="1"/>
-              <a:t>Псевдоклассы</a:t>
-            </a:r>
-            <a:r>
-              <a:rPr lang="ru-RU" sz="2400" dirty="0"/>
-              <a:t> используют для того, чтобы указать на тег основываюсь на его позиции в документе или динамическое состояние</a:t>
-            </a:r>
-            <a:r>
-              <a:rPr lang="en-US" sz="2400" dirty="0"/>
+              <a:t>отрицания может использоваться и в более сложных выражениях. </a:t>
+            </a:r>
+            <a:r>
+              <a:rPr lang="en-US" sz="2400" b="1" dirty="0">
+                <a:solidFill>
+                  <a:schemeClr val="accent2"/>
+                </a:solidFill>
+              </a:rPr>
+              <a:t>:</a:t>
+            </a:r>
+            <a:r>
+              <a:rPr lang="en-US" sz="2400" b="1" dirty="0" smtClean="0">
+                <a:solidFill>
+                  <a:schemeClr val="accent2"/>
+                </a:solidFill>
+              </a:rPr>
+              <a:t>not</a:t>
+            </a:r>
+            <a:r>
+              <a:rPr lang="ru-RU" sz="2400" b="1" dirty="0" smtClean="0">
+                <a:solidFill>
+                  <a:schemeClr val="accent2"/>
+                </a:solidFill>
+              </a:rPr>
+              <a:t>()</a:t>
+            </a:r>
+            <a:r>
+              <a:rPr lang="en-US" sz="2400" b="1" dirty="0" smtClean="0">
+                <a:solidFill>
+                  <a:schemeClr val="accent2"/>
+                </a:solidFill>
+              </a:rPr>
               <a:t> </a:t>
             </a:r>
             <a:r>
-              <a:rPr lang="ru-RU" sz="2400" dirty="0"/>
-              <a:t>или на основании других отличительных особенностей.  </a:t>
-            </a:r>
-          </a:p>
-        </p:txBody>
-      </p:sp>
-      <p:sp>
-        <p:nvSpPr>
-          <p:cNvPr id="2" name="TextBox 1"/>
-          <p:cNvSpPr txBox="1"/>
+              <a:rPr lang="ru-RU" sz="2400" b="1" dirty="0">
+                <a:solidFill>
+                  <a:schemeClr val="accent2"/>
+                </a:solidFill>
+              </a:rPr>
+              <a:t>принимает только простой селектор!!!</a:t>
+            </a:r>
+            <a:endParaRPr lang="en-US" sz="2400" b="1" dirty="0">
+              <a:solidFill>
+                <a:schemeClr val="accent2"/>
+              </a:solidFill>
+            </a:endParaRPr>
+          </a:p>
+        </p:txBody>
+      </p:sp>
+      <p:pic>
+        <p:nvPicPr>
+          <p:cNvPr id="10" name="Рисунок 9"/>
+          <p:cNvPicPr>
+            <a:picLocks noChangeAspect="1"/>
+          </p:cNvPicPr>
           <p:nvPr/>
-        </p:nvSpPr>
-        <p:spPr>
-          <a:xfrm>
-            <a:off x="0" y="4489956"/>
-            <a:ext cx="12192000" cy="523220"/>
+        </p:nvPicPr>
+        <p:blipFill>
+          <a:blip r:embed="rId2"/>
+          <a:stretch>
+            <a:fillRect/>
+          </a:stretch>
+        </p:blipFill>
+        <p:spPr>
+          <a:xfrm>
+            <a:off x="2762954" y="1196752"/>
+            <a:ext cx="6666092" cy="2580933"/>
           </a:xfrm>
           <a:prstGeom prst="rect">
             <a:avLst/>
           </a:prstGeom>
-          <a:noFill/>
-        </p:spPr>
-        <p:txBody>
-          <a:bodyPr wrap="square" rtlCol="0">
-            <a:spAutoFit/>
-          </a:bodyPr>
-          <a:lstStyle/>
-          <a:p>
-            <a:pPr algn="ctr"/>
-            <a:r>
-              <a:rPr lang="ru-RU" sz="2800" b="1" dirty="0" err="1" smtClean="0">
-                <a:latin typeface="Courier New" panose="02070309020205020404" pitchFamily="49" charset="0"/>
-                <a:cs typeface="Courier New" panose="02070309020205020404" pitchFamily="49" charset="0"/>
-              </a:rPr>
-              <a:t>Селектор:Псевдокласс</a:t>
-            </a:r>
-            <a:r>
-              <a:rPr lang="ru-RU" sz="2800" b="1" dirty="0" smtClean="0">
-                <a:latin typeface="Courier New" panose="02070309020205020404" pitchFamily="49" charset="0"/>
-                <a:cs typeface="Courier New" panose="02070309020205020404" pitchFamily="49" charset="0"/>
-              </a:rPr>
-              <a:t> {...}</a:t>
-            </a:r>
-            <a:endParaRPr lang="ru-RU" sz="2800" b="1" dirty="0">
-              <a:latin typeface="Courier New" panose="02070309020205020404" pitchFamily="49" charset="0"/>
-              <a:cs typeface="Courier New" panose="02070309020205020404" pitchFamily="49" charset="0"/>
-            </a:endParaRPr>
-          </a:p>
-        </p:txBody>
-      </p:sp>
+          <a:ln>
+            <a:solidFill>
+              <a:schemeClr val="bg1">
+                <a:lumMod val="75000"/>
+              </a:schemeClr>
+            </a:solidFill>
+          </a:ln>
+          <a:effectLst>
+            <a:outerShdw blurRad="190500" algn="tl" rotWithShape="0">
+              <a:srgbClr val="000000">
+                <a:alpha val="70000"/>
+              </a:srgbClr>
+            </a:outerShdw>
+          </a:effectLst>
+        </p:spPr>
+      </p:pic>
     </p:spTree>
     <p:extLst>
       <p:ext uri="{BB962C8B-B14F-4D97-AF65-F5344CB8AC3E}">
-        <p14:creationId xmlns:p14="http://schemas.microsoft.com/office/powerpoint/2010/main" val="2249970154"/>
+        <p14:creationId xmlns:p14="http://schemas.microsoft.com/office/powerpoint/2010/main" val="2968629854"/>
       </p:ext>
     </p:extLst>
   </p:cSld>
@@ -4747,61 +4587,223 @@
       </p:grpSpPr>
       <p:sp>
         <p:nvSpPr>
-          <p:cNvPr id="5" name="Прямоугольник 4"/>
-          <p:cNvSpPr/>
+          <p:cNvPr id="6" name="Номер слайда 36"/>
+          <p:cNvSpPr txBox="1">
+            <a:spLocks/>
+          </p:cNvSpPr>
           <p:nvPr/>
         </p:nvSpPr>
         <p:spPr>
           <a:xfrm>
-            <a:off x="0" y="0"/>
-            <a:ext cx="12192000" cy="6858000"/>
-          </a:xfrm>
-          <a:prstGeom prst="rect">
-            <a:avLst/>
-          </a:prstGeom>
-          <a:solidFill>
-            <a:schemeClr val="tx2">
-              <a:lumMod val="75000"/>
-            </a:schemeClr>
-          </a:solidFill>
+            <a:off x="11280576" y="6165304"/>
+            <a:ext cx="648072" cy="432048"/>
+          </a:xfrm>
+          <a:prstGeom prst="roundRect">
+            <a:avLst/>
+          </a:prstGeom>
+          <a:ln w="25400" cap="flat" cmpd="sng" algn="ctr">
+            <a:solidFill>
+              <a:schemeClr val="tx2">
+                <a:lumMod val="60000"/>
+                <a:lumOff val="40000"/>
+              </a:schemeClr>
+            </a:solidFill>
+            <a:prstDash val="solid"/>
+          </a:ln>
         </p:spPr>
         <p:style>
           <a:lnRef idx="2">
-            <a:schemeClr val="accent1">
-              <a:shade val="50000"/>
-            </a:schemeClr>
+            <a:schemeClr val="accent1"/>
           </a:lnRef>
           <a:fillRef idx="1">
-            <a:schemeClr val="accent1"/>
+            <a:schemeClr val="lt1"/>
           </a:fillRef>
           <a:effectRef idx="0">
             <a:schemeClr val="accent1"/>
           </a:effectRef>
           <a:fontRef idx="minor">
-            <a:schemeClr val="lt1"/>
+            <a:schemeClr val="dk1"/>
           </a:fontRef>
         </p:style>
         <p:txBody>
-          <a:bodyPr rtlCol="0" anchor="ctr"/>
+          <a:bodyPr vert="horz" lIns="91440" tIns="45720" rIns="91440" bIns="45720" rtlCol="0" anchor="ctr"/>
+          <a:lstStyle/>
+          <a:p>
+            <a:pPr algn="ctr">
+              <a:defRPr/>
+            </a:pPr>
+            <a:fld id="{6389AA22-90B4-448C-8B6B-C699140D38B9}" type="slidenum">
+              <a:rPr lang="uk-UA" sz="2400" b="1">
+                <a:solidFill>
+                  <a:schemeClr val="bg1">
+                    <a:lumMod val="50000"/>
+                  </a:schemeClr>
+                </a:solidFill>
+              </a:rPr>
+              <a:pPr algn="ctr">
+                <a:defRPr/>
+              </a:pPr>
+              <a:t>13</a:t>
+            </a:fld>
+            <a:endParaRPr lang="uk-UA" sz="2400" b="1" dirty="0">
+              <a:solidFill>
+                <a:schemeClr val="bg1">
+                  <a:lumMod val="50000"/>
+                </a:schemeClr>
+              </a:solidFill>
+            </a:endParaRPr>
+          </a:p>
+        </p:txBody>
+      </p:sp>
+      <p:sp>
+        <p:nvSpPr>
+          <p:cNvPr id="13" name="TextBox 12"/>
+          <p:cNvSpPr txBox="1"/>
+          <p:nvPr/>
+        </p:nvSpPr>
+        <p:spPr>
+          <a:xfrm>
+            <a:off x="0" y="571327"/>
+            <a:ext cx="12192000" cy="769441"/>
+          </a:xfrm>
+          <a:prstGeom prst="rect">
+            <a:avLst/>
+          </a:prstGeom>
+          <a:noFill/>
+        </p:spPr>
+        <p:txBody>
+          <a:bodyPr wrap="square" rtlCol="0">
+            <a:spAutoFit/>
+          </a:bodyPr>
           <a:lstStyle/>
           <a:p>
             <a:pPr algn="ctr"/>
             <a:r>
-              <a:rPr lang="en-US" sz="6000" b="1" dirty="0" smtClean="0"/>
-              <a:t>3. </a:t>
-            </a:r>
-            <a:r>
-              <a:rPr lang="ru-RU" sz="6000" b="1" dirty="0" smtClean="0"/>
-              <a:t>Комбинированные селекторы</a:t>
-            </a:r>
-            <a:endParaRPr lang="uk-UA" sz="6000" b="1" dirty="0"/>
+              <a:rPr lang="ru-RU" sz="4400" b="1" dirty="0" err="1"/>
+              <a:t>Псевдоклассы</a:t>
+            </a:r>
+            <a:endParaRPr lang="en-US" sz="4400" b="1" dirty="0"/>
+          </a:p>
+        </p:txBody>
+      </p:sp>
+      <p:sp>
+        <p:nvSpPr>
+          <p:cNvPr id="3" name="TextBox 2"/>
+          <p:cNvSpPr txBox="1"/>
+          <p:nvPr/>
+        </p:nvSpPr>
+        <p:spPr>
+          <a:xfrm>
+            <a:off x="1775520" y="1988840"/>
+            <a:ext cx="9145016" cy="1938992"/>
+          </a:xfrm>
+          <a:prstGeom prst="rect">
+            <a:avLst/>
+          </a:prstGeom>
+          <a:noFill/>
+        </p:spPr>
+        <p:txBody>
+          <a:bodyPr wrap="square" rtlCol="0">
+            <a:spAutoFit/>
+          </a:bodyPr>
+          <a:lstStyle/>
+          <a:p>
+            <a:pPr algn="just"/>
+            <a:r>
+              <a:rPr lang="ru-RU" sz="2400" dirty="0"/>
+              <a:t>Если вы встречаете в </a:t>
+            </a:r>
+            <a:r>
+              <a:rPr lang="en-US" sz="2400" dirty="0"/>
+              <a:t>CSS</a:t>
+            </a:r>
+            <a:r>
+              <a:rPr lang="ru-RU" sz="2400" dirty="0"/>
+              <a:t>-селекторе конструкцию записанную через </a:t>
+            </a:r>
+            <a:r>
+              <a:rPr lang="ru-RU" sz="2400" dirty="0" smtClean="0"/>
+              <a:t>двоеточие, </a:t>
+            </a:r>
+            <a:r>
+              <a:rPr lang="ru-RU" sz="2400" dirty="0"/>
+              <a:t>то такую конструкцию называют </a:t>
+            </a:r>
+            <a:r>
+              <a:rPr lang="ru-RU" sz="2400" b="1" dirty="0" err="1"/>
+              <a:t>псевдокласс</a:t>
+            </a:r>
+            <a:r>
+              <a:rPr lang="ru-RU" sz="2400" dirty="0"/>
+              <a:t>. </a:t>
+            </a:r>
+            <a:r>
+              <a:rPr lang="ru-RU" sz="2400" dirty="0" err="1"/>
+              <a:t>Псевдоклассы</a:t>
+            </a:r>
+            <a:r>
+              <a:rPr lang="ru-RU" sz="2400" dirty="0"/>
+              <a:t> используют для того, чтобы указать на тег основываюсь на его позиции в документе или динамическое состояние</a:t>
+            </a:r>
+            <a:r>
+              <a:rPr lang="en-US" sz="2400" dirty="0"/>
+              <a:t> </a:t>
+            </a:r>
+            <a:r>
+              <a:rPr lang="ru-RU" sz="2400" dirty="0"/>
+              <a:t>или на основании других отличительных особенностей.  </a:t>
+            </a:r>
+          </a:p>
+        </p:txBody>
+      </p:sp>
+      <p:sp>
+        <p:nvSpPr>
+          <p:cNvPr id="2" name="TextBox 1"/>
+          <p:cNvSpPr txBox="1"/>
+          <p:nvPr/>
+        </p:nvSpPr>
+        <p:spPr>
+          <a:xfrm>
+            <a:off x="0" y="4489956"/>
+            <a:ext cx="12192000" cy="523220"/>
+          </a:xfrm>
+          <a:prstGeom prst="rect">
+            <a:avLst/>
+          </a:prstGeom>
+          <a:noFill/>
+        </p:spPr>
+        <p:txBody>
+          <a:bodyPr wrap="square" rtlCol="0">
+            <a:spAutoFit/>
+          </a:bodyPr>
+          <a:lstStyle/>
+          <a:p>
+            <a:pPr algn="ctr"/>
+            <a:r>
+              <a:rPr lang="ru-RU" sz="2800" b="1" dirty="0" err="1" smtClean="0">
+                <a:latin typeface="Courier New" panose="02070309020205020404" pitchFamily="49" charset="0"/>
+                <a:cs typeface="Courier New" panose="02070309020205020404" pitchFamily="49" charset="0"/>
+              </a:rPr>
+              <a:t>Селектор:Псевдокласс</a:t>
+            </a:r>
+            <a:r>
+              <a:rPr lang="ru-RU" sz="2800" b="1" dirty="0" smtClean="0">
+                <a:latin typeface="Courier New" panose="02070309020205020404" pitchFamily="49" charset="0"/>
+                <a:cs typeface="Courier New" panose="02070309020205020404" pitchFamily="49" charset="0"/>
+              </a:rPr>
+              <a:t> {...}</a:t>
+            </a:r>
+            <a:endParaRPr lang="ru-RU" sz="2800" b="1" dirty="0">
+              <a:latin typeface="Courier New" panose="02070309020205020404" pitchFamily="49" charset="0"/>
+              <a:cs typeface="Courier New" panose="02070309020205020404" pitchFamily="49" charset="0"/>
+            </a:endParaRPr>
           </a:p>
         </p:txBody>
       </p:sp>
     </p:spTree>
     <p:extLst>
       <p:ext uri="{BB962C8B-B14F-4D97-AF65-F5344CB8AC3E}">
-        <p14:creationId xmlns:p14="http://schemas.microsoft.com/office/powerpoint/2010/main" val="2982408018"/>
+        <p14:creationId xmlns:p14="http://schemas.microsoft.com/office/powerpoint/2010/main" val="2249970154"/>
       </p:ext>
     </p:extLst>
   </p:cSld>
@@ -4843,221 +4845,55 @@
         </p:nvSpPr>
         <p:spPr>
           <a:xfrm>
-            <a:off x="2648368" y="4437112"/>
-            <a:ext cx="7344816" cy="1569660"/>
+            <a:off x="0" y="0"/>
+            <a:ext cx="12192000" cy="6858000"/>
           </a:xfrm>
           <a:prstGeom prst="rect">
             <a:avLst/>
           </a:prstGeom>
-        </p:spPr>
-        <p:txBody>
-          <a:bodyPr wrap="square">
-            <a:spAutoFit/>
-          </a:bodyPr>
-          <a:lstStyle/>
-          <a:p>
-            <a:r>
-              <a:rPr lang="ru-RU" sz="2400" dirty="0"/>
-              <a:t>Это </a:t>
-            </a:r>
-            <a:r>
-              <a:rPr lang="ru-RU" sz="2400" dirty="0" smtClean="0"/>
-              <a:t>«соседний» </a:t>
-            </a:r>
-            <a:r>
-              <a:rPr lang="ru-RU" sz="2400" dirty="0"/>
-              <a:t>селектор. Он поможет нам выбрать все</a:t>
-            </a:r>
-            <a:r>
-              <a:rPr lang="en-US" sz="2400" dirty="0"/>
-              <a:t> </a:t>
-            </a:r>
-            <a:r>
-              <a:rPr lang="ru-RU" sz="2400" dirty="0"/>
-              <a:t>теги с классом </a:t>
-            </a:r>
-            <a:r>
-              <a:rPr lang="en-US" sz="2400" b="1" dirty="0"/>
-              <a:t>.dog</a:t>
-            </a:r>
-            <a:r>
-              <a:rPr lang="ru-RU" sz="2400" dirty="0"/>
-              <a:t>, которые находятся на одном уровне (прямые потомки одного родителя) и следуют за тегом с </a:t>
-            </a:r>
-            <a:r>
-              <a:rPr lang="en-US" sz="2400" b="1" dirty="0"/>
-              <a:t>id</a:t>
-            </a:r>
-            <a:r>
-              <a:rPr lang="en-US" sz="2400" dirty="0"/>
-              <a:t> </a:t>
-            </a:r>
-            <a:r>
-              <a:rPr lang="ru-RU" sz="2400" dirty="0"/>
-              <a:t>равным </a:t>
-            </a:r>
-            <a:r>
-              <a:rPr lang="en-US" sz="2400" b="1" dirty="0"/>
-              <a:t>tiger</a:t>
-            </a:r>
-            <a:r>
-              <a:rPr lang="en-US" sz="2400" dirty="0"/>
-              <a:t>.</a:t>
-            </a:r>
-          </a:p>
-        </p:txBody>
-      </p:sp>
-      <p:sp>
-        <p:nvSpPr>
-          <p:cNvPr id="7" name="Номер слайда 36"/>
-          <p:cNvSpPr txBox="1">
-            <a:spLocks/>
-          </p:cNvSpPr>
-          <p:nvPr/>
-        </p:nvSpPr>
-        <p:spPr>
-          <a:xfrm>
-            <a:off x="11208568" y="6165304"/>
-            <a:ext cx="648072" cy="432048"/>
-          </a:xfrm>
-          <a:prstGeom prst="roundRect">
-            <a:avLst/>
-          </a:prstGeom>
-          <a:ln w="25400" cap="flat" cmpd="sng" algn="ctr">
-            <a:solidFill>
-              <a:schemeClr val="tx2">
-                <a:lumMod val="60000"/>
-                <a:lumOff val="40000"/>
-              </a:schemeClr>
-            </a:solidFill>
-            <a:prstDash val="solid"/>
-          </a:ln>
+          <a:solidFill>
+            <a:schemeClr val="tx2">
+              <a:lumMod val="75000"/>
+            </a:schemeClr>
+          </a:solidFill>
         </p:spPr>
         <p:style>
           <a:lnRef idx="2">
-            <a:schemeClr val="accent1"/>
+            <a:schemeClr val="accent1">
+              <a:shade val="50000"/>
+            </a:schemeClr>
           </a:lnRef>
           <a:fillRef idx="1">
-            <a:schemeClr val="lt1"/>
+            <a:schemeClr val="accent1"/>
           </a:fillRef>
           <a:effectRef idx="0">
             <a:schemeClr val="accent1"/>
           </a:effectRef>
           <a:fontRef idx="minor">
-            <a:schemeClr val="dk1"/>
+            <a:schemeClr val="lt1"/>
           </a:fontRef>
         </p:style>
         <p:txBody>
-          <a:bodyPr vert="horz" lIns="91440" tIns="45720" rIns="91440" bIns="45720" rtlCol="0" anchor="ctr"/>
-          <a:lstStyle/>
-          <a:p>
-            <a:pPr algn="ctr">
-              <a:defRPr/>
-            </a:pPr>
-            <a:fld id="{6389AA22-90B4-448C-8B6B-C699140D38B9}" type="slidenum">
-              <a:rPr lang="uk-UA" sz="2400" b="1">
-                <a:solidFill>
-                  <a:schemeClr val="bg1">
-                    <a:lumMod val="50000"/>
-                  </a:schemeClr>
-                </a:solidFill>
-              </a:rPr>
-              <a:pPr algn="ctr">
-                <a:defRPr/>
-              </a:pPr>
-              <a:t>14</a:t>
-            </a:fld>
-            <a:endParaRPr lang="uk-UA" sz="2400" b="1" dirty="0">
-              <a:solidFill>
-                <a:schemeClr val="bg1">
-                  <a:lumMod val="50000"/>
-                </a:schemeClr>
-              </a:solidFill>
-            </a:endParaRPr>
-          </a:p>
-        </p:txBody>
-      </p:sp>
-      <p:sp>
-        <p:nvSpPr>
-          <p:cNvPr id="8" name="TextBox 7"/>
-          <p:cNvSpPr txBox="1"/>
-          <p:nvPr/>
-        </p:nvSpPr>
-        <p:spPr>
-          <a:xfrm>
-            <a:off x="0" y="188641"/>
-            <a:ext cx="12192000" cy="584775"/>
-          </a:xfrm>
-          <a:prstGeom prst="rect">
-            <a:avLst/>
-          </a:prstGeom>
-          <a:noFill/>
-        </p:spPr>
-        <p:txBody>
-          <a:bodyPr wrap="square" rtlCol="0">
-            <a:spAutoFit/>
-          </a:bodyPr>
+          <a:bodyPr rtlCol="0" anchor="ctr"/>
           <a:lstStyle/>
           <a:p>
             <a:pPr algn="ctr"/>
             <a:r>
-              <a:rPr lang="ru-RU" sz="3200" b="1" dirty="0"/>
-              <a:t>Селектор </a:t>
-            </a:r>
-            <a:r>
-              <a:rPr lang="uk-UA" sz="3200" b="1" dirty="0" smtClean="0"/>
-              <a:t>«</a:t>
-            </a:r>
-            <a:r>
-              <a:rPr lang="ru-RU" sz="3200" b="1" dirty="0" smtClean="0"/>
-              <a:t>соседей»</a:t>
-            </a:r>
-            <a:endParaRPr lang="en-US" sz="3200" b="1" dirty="0"/>
-          </a:p>
-        </p:txBody>
-      </p:sp>
-      <p:pic>
-        <p:nvPicPr>
-          <p:cNvPr id="9" name="Рисунок 8"/>
-          <p:cNvPicPr>
-            <a:picLocks noChangeAspect="1"/>
-          </p:cNvPicPr>
-          <p:nvPr/>
-        </p:nvPicPr>
-        <p:blipFill>
-          <a:blip r:embed="rId2"/>
-          <a:stretch>
-            <a:fillRect/>
-          </a:stretch>
-        </p:blipFill>
-        <p:spPr>
-          <a:xfrm>
-            <a:off x="2855640" y="1340768"/>
-            <a:ext cx="6445616" cy="2376264"/>
-          </a:xfrm>
-          <a:prstGeom prst="rect">
-            <a:avLst/>
-          </a:prstGeom>
-          <a:ln>
-            <a:solidFill>
-              <a:schemeClr val="bg1">
-                <a:lumMod val="75000"/>
-              </a:schemeClr>
-            </a:solidFill>
-          </a:ln>
-          <a:effectLst>
-            <a:outerShdw blurRad="190500" algn="tl" rotWithShape="0">
-              <a:srgbClr val="000000">
-                <a:alpha val="70000"/>
-              </a:srgbClr>
-            </a:outerShdw>
-          </a:effectLst>
-        </p:spPr>
-      </p:pic>
+              <a:rPr lang="en-US" sz="6000" b="1" dirty="0" smtClean="0"/>
+              <a:t>3. </a:t>
+            </a:r>
+            <a:r>
+              <a:rPr lang="ru-RU" sz="6000" b="1" dirty="0" smtClean="0"/>
+              <a:t>Комбинированные селекторы</a:t>
+            </a:r>
+            <a:endParaRPr lang="uk-UA" sz="6000" b="1" dirty="0"/>
+          </a:p>
+        </p:txBody>
+      </p:sp>
     </p:spTree>
     <p:extLst>
       <p:ext uri="{BB962C8B-B14F-4D97-AF65-F5344CB8AC3E}">
-        <p14:creationId xmlns:p14="http://schemas.microsoft.com/office/powerpoint/2010/main" val="1089288849"/>
+        <p14:creationId xmlns:p14="http://schemas.microsoft.com/office/powerpoint/2010/main" val="2982408018"/>
       </p:ext>
     </p:extLst>
   </p:cSld>
@@ -5099,8 +4935,8 @@
         </p:nvSpPr>
         <p:spPr>
           <a:xfrm>
-            <a:off x="2135560" y="4365104"/>
-            <a:ext cx="8316925" cy="1569660"/>
+            <a:off x="2648368" y="4437112"/>
+            <a:ext cx="7344816" cy="1569660"/>
           </a:xfrm>
           <a:prstGeom prst="rect">
             <a:avLst/>
@@ -5114,7 +4950,23 @@
           <a:p>
             <a:r>
               <a:rPr lang="ru-RU" sz="2400" dirty="0"/>
-              <a:t>Это соседний селектор. Он поможет нам выбрать первый тег с классом </a:t>
+              <a:t>Это </a:t>
+            </a:r>
+            <a:r>
+              <a:rPr lang="ru-RU" sz="2400" dirty="0" smtClean="0"/>
+              <a:t>«соседний» </a:t>
+            </a:r>
+            <a:r>
+              <a:rPr lang="ru-RU" sz="2400" dirty="0"/>
+              <a:t>селектор. Он поможет нам выбрать все</a:t>
+            </a:r>
+            <a:r>
+              <a:rPr lang="en-US" sz="2400" dirty="0"/>
+              <a:t> </a:t>
+            </a:r>
+            <a:r>
+              <a:rPr lang="ru-RU" sz="2400" dirty="0"/>
+              <a:t>теги с классом </a:t>
             </a:r>
             <a:r>
               <a:rPr lang="en-US" sz="2400" b="1" dirty="0"/>
@@ -5122,15 +4974,7 @@
             </a:r>
             <a:r>
               <a:rPr lang="ru-RU" sz="2400" dirty="0"/>
-              <a:t>, который находятся на одном уровне (прямые потомки одного родителя) и следуют </a:t>
-            </a:r>
-            <a:r>
-              <a:rPr lang="ru-RU" sz="2400" b="1" dirty="0"/>
-              <a:t>сразу же </a:t>
-            </a:r>
-            <a:r>
-              <a:rPr lang="ru-RU" sz="2400" dirty="0"/>
-              <a:t>за тегом с </a:t>
+              <a:t>, которые находятся на одном уровне (прямые потомки одного родителя) и следуют за тегом с </a:t>
             </a:r>
             <a:r>
               <a:rPr lang="en-US" sz="2400" b="1" dirty="0"/>
@@ -5233,8 +5077,8 @@
         </p:nvSpPr>
         <p:spPr>
           <a:xfrm>
-            <a:off x="0" y="272842"/>
-            <a:ext cx="12192000" cy="707886"/>
+            <a:off x="0" y="188641"/>
+            <a:ext cx="12192000" cy="584775"/>
           </a:xfrm>
           <a:prstGeom prst="rect">
             <a:avLst/>
@@ -5249,22 +5093,18 @@
           <a:p>
             <a:pPr algn="ctr"/>
             <a:r>
-              <a:rPr lang="ru-RU" sz="4000" b="1" dirty="0"/>
-              <a:t>Селектор</a:t>
-            </a:r>
-            <a:r>
-              <a:rPr lang="en-US" sz="4000" b="1" dirty="0"/>
-              <a:t> </a:t>
-            </a:r>
-            <a:r>
-              <a:rPr lang="ru-RU" sz="4000" b="1" dirty="0"/>
-              <a:t>первого </a:t>
-            </a:r>
-            <a:r>
-              <a:rPr lang="ru-RU" sz="4000" b="1" dirty="0" smtClean="0"/>
-              <a:t>соседа</a:t>
-            </a:r>
-            <a:endParaRPr lang="en-US" sz="4000" b="1" dirty="0"/>
+              <a:rPr lang="ru-RU" sz="3200" b="1" dirty="0"/>
+              <a:t>Селектор </a:t>
+            </a:r>
+            <a:r>
+              <a:rPr lang="uk-UA" sz="3200" b="1" dirty="0" smtClean="0"/>
+              <a:t>«</a:t>
+            </a:r>
+            <a:r>
+              <a:rPr lang="ru-RU" sz="3200" b="1" dirty="0" smtClean="0"/>
+              <a:t>соседей»</a:t>
+            </a:r>
+            <a:endParaRPr lang="en-US" sz="3200" b="1" dirty="0"/>
           </a:p>
         </p:txBody>
       </p:sp>
@@ -5284,8 +5124,8 @@
         </p:blipFill>
         <p:spPr>
           <a:xfrm>
-            <a:off x="2819636" y="1340768"/>
-            <a:ext cx="6552727" cy="2462974"/>
+            <a:off x="2855640" y="1340768"/>
+            <a:ext cx="6445616" cy="2376264"/>
           </a:xfrm>
           <a:prstGeom prst="rect">
             <a:avLst/>
@@ -5309,7 +5149,7 @@
     </p:spTree>
     <p:extLst>
       <p:ext uri="{BB962C8B-B14F-4D97-AF65-F5344CB8AC3E}">
-        <p14:creationId xmlns:p14="http://schemas.microsoft.com/office/powerpoint/2010/main" val="3785304275"/>
+        <p14:creationId xmlns:p14="http://schemas.microsoft.com/office/powerpoint/2010/main" val="1089288849"/>
       </p:ext>
     </p:extLst>
   </p:cSld>
@@ -5351,8 +5191,8 @@
         </p:nvSpPr>
         <p:spPr>
           <a:xfrm>
-            <a:off x="2060956" y="4365104"/>
-            <a:ext cx="9073008" cy="1692771"/>
+            <a:off x="2135560" y="4365104"/>
+            <a:ext cx="8316925" cy="1569660"/>
           </a:xfrm>
           <a:prstGeom prst="rect">
             <a:avLst/>
@@ -5365,48 +5205,51 @@
           <a:lstStyle/>
           <a:p>
             <a:r>
-              <a:rPr lang="ru-RU" sz="2600" dirty="0"/>
-              <a:t>Селектор говорит, что правило должно применится к тегу у которого есть класс </a:t>
-            </a:r>
-            <a:r>
-              <a:rPr lang="en-US" sz="2600" b="1" dirty="0"/>
-              <a:t>.cat </a:t>
-            </a:r>
-            <a:r>
-              <a:rPr lang="ru-RU" sz="2600" dirty="0"/>
-              <a:t>но только если у него среди родителей есть тег с классом </a:t>
-            </a:r>
-            <a:r>
-              <a:rPr lang="en-US" sz="2600" b="1" dirty="0"/>
-              <a:t>.dog </a:t>
-            </a:r>
-            <a:r>
-              <a:rPr lang="en-US" sz="2600" dirty="0"/>
-              <a:t>(</a:t>
-            </a:r>
-            <a:r>
-              <a:rPr lang="ru-RU" sz="2600" dirty="0"/>
-              <a:t>вместо классов можно использовать </a:t>
-            </a:r>
-            <a:r>
-              <a:rPr lang="en-US" sz="2600" dirty="0"/>
+              <a:rPr lang="ru-RU" sz="2400" dirty="0"/>
+              <a:t>Это соседний селектор. Он поможет нам выбрать первый тег с классом </a:t>
+            </a:r>
+            <a:r>
+              <a:rPr lang="en-US" sz="2400" b="1" dirty="0"/>
+              <a:t>.dog</a:t>
+            </a:r>
+            <a:r>
+              <a:rPr lang="ru-RU" sz="2400" dirty="0"/>
+              <a:t>, который находятся на одном уровне (прямые потомки одного родителя) и следуют </a:t>
+            </a:r>
+            <a:r>
+              <a:rPr lang="ru-RU" sz="2400" b="1" dirty="0"/>
+              <a:t>сразу же </a:t>
+            </a:r>
+            <a:r>
+              <a:rPr lang="ru-RU" sz="2400" dirty="0"/>
+              <a:t>за тегом с </a:t>
+            </a:r>
+            <a:r>
+              <a:rPr lang="en-US" sz="2400" b="1" dirty="0"/>
               <a:t>id</a:t>
             </a:r>
             <a:r>
-              <a:rPr lang="ru-RU" sz="2600" dirty="0"/>
-              <a:t>, название тегов или комбинированный селектор).</a:t>
-            </a:r>
-            <a:endParaRPr lang="uk-UA" sz="2600" dirty="0">
-              <a:solidFill>
-                <a:srgbClr val="FF0000"/>
-              </a:solidFill>
-            </a:endParaRPr>
-          </a:p>
-        </p:txBody>
-      </p:sp>
-      <p:sp>
-        <p:nvSpPr>
-          <p:cNvPr id="8" name="Номер слайда 36"/>
+              <a:rPr lang="en-US" sz="2400" dirty="0"/>
+              <a:t> </a:t>
+            </a:r>
+            <a:r>
+              <a:rPr lang="ru-RU" sz="2400" dirty="0"/>
+              <a:t>равным </a:t>
+            </a:r>
+            <a:r>
+              <a:rPr lang="en-US" sz="2400" b="1" dirty="0"/>
+              <a:t>tiger</a:t>
+            </a:r>
+            <a:r>
+              <a:rPr lang="en-US" sz="2400" dirty="0"/>
+              <a:t>.</a:t>
+            </a:r>
+          </a:p>
+        </p:txBody>
+      </p:sp>
+      <p:sp>
+        <p:nvSpPr>
+          <p:cNvPr id="7" name="Номер слайда 36"/>
           <p:cNvSpPr txBox="1">
             <a:spLocks/>
           </p:cNvSpPr>
@@ -5414,7 +5257,7 @@
         </p:nvSpPr>
         <p:spPr>
           <a:xfrm>
-            <a:off x="11136560" y="6180074"/>
+            <a:off x="11208568" y="6165304"/>
             <a:ext cx="648072" cy="432048"/>
           </a:xfrm>
           <a:prstGeom prst="roundRect">
@@ -5476,14 +5319,14 @@
       </p:sp>
       <p:sp>
         <p:nvSpPr>
-          <p:cNvPr id="9" name="TextBox 8"/>
+          <p:cNvPr id="8" name="TextBox 7"/>
           <p:cNvSpPr txBox="1"/>
           <p:nvPr/>
         </p:nvSpPr>
         <p:spPr>
           <a:xfrm>
-            <a:off x="0" y="168173"/>
-            <a:ext cx="12192000" cy="830997"/>
+            <a:off x="0" y="272842"/>
+            <a:ext cx="12192000" cy="707886"/>
           </a:xfrm>
           <a:prstGeom prst="rect">
             <a:avLst/>
@@ -5498,31 +5341,28 @@
           <a:p>
             <a:pPr algn="ctr"/>
             <a:r>
-              <a:rPr lang="ru-RU" sz="2400" b="1" dirty="0"/>
-              <a:t>Селектор дочерних элементов (просто знак пробела) - когда нужно </a:t>
-            </a:r>
-            <a:r>
-              <a:rPr lang="en-US" sz="2400" b="1" dirty="0" smtClean="0"/>
-              <a:t/>
-            </a:r>
-            <a:br>
-              <a:rPr lang="en-US" sz="2400" b="1" dirty="0" smtClean="0"/>
-            </a:br>
-            <a:r>
-              <a:rPr lang="ru-RU" sz="2400" b="1" dirty="0" smtClean="0"/>
-              <a:t>найти </a:t>
-            </a:r>
-            <a:r>
-              <a:rPr lang="ru-RU" sz="2400" b="1" dirty="0"/>
-              <a:t>элемент вложенный в другой элемент</a:t>
-            </a:r>
-            <a:endParaRPr lang="en-US" sz="2400" b="1" dirty="0"/>
+              <a:rPr lang="ru-RU" sz="4000" b="1" dirty="0"/>
+              <a:t>Селектор</a:t>
+            </a:r>
+            <a:r>
+              <a:rPr lang="en-US" sz="4000" b="1" dirty="0"/>
+              <a:t> </a:t>
+            </a:r>
+            <a:r>
+              <a:rPr lang="ru-RU" sz="4000" b="1" dirty="0"/>
+              <a:t>первого </a:t>
+            </a:r>
+            <a:r>
+              <a:rPr lang="ru-RU" sz="4000" b="1" dirty="0" smtClean="0"/>
+              <a:t>соседа</a:t>
+            </a:r>
+            <a:endParaRPr lang="en-US" sz="4000" b="1" dirty="0"/>
           </a:p>
         </p:txBody>
       </p:sp>
       <p:pic>
         <p:nvPicPr>
-          <p:cNvPr id="6" name="Рисунок 5"/>
+          <p:cNvPr id="9" name="Рисунок 8"/>
           <p:cNvPicPr>
             <a:picLocks noChangeAspect="1"/>
           </p:cNvPicPr>
@@ -5536,8 +5376,8 @@
         </p:blipFill>
         <p:spPr>
           <a:xfrm>
-            <a:off x="3319220" y="1340769"/>
-            <a:ext cx="5841592" cy="2664295"/>
+            <a:off x="2819636" y="1340768"/>
+            <a:ext cx="6552727" cy="2462974"/>
           </a:xfrm>
           <a:prstGeom prst="rect">
             <a:avLst/>
@@ -5561,7 +5401,7 @@
     </p:spTree>
     <p:extLst>
       <p:ext uri="{BB962C8B-B14F-4D97-AF65-F5344CB8AC3E}">
-        <p14:creationId xmlns:p14="http://schemas.microsoft.com/office/powerpoint/2010/main" val="1476649830"/>
+        <p14:creationId xmlns:p14="http://schemas.microsoft.com/office/powerpoint/2010/main" val="3785304275"/>
       </p:ext>
     </p:extLst>
   </p:cSld>
@@ -5603,8 +5443,8 @@
         </p:nvSpPr>
         <p:spPr>
           <a:xfrm>
-            <a:off x="2063552" y="4149080"/>
-            <a:ext cx="8640960" cy="1692771"/>
+            <a:off x="2060956" y="4365104"/>
+            <a:ext cx="9073008" cy="1692771"/>
           </a:xfrm>
           <a:prstGeom prst="rect">
             <a:avLst/>
@@ -5626,15 +5466,7 @@
             </a:r>
             <a:r>
               <a:rPr lang="ru-RU" sz="2600" dirty="0"/>
-              <a:t>но только если он </a:t>
-            </a:r>
-            <a:r>
-              <a:rPr lang="ru-RU" sz="2600" b="1" dirty="0"/>
-              <a:t>прямой</a:t>
-            </a:r>
-            <a:r>
-              <a:rPr lang="ru-RU" sz="2600" dirty="0"/>
-              <a:t> потомок тега с классом </a:t>
+              <a:t>но только если у него среди родителей есть тег с классом </a:t>
             </a:r>
             <a:r>
               <a:rPr lang="en-US" sz="2600" b="1" dirty="0"/>
@@ -5674,7 +5506,7 @@
         </p:nvSpPr>
         <p:spPr>
           <a:xfrm>
-            <a:off x="11280576" y="6165304"/>
+            <a:off x="11136560" y="6180074"/>
             <a:ext cx="648072" cy="432048"/>
           </a:xfrm>
           <a:prstGeom prst="roundRect">
@@ -5742,7 +5574,7 @@
         </p:nvSpPr>
         <p:spPr>
           <a:xfrm>
-            <a:off x="0" y="365755"/>
+            <a:off x="0" y="168173"/>
             <a:ext cx="12192000" cy="830997"/>
           </a:xfrm>
           <a:prstGeom prst="rect">
@@ -5759,15 +5591,7 @@
             <a:pPr algn="ctr"/>
             <a:r>
               <a:rPr lang="ru-RU" sz="2400" b="1" dirty="0"/>
-              <a:t>Прямой селектор дочерних элементов (знак </a:t>
-            </a:r>
-            <a:r>
-              <a:rPr lang="en-US" sz="2400" b="1" dirty="0"/>
-              <a:t>‘&gt;’</a:t>
-            </a:r>
-            <a:r>
-              <a:rPr lang="ru-RU" sz="2400" b="1" dirty="0"/>
-              <a:t>) - когда нужно </a:t>
+              <a:t>Селектор дочерних элементов (просто знак пробела) - когда нужно </a:t>
             </a:r>
             <a:r>
               <a:rPr lang="en-US" sz="2400" b="1" dirty="0" smtClean="0"/>
@@ -5782,15 +5606,7 @@
             </a:r>
             <a:r>
               <a:rPr lang="ru-RU" sz="2400" b="1" dirty="0"/>
-              <a:t>элемент</a:t>
-            </a:r>
-            <a:r>
-              <a:rPr lang="en-US" sz="2400" b="1" dirty="0"/>
-              <a:t> –</a:t>
-            </a:r>
-            <a:r>
-              <a:rPr lang="ru-RU" sz="2400" b="1" dirty="0"/>
-              <a:t> прямой потомок</a:t>
+              <a:t>элемент вложенный в другой элемент</a:t>
             </a:r>
             <a:endParaRPr lang="en-US" sz="2400" b="1" dirty="0"/>
           </a:p>
@@ -5798,7 +5614,7 @@
       </p:sp>
       <p:pic>
         <p:nvPicPr>
-          <p:cNvPr id="3" name="Рисунок 2"/>
+          <p:cNvPr id="6" name="Рисунок 5"/>
           <p:cNvPicPr>
             <a:picLocks noChangeAspect="1"/>
           </p:cNvPicPr>
@@ -5812,8 +5628,8 @@
         </p:blipFill>
         <p:spPr>
           <a:xfrm>
-            <a:off x="3562983" y="1484784"/>
-            <a:ext cx="5066034" cy="2304043"/>
+            <a:off x="3319220" y="1340769"/>
+            <a:ext cx="5841592" cy="2664295"/>
           </a:xfrm>
           <a:prstGeom prst="rect">
             <a:avLst/>
@@ -5837,7 +5653,7 @@
     </p:spTree>
     <p:extLst>
       <p:ext uri="{BB962C8B-B14F-4D97-AF65-F5344CB8AC3E}">
-        <p14:creationId xmlns:p14="http://schemas.microsoft.com/office/powerpoint/2010/main" val="1823316807"/>
+        <p14:creationId xmlns:p14="http://schemas.microsoft.com/office/powerpoint/2010/main" val="1476649830"/>
       </p:ext>
     </p:extLst>
   </p:cSld>
@@ -5879,71 +5695,241 @@
         </p:nvSpPr>
         <p:spPr>
           <a:xfrm>
-            <a:off x="0" y="0"/>
-            <a:ext cx="12192000" cy="6858000"/>
+            <a:off x="2063552" y="4149080"/>
+            <a:ext cx="8640960" cy="1692771"/>
           </a:xfrm>
           <a:prstGeom prst="rect">
             <a:avLst/>
           </a:prstGeom>
-          <a:solidFill>
-            <a:schemeClr val="tx2">
-              <a:lumMod val="75000"/>
-            </a:schemeClr>
-          </a:solidFill>
+        </p:spPr>
+        <p:txBody>
+          <a:bodyPr wrap="square">
+            <a:spAutoFit/>
+          </a:bodyPr>
+          <a:lstStyle/>
+          <a:p>
+            <a:r>
+              <a:rPr lang="ru-RU" sz="2600" dirty="0"/>
+              <a:t>Селектор говорит, что правило должно применится к тегу у которого есть класс </a:t>
+            </a:r>
+            <a:r>
+              <a:rPr lang="en-US" sz="2600" b="1" dirty="0"/>
+              <a:t>.cat </a:t>
+            </a:r>
+            <a:r>
+              <a:rPr lang="ru-RU" sz="2600" dirty="0"/>
+              <a:t>но только если он </a:t>
+            </a:r>
+            <a:r>
+              <a:rPr lang="ru-RU" sz="2600" b="1" dirty="0"/>
+              <a:t>прямой</a:t>
+            </a:r>
+            <a:r>
+              <a:rPr lang="ru-RU" sz="2600" dirty="0"/>
+              <a:t> потомок тега с классом </a:t>
+            </a:r>
+            <a:r>
+              <a:rPr lang="en-US" sz="2600" b="1" dirty="0"/>
+              <a:t>.dog </a:t>
+            </a:r>
+            <a:r>
+              <a:rPr lang="en-US" sz="2600" dirty="0"/>
+              <a:t>(</a:t>
+            </a:r>
+            <a:r>
+              <a:rPr lang="ru-RU" sz="2600" dirty="0"/>
+              <a:t>вместо классов можно использовать </a:t>
+            </a:r>
+            <a:r>
+              <a:rPr lang="en-US" sz="2600" dirty="0"/>
+              <a:t>id</a:t>
+            </a:r>
+            <a:r>
+              <a:rPr lang="ru-RU" sz="2600" dirty="0"/>
+              <a:t>, название тегов или комбинированный селектор).</a:t>
+            </a:r>
+            <a:endParaRPr lang="uk-UA" sz="2600" dirty="0">
+              <a:solidFill>
+                <a:srgbClr val="FF0000"/>
+              </a:solidFill>
+            </a:endParaRPr>
+          </a:p>
+        </p:txBody>
+      </p:sp>
+      <p:sp>
+        <p:nvSpPr>
+          <p:cNvPr id="8" name="Номер слайда 36"/>
+          <p:cNvSpPr txBox="1">
+            <a:spLocks/>
+          </p:cNvSpPr>
+          <p:nvPr/>
+        </p:nvSpPr>
+        <p:spPr>
+          <a:xfrm>
+            <a:off x="11280576" y="6165304"/>
+            <a:ext cx="648072" cy="432048"/>
+          </a:xfrm>
+          <a:prstGeom prst="roundRect">
+            <a:avLst/>
+          </a:prstGeom>
+          <a:ln w="25400" cap="flat" cmpd="sng" algn="ctr">
+            <a:solidFill>
+              <a:schemeClr val="tx2">
+                <a:lumMod val="60000"/>
+                <a:lumOff val="40000"/>
+              </a:schemeClr>
+            </a:solidFill>
+            <a:prstDash val="solid"/>
+          </a:ln>
         </p:spPr>
         <p:style>
           <a:lnRef idx="2">
-            <a:schemeClr val="accent1">
-              <a:shade val="50000"/>
-            </a:schemeClr>
+            <a:schemeClr val="accent1"/>
           </a:lnRef>
           <a:fillRef idx="1">
-            <a:schemeClr val="accent1"/>
+            <a:schemeClr val="lt1"/>
           </a:fillRef>
           <a:effectRef idx="0">
             <a:schemeClr val="accent1"/>
           </a:effectRef>
           <a:fontRef idx="minor">
-            <a:schemeClr val="lt1"/>
+            <a:schemeClr val="dk1"/>
           </a:fontRef>
         </p:style>
         <p:txBody>
-          <a:bodyPr rtlCol="0" anchor="ctr"/>
-          <a:lstStyle/>
-          <a:p>
-            <a:pPr algn="ctr"/>
-            <a:r>
-              <a:rPr lang="en-US" sz="6000" b="1" dirty="0" smtClean="0"/>
-              <a:t>4. </a:t>
-            </a:r>
-            <a:r>
-              <a:rPr lang="ru-RU" sz="6000" b="1" dirty="0" smtClean="0"/>
-              <a:t>Порядковый селектор</a:t>
-            </a:r>
-            <a:endParaRPr lang="en-US" sz="6000" b="1" dirty="0" smtClean="0"/>
-          </a:p>
-          <a:p>
-            <a:pPr algn="ctr"/>
-            <a:r>
-              <a:rPr lang="en-US" sz="6000" b="1" dirty="0" smtClean="0">
-                <a:solidFill>
-                  <a:srgbClr val="FFFF00"/>
+          <a:bodyPr vert="horz" lIns="91440" tIns="45720" rIns="91440" bIns="45720" rtlCol="0" anchor="ctr"/>
+          <a:lstStyle/>
+          <a:p>
+            <a:pPr algn="ctr">
+              <a:defRPr/>
+            </a:pPr>
+            <a:fld id="{6389AA22-90B4-448C-8B6B-C699140D38B9}" type="slidenum">
+              <a:rPr lang="uk-UA" sz="2400" b="1">
+                <a:solidFill>
+                  <a:schemeClr val="bg1">
+                    <a:lumMod val="50000"/>
+                  </a:schemeClr>
                 </a:solidFill>
               </a:rPr>
-              <a:t>:nth-child(n)</a:t>
-            </a:r>
-            <a:endParaRPr lang="uk-UA" sz="6000" b="1" dirty="0">
+              <a:pPr algn="ctr">
+                <a:defRPr/>
+              </a:pPr>
+              <a:t>18</a:t>
+            </a:fld>
+            <a:endParaRPr lang="uk-UA" sz="2400" b="1" dirty="0">
               <a:solidFill>
-                <a:srgbClr val="FFFF00"/>
+                <a:schemeClr val="bg1">
+                  <a:lumMod val="50000"/>
+                </a:schemeClr>
               </a:solidFill>
             </a:endParaRPr>
           </a:p>
         </p:txBody>
       </p:sp>
+      <p:sp>
+        <p:nvSpPr>
+          <p:cNvPr id="9" name="TextBox 8"/>
+          <p:cNvSpPr txBox="1"/>
+          <p:nvPr/>
+        </p:nvSpPr>
+        <p:spPr>
+          <a:xfrm>
+            <a:off x="0" y="365755"/>
+            <a:ext cx="12192000" cy="830997"/>
+          </a:xfrm>
+          <a:prstGeom prst="rect">
+            <a:avLst/>
+          </a:prstGeom>
+          <a:noFill/>
+        </p:spPr>
+        <p:txBody>
+          <a:bodyPr wrap="square" rtlCol="0">
+            <a:spAutoFit/>
+          </a:bodyPr>
+          <a:lstStyle/>
+          <a:p>
+            <a:pPr algn="ctr"/>
+            <a:r>
+              <a:rPr lang="ru-RU" sz="2400" b="1" dirty="0"/>
+              <a:t>Прямой селектор дочерних элементов (знак </a:t>
+            </a:r>
+            <a:r>
+              <a:rPr lang="en-US" sz="2400" b="1" dirty="0"/>
+              <a:t>‘&gt;’</a:t>
+            </a:r>
+            <a:r>
+              <a:rPr lang="ru-RU" sz="2400" b="1" dirty="0"/>
+              <a:t>) - когда нужно </a:t>
+            </a:r>
+            <a:r>
+              <a:rPr lang="en-US" sz="2400" b="1" dirty="0" smtClean="0"/>
+              <a:t/>
+            </a:r>
+            <a:br>
+              <a:rPr lang="en-US" sz="2400" b="1" dirty="0" smtClean="0"/>
+            </a:br>
+            <a:r>
+              <a:rPr lang="ru-RU" sz="2400" b="1" dirty="0" smtClean="0"/>
+              <a:t>найти </a:t>
+            </a:r>
+            <a:r>
+              <a:rPr lang="ru-RU" sz="2400" b="1" dirty="0"/>
+              <a:t>элемент</a:t>
+            </a:r>
+            <a:r>
+              <a:rPr lang="en-US" sz="2400" b="1" dirty="0"/>
+              <a:t> –</a:t>
+            </a:r>
+            <a:r>
+              <a:rPr lang="ru-RU" sz="2400" b="1" dirty="0"/>
+              <a:t> прямой потомок</a:t>
+            </a:r>
+            <a:endParaRPr lang="en-US" sz="2400" b="1" dirty="0"/>
+          </a:p>
+        </p:txBody>
+      </p:sp>
+      <p:pic>
+        <p:nvPicPr>
+          <p:cNvPr id="3" name="Рисунок 2"/>
+          <p:cNvPicPr>
+            <a:picLocks noChangeAspect="1"/>
+          </p:cNvPicPr>
+          <p:nvPr/>
+        </p:nvPicPr>
+        <p:blipFill>
+          <a:blip r:embed="rId2"/>
+          <a:stretch>
+            <a:fillRect/>
+          </a:stretch>
+        </p:blipFill>
+        <p:spPr>
+          <a:xfrm>
+            <a:off x="3562983" y="1484784"/>
+            <a:ext cx="5066034" cy="2304043"/>
+          </a:xfrm>
+          <a:prstGeom prst="rect">
+            <a:avLst/>
+          </a:prstGeom>
+          <a:ln>
+            <a:solidFill>
+              <a:schemeClr val="bg1">
+                <a:lumMod val="75000"/>
+              </a:schemeClr>
+            </a:solidFill>
+          </a:ln>
+          <a:effectLst>
+            <a:outerShdw blurRad="190500" algn="tl" rotWithShape="0">
+              <a:srgbClr val="000000">
+                <a:alpha val="70000"/>
+              </a:srgbClr>
+            </a:outerShdw>
+          </a:effectLst>
+        </p:spPr>
+      </p:pic>
     </p:spTree>
     <p:extLst>
       <p:ext uri="{BB962C8B-B14F-4D97-AF65-F5344CB8AC3E}">
-        <p14:creationId xmlns:p14="http://schemas.microsoft.com/office/powerpoint/2010/main" val="49656722"/>
+        <p14:creationId xmlns:p14="http://schemas.microsoft.com/office/powerpoint/2010/main" val="1823316807"/>
       </p:ext>
     </p:extLst>
   </p:cSld>
@@ -5979,548 +5965,77 @@
       </p:grpSpPr>
       <p:sp>
         <p:nvSpPr>
-          <p:cNvPr id="6" name="Прямоугольник 5"/>
+          <p:cNvPr id="5" name="Прямоугольник 4"/>
           <p:cNvSpPr/>
           <p:nvPr/>
         </p:nvSpPr>
         <p:spPr>
           <a:xfrm>
-            <a:off x="6852084" y="714176"/>
-            <a:ext cx="3312368" cy="4154984"/>
+            <a:off x="0" y="0"/>
+            <a:ext cx="12192000" cy="6858000"/>
           </a:xfrm>
           <a:prstGeom prst="rect">
             <a:avLst/>
           </a:prstGeom>
-        </p:spPr>
-        <p:txBody>
-          <a:bodyPr wrap="square">
-            <a:spAutoFit/>
-          </a:bodyPr>
-          <a:lstStyle/>
-          <a:p>
-            <a:r>
-              <a:rPr lang="en-US" sz="2200" b="1" dirty="0"/>
-              <a:t>&lt;div&gt;</a:t>
-            </a:r>
-            <a:endParaRPr lang="ru-RU" sz="2200" b="1" dirty="0"/>
-          </a:p>
-          <a:p>
-            <a:pPr lvl="1"/>
-            <a:r>
-              <a:rPr lang="en-US" sz="2200" b="1" dirty="0">
-                <a:solidFill>
-                  <a:schemeClr val="accent6">
-                    <a:lumMod val="75000"/>
-                  </a:schemeClr>
-                </a:solidFill>
-              </a:rPr>
-              <a:t>&lt;p&gt;text 1&lt;/p&gt;</a:t>
-            </a:r>
-          </a:p>
-          <a:p>
-            <a:pPr lvl="1"/>
-            <a:r>
-              <a:rPr lang="en-US" sz="2200" b="1" dirty="0">
-                <a:solidFill>
-                  <a:srgbClr val="3333CC"/>
-                </a:solidFill>
-              </a:rPr>
-              <a:t>&lt;p&gt;text 2&lt;/p&gt;</a:t>
-            </a:r>
-          </a:p>
-          <a:p>
-            <a:pPr lvl="1"/>
-            <a:r>
-              <a:rPr lang="en-US" sz="2200" b="1" dirty="0">
-                <a:solidFill>
-                  <a:srgbClr val="FF0000"/>
-                </a:solidFill>
-              </a:rPr>
-              <a:t>&lt;p&gt;text 3&lt;/p&gt;</a:t>
-            </a:r>
-          </a:p>
-          <a:p>
-            <a:pPr lvl="1"/>
-            <a:r>
-              <a:rPr lang="en-US" sz="2200" b="1" dirty="0">
-                <a:solidFill>
-                  <a:srgbClr val="3333CC"/>
-                </a:solidFill>
-              </a:rPr>
-              <a:t>&lt;p&gt;text 4&lt;/p&gt;</a:t>
-            </a:r>
-          </a:p>
-          <a:p>
-            <a:pPr lvl="1"/>
-            <a:r>
-              <a:rPr lang="en-US" sz="2200" b="1" dirty="0">
-                <a:solidFill>
-                  <a:srgbClr val="7030A0"/>
-                </a:solidFill>
-              </a:rPr>
-              <a:t>&lt;p&gt;text 5&lt;/p&gt;</a:t>
-            </a:r>
-          </a:p>
-          <a:p>
-            <a:pPr lvl="1"/>
-            <a:r>
-              <a:rPr lang="en-US" sz="2200" b="1" dirty="0">
-                <a:solidFill>
-                  <a:srgbClr val="3333CC"/>
-                </a:solidFill>
-              </a:rPr>
-              <a:t>&lt;p&gt;text 6&lt;/p&gt;</a:t>
-            </a:r>
-          </a:p>
-          <a:p>
-            <a:pPr lvl="1"/>
-            <a:r>
-              <a:rPr lang="en-US" sz="2200" b="1" dirty="0">
-                <a:solidFill>
-                  <a:srgbClr val="FF0000"/>
-                </a:solidFill>
-              </a:rPr>
-              <a:t>&lt;p&gt;text 7&lt;/p&gt;</a:t>
-            </a:r>
-          </a:p>
-          <a:p>
-            <a:pPr lvl="1"/>
-            <a:r>
-              <a:rPr lang="en-US" sz="2200" b="1" dirty="0">
-                <a:solidFill>
-                  <a:srgbClr val="3333CC"/>
-                </a:solidFill>
-              </a:rPr>
-              <a:t>&lt;p&gt;text 8&lt;/p&gt;</a:t>
-            </a:r>
-          </a:p>
-          <a:p>
-            <a:pPr lvl="1"/>
-            <a:r>
-              <a:rPr lang="en-US" sz="2200" b="1" dirty="0">
-                <a:solidFill>
-                  <a:srgbClr val="FF0000"/>
-                </a:solidFill>
-              </a:rPr>
-              <a:t>&lt;p&gt;text 9&lt;/p&gt;</a:t>
-            </a:r>
-          </a:p>
-          <a:p>
-            <a:pPr lvl="1"/>
-            <a:r>
-              <a:rPr lang="en-US" sz="2200" b="1" dirty="0">
-                <a:solidFill>
-                  <a:srgbClr val="00B050"/>
-                </a:solidFill>
-              </a:rPr>
-              <a:t>&lt;p&gt;text 10&lt;/p&gt;</a:t>
-            </a:r>
-          </a:p>
-          <a:p>
-            <a:r>
-              <a:rPr lang="en-US" sz="2200" b="1" dirty="0"/>
-              <a:t>&lt;/div&gt;</a:t>
-            </a:r>
-          </a:p>
-        </p:txBody>
-      </p:sp>
-      <p:sp>
-        <p:nvSpPr>
-          <p:cNvPr id="4" name="Прямоугольник 3"/>
-          <p:cNvSpPr/>
-          <p:nvPr/>
-        </p:nvSpPr>
-        <p:spPr>
-          <a:xfrm>
-            <a:off x="2567608" y="764704"/>
-            <a:ext cx="4104456" cy="4493538"/>
-          </a:xfrm>
-          <a:prstGeom prst="rect">
-            <a:avLst/>
-          </a:prstGeom>
-        </p:spPr>
-        <p:txBody>
-          <a:bodyPr wrap="square">
-            <a:spAutoFit/>
-          </a:bodyPr>
-          <a:lstStyle/>
-          <a:p>
-            <a:r>
-              <a:rPr lang="en-US" dirty="0"/>
-              <a:t>p:</a:t>
-            </a:r>
-            <a:r>
-              <a:rPr lang="en-US" b="1" dirty="0">
-                <a:solidFill>
-                  <a:srgbClr val="FF0000"/>
-                </a:solidFill>
-              </a:rPr>
-              <a:t>nth-child(odd)</a:t>
-            </a:r>
-            <a:r>
-              <a:rPr lang="en-US" dirty="0"/>
-              <a:t> {</a:t>
-            </a:r>
-          </a:p>
-          <a:p>
-            <a:r>
-              <a:rPr lang="en-US" dirty="0"/>
-              <a:t>    background: red;</a:t>
-            </a:r>
-          </a:p>
-          <a:p>
-            <a:r>
-              <a:rPr lang="en-US" dirty="0"/>
-              <a:t>}</a:t>
-            </a:r>
-          </a:p>
-          <a:p>
-            <a:r>
-              <a:rPr lang="en-US" dirty="0"/>
-              <a:t>p:</a:t>
-            </a:r>
-            <a:r>
-              <a:rPr lang="en-US" b="1" dirty="0">
-                <a:solidFill>
-                  <a:srgbClr val="3333CC"/>
-                </a:solidFill>
-              </a:rPr>
-              <a:t>nth-child(even) </a:t>
-            </a:r>
-            <a:r>
-              <a:rPr lang="en-US" dirty="0"/>
-              <a:t>{</a:t>
-            </a:r>
-          </a:p>
-          <a:p>
-            <a:r>
-              <a:rPr lang="en-US" dirty="0"/>
-              <a:t>    background: blue;</a:t>
-            </a:r>
-          </a:p>
-          <a:p>
-            <a:r>
-              <a:rPr lang="en-US" dirty="0"/>
-              <a:t>}</a:t>
-            </a:r>
-            <a:endParaRPr lang="ru-RU" dirty="0"/>
-          </a:p>
-          <a:p>
-            <a:r>
-              <a:rPr lang="en-US" dirty="0"/>
-              <a:t>p</a:t>
-            </a:r>
-            <a:r>
-              <a:rPr lang="en-US" dirty="0">
-                <a:solidFill>
-                  <a:srgbClr val="7030A0"/>
-                </a:solidFill>
-              </a:rPr>
-              <a:t>:</a:t>
-            </a:r>
-            <a:r>
-              <a:rPr lang="en-US" b="1" dirty="0">
-                <a:solidFill>
-                  <a:srgbClr val="7030A0"/>
-                </a:solidFill>
-              </a:rPr>
-              <a:t>nth-child(5)</a:t>
-            </a:r>
-            <a:r>
-              <a:rPr lang="en-US" dirty="0">
-                <a:solidFill>
-                  <a:srgbClr val="7030A0"/>
-                </a:solidFill>
-              </a:rPr>
-              <a:t> </a:t>
-            </a:r>
-            <a:r>
-              <a:rPr lang="en-US" dirty="0"/>
-              <a:t>{</a:t>
-            </a:r>
-          </a:p>
-          <a:p>
-            <a:r>
-              <a:rPr lang="en-US" dirty="0"/>
-              <a:t>    </a:t>
-            </a:r>
-            <a:r>
-              <a:rPr lang="en-US" dirty="0" err="1"/>
-              <a:t>background:purple</a:t>
-            </a:r>
-            <a:r>
-              <a:rPr lang="en-US" dirty="0"/>
-              <a:t>;</a:t>
-            </a:r>
-          </a:p>
-          <a:p>
-            <a:r>
-              <a:rPr lang="en-US" dirty="0"/>
-              <a:t>}</a:t>
-            </a:r>
-          </a:p>
-          <a:p>
-            <a:r>
-              <a:rPr lang="en-US" dirty="0"/>
-              <a:t>p</a:t>
-            </a:r>
-            <a:r>
-              <a:rPr lang="en-US" b="1" dirty="0">
-                <a:solidFill>
-                  <a:schemeClr val="accent6">
-                    <a:lumMod val="75000"/>
-                  </a:schemeClr>
-                </a:solidFill>
-              </a:rPr>
-              <a:t>:first-child</a:t>
-            </a:r>
-            <a:r>
-              <a:rPr lang="en-US" b="1" dirty="0">
-                <a:solidFill>
-                  <a:srgbClr val="3333CC"/>
-                </a:solidFill>
-              </a:rPr>
-              <a:t> </a:t>
-            </a:r>
-            <a:r>
-              <a:rPr lang="en-US" dirty="0"/>
-              <a:t>{</a:t>
-            </a:r>
-          </a:p>
-          <a:p>
-            <a:r>
-              <a:rPr lang="en-US" dirty="0"/>
-              <a:t>    background: orange;</a:t>
-            </a:r>
-          </a:p>
-          <a:p>
-            <a:r>
-              <a:rPr lang="en-US" dirty="0"/>
-              <a:t>}</a:t>
-            </a:r>
-            <a:endParaRPr lang="ru-RU" dirty="0"/>
-          </a:p>
-          <a:p>
-            <a:r>
-              <a:rPr lang="en-US" dirty="0"/>
-              <a:t>p:</a:t>
-            </a:r>
-            <a:r>
-              <a:rPr lang="en-US" b="1" dirty="0">
-                <a:solidFill>
-                  <a:srgbClr val="00B050"/>
-                </a:solidFill>
-              </a:rPr>
-              <a:t>last-child</a:t>
-            </a:r>
-            <a:r>
-              <a:rPr lang="en-US" dirty="0">
-                <a:solidFill>
-                  <a:srgbClr val="00B050"/>
-                </a:solidFill>
-              </a:rPr>
-              <a:t> </a:t>
-            </a:r>
-            <a:r>
-              <a:rPr lang="en-US" dirty="0"/>
-              <a:t>{</a:t>
-            </a:r>
-          </a:p>
-          <a:p>
-            <a:r>
-              <a:rPr lang="en-US" dirty="0"/>
-              <a:t>    background: #green;</a:t>
-            </a:r>
-          </a:p>
-          <a:p>
-            <a:r>
-              <a:rPr lang="en-US" dirty="0"/>
-              <a:t>}</a:t>
-            </a:r>
-          </a:p>
-          <a:p>
-            <a:endParaRPr lang="en-US" sz="1600" dirty="0"/>
-          </a:p>
-        </p:txBody>
-      </p:sp>
-      <p:sp>
-        <p:nvSpPr>
-          <p:cNvPr id="5" name="Номер слайда 36"/>
-          <p:cNvSpPr txBox="1">
-            <a:spLocks/>
-          </p:cNvSpPr>
-          <p:nvPr/>
-        </p:nvSpPr>
-        <p:spPr>
-          <a:xfrm>
-            <a:off x="11136560" y="6165304"/>
-            <a:ext cx="648072" cy="432048"/>
-          </a:xfrm>
-          <a:prstGeom prst="roundRect">
-            <a:avLst/>
-          </a:prstGeom>
-          <a:ln w="25400" cap="flat" cmpd="sng" algn="ctr">
-            <a:solidFill>
-              <a:schemeClr val="tx2">
-                <a:lumMod val="60000"/>
-                <a:lumOff val="40000"/>
-              </a:schemeClr>
-            </a:solidFill>
-            <a:prstDash val="solid"/>
-          </a:ln>
+          <a:solidFill>
+            <a:schemeClr val="tx2">
+              <a:lumMod val="75000"/>
+            </a:schemeClr>
+          </a:solidFill>
         </p:spPr>
         <p:style>
           <a:lnRef idx="2">
-            <a:schemeClr val="accent1"/>
+            <a:schemeClr val="accent1">
+              <a:shade val="50000"/>
+            </a:schemeClr>
           </a:lnRef>
           <a:fillRef idx="1">
-            <a:schemeClr val="lt1"/>
+            <a:schemeClr val="accent1"/>
           </a:fillRef>
           <a:effectRef idx="0">
             <a:schemeClr val="accent1"/>
           </a:effectRef>
           <a:fontRef idx="minor">
-            <a:schemeClr val="dk1"/>
+            <a:schemeClr val="lt1"/>
           </a:fontRef>
         </p:style>
         <p:txBody>
-          <a:bodyPr vert="horz" lIns="91440" tIns="45720" rIns="91440" bIns="45720" rtlCol="0" anchor="ctr"/>
-          <a:lstStyle/>
-          <a:p>
-            <a:pPr algn="ctr">
-              <a:defRPr/>
-            </a:pPr>
-            <a:fld id="{6389AA22-90B4-448C-8B6B-C699140D38B9}" type="slidenum">
-              <a:rPr lang="uk-UA" sz="2400" b="1">
-                <a:solidFill>
-                  <a:schemeClr val="bg1">
-                    <a:lumMod val="50000"/>
-                  </a:schemeClr>
+          <a:bodyPr rtlCol="0" anchor="ctr"/>
+          <a:lstStyle/>
+          <a:p>
+            <a:pPr algn="ctr"/>
+            <a:r>
+              <a:rPr lang="en-US" sz="6000" b="1" dirty="0" smtClean="0"/>
+              <a:t>4. </a:t>
+            </a:r>
+            <a:r>
+              <a:rPr lang="ru-RU" sz="6000" b="1" dirty="0" smtClean="0"/>
+              <a:t>Порядковый селектор</a:t>
+            </a:r>
+            <a:endParaRPr lang="en-US" sz="6000" b="1" dirty="0" smtClean="0"/>
+          </a:p>
+          <a:p>
+            <a:pPr algn="ctr"/>
+            <a:r>
+              <a:rPr lang="en-US" sz="6000" b="1" dirty="0" smtClean="0">
+                <a:solidFill>
+                  <a:srgbClr val="FFFF00"/>
                 </a:solidFill>
               </a:rPr>
-              <a:pPr algn="ctr">
-                <a:defRPr/>
-              </a:pPr>
-              <a:t>19</a:t>
-            </a:fld>
-            <a:endParaRPr lang="uk-UA" sz="2400" b="1" dirty="0">
+              <a:t>:nth-child(n)</a:t>
+            </a:r>
+            <a:endParaRPr lang="uk-UA" sz="6000" b="1" dirty="0">
               <a:solidFill>
-                <a:schemeClr val="bg1">
-                  <a:lumMod val="50000"/>
-                </a:schemeClr>
+                <a:srgbClr val="FFFF00"/>
               </a:solidFill>
             </a:endParaRPr>
-          </a:p>
-        </p:txBody>
-      </p:sp>
-      <p:sp>
-        <p:nvSpPr>
-          <p:cNvPr id="9" name="TextBox 8"/>
-          <p:cNvSpPr txBox="1"/>
-          <p:nvPr/>
-        </p:nvSpPr>
-        <p:spPr>
-          <a:xfrm>
-            <a:off x="2351584" y="96461"/>
-            <a:ext cx="7560840" cy="646331"/>
-          </a:xfrm>
-          <a:prstGeom prst="rect">
-            <a:avLst/>
-          </a:prstGeom>
-          <a:noFill/>
-        </p:spPr>
-        <p:txBody>
-          <a:bodyPr wrap="square" rtlCol="0">
-            <a:spAutoFit/>
-          </a:bodyPr>
-          <a:lstStyle/>
-          <a:p>
-            <a:pPr algn="ctr"/>
-            <a:r>
-              <a:rPr lang="ru-RU" sz="3600" b="1" dirty="0"/>
-              <a:t>Порядковый селектор</a:t>
-            </a:r>
-            <a:endParaRPr lang="en-US" sz="3600" b="1" dirty="0"/>
-          </a:p>
-        </p:txBody>
-      </p:sp>
-      <p:sp>
-        <p:nvSpPr>
-          <p:cNvPr id="10" name="Прямоугольник 9"/>
-          <p:cNvSpPr/>
-          <p:nvPr/>
-        </p:nvSpPr>
-        <p:spPr>
-          <a:xfrm>
-            <a:off x="2058081" y="5048016"/>
-            <a:ext cx="8424936" cy="1200329"/>
-          </a:xfrm>
-          <a:prstGeom prst="rect">
-            <a:avLst/>
-          </a:prstGeom>
-        </p:spPr>
-        <p:txBody>
-          <a:bodyPr wrap="square">
-            <a:spAutoFit/>
-          </a:bodyPr>
-          <a:lstStyle/>
-          <a:p>
-            <a:r>
-              <a:rPr lang="ru-RU" dirty="0"/>
-              <a:t>Если по селектору нашлось более одного элемента, то </a:t>
-            </a:r>
-            <a:r>
-              <a:rPr lang="ru-RU" dirty="0" err="1"/>
-              <a:t>псевдокласс</a:t>
-            </a:r>
-            <a:r>
-              <a:rPr lang="ru-RU" dirty="0"/>
-              <a:t> </a:t>
-            </a:r>
-            <a:r>
-              <a:rPr lang="en-US" b="1" dirty="0"/>
-              <a:t>:nth-child </a:t>
-            </a:r>
-            <a:r>
-              <a:rPr lang="ru-RU" dirty="0"/>
-              <a:t>позволяет уточнить порядковые номера элементов (среди потомков его родителя) которые нас интересуют.</a:t>
-            </a:r>
-            <a:r>
-              <a:rPr lang="en-US" dirty="0"/>
-              <a:t> </a:t>
-            </a:r>
-            <a:r>
-              <a:rPr lang="en-US" b="1" dirty="0"/>
-              <a:t>:first-child </a:t>
-            </a:r>
-            <a:r>
-              <a:rPr lang="ru-RU" dirty="0"/>
-              <a:t>и </a:t>
-            </a:r>
-            <a:r>
-              <a:rPr lang="en-US" b="1" dirty="0"/>
-              <a:t>:last-child </a:t>
-            </a:r>
-            <a:r>
-              <a:rPr lang="ru-RU" dirty="0"/>
-              <a:t>указывают на элемент если он первый или последний потом своего родителя (</a:t>
-            </a:r>
-            <a:r>
-              <a:rPr lang="ru-RU" dirty="0" err="1"/>
-              <a:t>соотвественно</a:t>
-            </a:r>
-            <a:r>
-              <a:rPr lang="ru-RU" dirty="0"/>
-              <a:t>).</a:t>
-            </a:r>
-            <a:endParaRPr lang="en-US" b="1" dirty="0"/>
           </a:p>
         </p:txBody>
       </p:sp>
     </p:spTree>
     <p:extLst>
       <p:ext uri="{BB962C8B-B14F-4D97-AF65-F5344CB8AC3E}">
-        <p14:creationId xmlns:p14="http://schemas.microsoft.com/office/powerpoint/2010/main" val="2209467664"/>
+        <p14:creationId xmlns:p14="http://schemas.microsoft.com/office/powerpoint/2010/main" val="49656722"/>
       </p:ext>
     </p:extLst>
   </p:cSld>
@@ -6960,76 +6475,548 @@
       </p:grpSpPr>
       <p:sp>
         <p:nvSpPr>
-          <p:cNvPr id="5" name="Прямоугольник 4"/>
+          <p:cNvPr id="6" name="Прямоугольник 5"/>
           <p:cNvSpPr/>
           <p:nvPr/>
         </p:nvSpPr>
         <p:spPr>
           <a:xfrm>
-            <a:off x="0" y="0"/>
-            <a:ext cx="12192000" cy="6858000"/>
+            <a:off x="6852084" y="714176"/>
+            <a:ext cx="3312368" cy="4154984"/>
           </a:xfrm>
           <a:prstGeom prst="rect">
             <a:avLst/>
           </a:prstGeom>
-          <a:solidFill>
-            <a:schemeClr val="tx2">
-              <a:lumMod val="75000"/>
-            </a:schemeClr>
-          </a:solidFill>
+        </p:spPr>
+        <p:txBody>
+          <a:bodyPr wrap="square">
+            <a:spAutoFit/>
+          </a:bodyPr>
+          <a:lstStyle/>
+          <a:p>
+            <a:r>
+              <a:rPr lang="en-US" sz="2200" b="1" dirty="0"/>
+              <a:t>&lt;div&gt;</a:t>
+            </a:r>
+            <a:endParaRPr lang="ru-RU" sz="2200" b="1" dirty="0"/>
+          </a:p>
+          <a:p>
+            <a:pPr lvl="1"/>
+            <a:r>
+              <a:rPr lang="en-US" sz="2200" b="1" dirty="0">
+                <a:solidFill>
+                  <a:schemeClr val="accent6">
+                    <a:lumMod val="75000"/>
+                  </a:schemeClr>
+                </a:solidFill>
+              </a:rPr>
+              <a:t>&lt;p&gt;text 1&lt;/p&gt;</a:t>
+            </a:r>
+          </a:p>
+          <a:p>
+            <a:pPr lvl="1"/>
+            <a:r>
+              <a:rPr lang="en-US" sz="2200" b="1" dirty="0">
+                <a:solidFill>
+                  <a:srgbClr val="3333CC"/>
+                </a:solidFill>
+              </a:rPr>
+              <a:t>&lt;p&gt;text 2&lt;/p&gt;</a:t>
+            </a:r>
+          </a:p>
+          <a:p>
+            <a:pPr lvl="1"/>
+            <a:r>
+              <a:rPr lang="en-US" sz="2200" b="1" dirty="0">
+                <a:solidFill>
+                  <a:srgbClr val="FF0000"/>
+                </a:solidFill>
+              </a:rPr>
+              <a:t>&lt;p&gt;text 3&lt;/p&gt;</a:t>
+            </a:r>
+          </a:p>
+          <a:p>
+            <a:pPr lvl="1"/>
+            <a:r>
+              <a:rPr lang="en-US" sz="2200" b="1" dirty="0">
+                <a:solidFill>
+                  <a:srgbClr val="3333CC"/>
+                </a:solidFill>
+              </a:rPr>
+              <a:t>&lt;p&gt;text 4&lt;/p&gt;</a:t>
+            </a:r>
+          </a:p>
+          <a:p>
+            <a:pPr lvl="1"/>
+            <a:r>
+              <a:rPr lang="en-US" sz="2200" b="1" dirty="0">
+                <a:solidFill>
+                  <a:srgbClr val="7030A0"/>
+                </a:solidFill>
+              </a:rPr>
+              <a:t>&lt;p&gt;text 5&lt;/p&gt;</a:t>
+            </a:r>
+          </a:p>
+          <a:p>
+            <a:pPr lvl="1"/>
+            <a:r>
+              <a:rPr lang="en-US" sz="2200" b="1" dirty="0">
+                <a:solidFill>
+                  <a:srgbClr val="3333CC"/>
+                </a:solidFill>
+              </a:rPr>
+              <a:t>&lt;p&gt;text 6&lt;/p&gt;</a:t>
+            </a:r>
+          </a:p>
+          <a:p>
+            <a:pPr lvl="1"/>
+            <a:r>
+              <a:rPr lang="en-US" sz="2200" b="1" dirty="0">
+                <a:solidFill>
+                  <a:srgbClr val="FF0000"/>
+                </a:solidFill>
+              </a:rPr>
+              <a:t>&lt;p&gt;text 7&lt;/p&gt;</a:t>
+            </a:r>
+          </a:p>
+          <a:p>
+            <a:pPr lvl="1"/>
+            <a:r>
+              <a:rPr lang="en-US" sz="2200" b="1" dirty="0">
+                <a:solidFill>
+                  <a:srgbClr val="3333CC"/>
+                </a:solidFill>
+              </a:rPr>
+              <a:t>&lt;p&gt;text 8&lt;/p&gt;</a:t>
+            </a:r>
+          </a:p>
+          <a:p>
+            <a:pPr lvl="1"/>
+            <a:r>
+              <a:rPr lang="en-US" sz="2200" b="1" dirty="0">
+                <a:solidFill>
+                  <a:srgbClr val="FF0000"/>
+                </a:solidFill>
+              </a:rPr>
+              <a:t>&lt;p&gt;text 9&lt;/p&gt;</a:t>
+            </a:r>
+          </a:p>
+          <a:p>
+            <a:pPr lvl="1"/>
+            <a:r>
+              <a:rPr lang="en-US" sz="2200" b="1" dirty="0">
+                <a:solidFill>
+                  <a:srgbClr val="00B050"/>
+                </a:solidFill>
+              </a:rPr>
+              <a:t>&lt;p&gt;text 10&lt;/p&gt;</a:t>
+            </a:r>
+          </a:p>
+          <a:p>
+            <a:r>
+              <a:rPr lang="en-US" sz="2200" b="1" dirty="0"/>
+              <a:t>&lt;/div&gt;</a:t>
+            </a:r>
+          </a:p>
+        </p:txBody>
+      </p:sp>
+      <p:sp>
+        <p:nvSpPr>
+          <p:cNvPr id="4" name="Прямоугольник 3"/>
+          <p:cNvSpPr/>
+          <p:nvPr/>
+        </p:nvSpPr>
+        <p:spPr>
+          <a:xfrm>
+            <a:off x="2567608" y="764704"/>
+            <a:ext cx="4104456" cy="4493538"/>
+          </a:xfrm>
+          <a:prstGeom prst="rect">
+            <a:avLst/>
+          </a:prstGeom>
+        </p:spPr>
+        <p:txBody>
+          <a:bodyPr wrap="square">
+            <a:spAutoFit/>
+          </a:bodyPr>
+          <a:lstStyle/>
+          <a:p>
+            <a:r>
+              <a:rPr lang="en-US" dirty="0"/>
+              <a:t>p:</a:t>
+            </a:r>
+            <a:r>
+              <a:rPr lang="en-US" b="1" dirty="0">
+                <a:solidFill>
+                  <a:srgbClr val="FF0000"/>
+                </a:solidFill>
+              </a:rPr>
+              <a:t>nth-child(odd)</a:t>
+            </a:r>
+            <a:r>
+              <a:rPr lang="en-US" dirty="0"/>
+              <a:t> {</a:t>
+            </a:r>
+          </a:p>
+          <a:p>
+            <a:r>
+              <a:rPr lang="en-US" dirty="0"/>
+              <a:t>    background: red;</a:t>
+            </a:r>
+          </a:p>
+          <a:p>
+            <a:r>
+              <a:rPr lang="en-US" dirty="0"/>
+              <a:t>}</a:t>
+            </a:r>
+          </a:p>
+          <a:p>
+            <a:r>
+              <a:rPr lang="en-US" dirty="0"/>
+              <a:t>p:</a:t>
+            </a:r>
+            <a:r>
+              <a:rPr lang="en-US" b="1" dirty="0">
+                <a:solidFill>
+                  <a:srgbClr val="3333CC"/>
+                </a:solidFill>
+              </a:rPr>
+              <a:t>nth-child(even) </a:t>
+            </a:r>
+            <a:r>
+              <a:rPr lang="en-US" dirty="0"/>
+              <a:t>{</a:t>
+            </a:r>
+          </a:p>
+          <a:p>
+            <a:r>
+              <a:rPr lang="en-US" dirty="0"/>
+              <a:t>    background: blue;</a:t>
+            </a:r>
+          </a:p>
+          <a:p>
+            <a:r>
+              <a:rPr lang="en-US" dirty="0"/>
+              <a:t>}</a:t>
+            </a:r>
+            <a:endParaRPr lang="ru-RU" dirty="0"/>
+          </a:p>
+          <a:p>
+            <a:r>
+              <a:rPr lang="en-US" dirty="0"/>
+              <a:t>p</a:t>
+            </a:r>
+            <a:r>
+              <a:rPr lang="en-US" dirty="0">
+                <a:solidFill>
+                  <a:srgbClr val="7030A0"/>
+                </a:solidFill>
+              </a:rPr>
+              <a:t>:</a:t>
+            </a:r>
+            <a:r>
+              <a:rPr lang="en-US" b="1" dirty="0">
+                <a:solidFill>
+                  <a:srgbClr val="7030A0"/>
+                </a:solidFill>
+              </a:rPr>
+              <a:t>nth-child(5)</a:t>
+            </a:r>
+            <a:r>
+              <a:rPr lang="en-US" dirty="0">
+                <a:solidFill>
+                  <a:srgbClr val="7030A0"/>
+                </a:solidFill>
+              </a:rPr>
+              <a:t> </a:t>
+            </a:r>
+            <a:r>
+              <a:rPr lang="en-US" dirty="0"/>
+              <a:t>{</a:t>
+            </a:r>
+          </a:p>
+          <a:p>
+            <a:r>
+              <a:rPr lang="en-US" dirty="0"/>
+              <a:t>    </a:t>
+            </a:r>
+            <a:r>
+              <a:rPr lang="en-US" dirty="0" err="1"/>
+              <a:t>background:purple</a:t>
+            </a:r>
+            <a:r>
+              <a:rPr lang="en-US" dirty="0"/>
+              <a:t>;</a:t>
+            </a:r>
+          </a:p>
+          <a:p>
+            <a:r>
+              <a:rPr lang="en-US" dirty="0"/>
+              <a:t>}</a:t>
+            </a:r>
+          </a:p>
+          <a:p>
+            <a:r>
+              <a:rPr lang="en-US" dirty="0"/>
+              <a:t>p</a:t>
+            </a:r>
+            <a:r>
+              <a:rPr lang="en-US" b="1" dirty="0">
+                <a:solidFill>
+                  <a:schemeClr val="accent6">
+                    <a:lumMod val="75000"/>
+                  </a:schemeClr>
+                </a:solidFill>
+              </a:rPr>
+              <a:t>:first-child</a:t>
+            </a:r>
+            <a:r>
+              <a:rPr lang="en-US" b="1" dirty="0">
+                <a:solidFill>
+                  <a:srgbClr val="3333CC"/>
+                </a:solidFill>
+              </a:rPr>
+              <a:t> </a:t>
+            </a:r>
+            <a:r>
+              <a:rPr lang="en-US" dirty="0"/>
+              <a:t>{</a:t>
+            </a:r>
+          </a:p>
+          <a:p>
+            <a:r>
+              <a:rPr lang="en-US" dirty="0"/>
+              <a:t>    background: orange;</a:t>
+            </a:r>
+          </a:p>
+          <a:p>
+            <a:r>
+              <a:rPr lang="en-US" dirty="0"/>
+              <a:t>}</a:t>
+            </a:r>
+            <a:endParaRPr lang="ru-RU" dirty="0"/>
+          </a:p>
+          <a:p>
+            <a:r>
+              <a:rPr lang="en-US" dirty="0"/>
+              <a:t>p:</a:t>
+            </a:r>
+            <a:r>
+              <a:rPr lang="en-US" b="1" dirty="0">
+                <a:solidFill>
+                  <a:srgbClr val="00B050"/>
+                </a:solidFill>
+              </a:rPr>
+              <a:t>last-child</a:t>
+            </a:r>
+            <a:r>
+              <a:rPr lang="en-US" dirty="0">
+                <a:solidFill>
+                  <a:srgbClr val="00B050"/>
+                </a:solidFill>
+              </a:rPr>
+              <a:t> </a:t>
+            </a:r>
+            <a:r>
+              <a:rPr lang="en-US" dirty="0"/>
+              <a:t>{</a:t>
+            </a:r>
+          </a:p>
+          <a:p>
+            <a:r>
+              <a:rPr lang="en-US" dirty="0"/>
+              <a:t>    background: #green;</a:t>
+            </a:r>
+          </a:p>
+          <a:p>
+            <a:r>
+              <a:rPr lang="en-US" dirty="0"/>
+              <a:t>}</a:t>
+            </a:r>
+          </a:p>
+          <a:p>
+            <a:endParaRPr lang="en-US" sz="1600" dirty="0"/>
+          </a:p>
+        </p:txBody>
+      </p:sp>
+      <p:sp>
+        <p:nvSpPr>
+          <p:cNvPr id="5" name="Номер слайда 36"/>
+          <p:cNvSpPr txBox="1">
+            <a:spLocks/>
+          </p:cNvSpPr>
+          <p:nvPr/>
+        </p:nvSpPr>
+        <p:spPr>
+          <a:xfrm>
+            <a:off x="11136560" y="6165304"/>
+            <a:ext cx="648072" cy="432048"/>
+          </a:xfrm>
+          <a:prstGeom prst="roundRect">
+            <a:avLst/>
+          </a:prstGeom>
+          <a:ln w="25400" cap="flat" cmpd="sng" algn="ctr">
+            <a:solidFill>
+              <a:schemeClr val="tx2">
+                <a:lumMod val="60000"/>
+                <a:lumOff val="40000"/>
+              </a:schemeClr>
+            </a:solidFill>
+            <a:prstDash val="solid"/>
+          </a:ln>
         </p:spPr>
         <p:style>
           <a:lnRef idx="2">
-            <a:schemeClr val="accent1">
-              <a:shade val="50000"/>
-            </a:schemeClr>
+            <a:schemeClr val="accent1"/>
           </a:lnRef>
           <a:fillRef idx="1">
-            <a:schemeClr val="accent1"/>
+            <a:schemeClr val="lt1"/>
           </a:fillRef>
           <a:effectRef idx="0">
             <a:schemeClr val="accent1"/>
           </a:effectRef>
           <a:fontRef idx="minor">
-            <a:schemeClr val="lt1"/>
+            <a:schemeClr val="dk1"/>
           </a:fontRef>
         </p:style>
         <p:txBody>
-          <a:bodyPr rtlCol="0" anchor="ctr"/>
+          <a:bodyPr vert="horz" lIns="91440" tIns="45720" rIns="91440" bIns="45720" rtlCol="0" anchor="ctr"/>
+          <a:lstStyle/>
+          <a:p>
+            <a:pPr algn="ctr">
+              <a:defRPr/>
+            </a:pPr>
+            <a:fld id="{6389AA22-90B4-448C-8B6B-C699140D38B9}" type="slidenum">
+              <a:rPr lang="uk-UA" sz="2400" b="1">
+                <a:solidFill>
+                  <a:schemeClr val="bg1">
+                    <a:lumMod val="50000"/>
+                  </a:schemeClr>
+                </a:solidFill>
+              </a:rPr>
+              <a:pPr algn="ctr">
+                <a:defRPr/>
+              </a:pPr>
+              <a:t>20</a:t>
+            </a:fld>
+            <a:endParaRPr lang="uk-UA" sz="2400" b="1" dirty="0">
+              <a:solidFill>
+                <a:schemeClr val="bg1">
+                  <a:lumMod val="50000"/>
+                </a:schemeClr>
+              </a:solidFill>
+            </a:endParaRPr>
+          </a:p>
+        </p:txBody>
+      </p:sp>
+      <p:sp>
+        <p:nvSpPr>
+          <p:cNvPr id="9" name="TextBox 8"/>
+          <p:cNvSpPr txBox="1"/>
+          <p:nvPr/>
+        </p:nvSpPr>
+        <p:spPr>
+          <a:xfrm>
+            <a:off x="2351584" y="96461"/>
+            <a:ext cx="7560840" cy="646331"/>
+          </a:xfrm>
+          <a:prstGeom prst="rect">
+            <a:avLst/>
+          </a:prstGeom>
+          <a:noFill/>
+        </p:spPr>
+        <p:txBody>
+          <a:bodyPr wrap="square" rtlCol="0">
+            <a:spAutoFit/>
+          </a:bodyPr>
           <a:lstStyle/>
           <a:p>
             <a:pPr algn="ctr"/>
             <a:r>
-              <a:rPr lang="en-US" sz="6000" b="1" dirty="0" smtClean="0"/>
-              <a:t>5. </a:t>
-            </a:r>
-            <a:r>
-              <a:rPr lang="ru-RU" sz="6000" b="1" strike="sngStrike" dirty="0" smtClean="0"/>
-              <a:t>Каскадирование</a:t>
-            </a:r>
-            <a:endParaRPr lang="ru-RU" sz="6000" b="1" strike="sngStrike" dirty="0"/>
-          </a:p>
-          <a:p>
-            <a:pPr algn="ctr"/>
-            <a:r>
-              <a:rPr lang="ru-RU" sz="6000" b="1" strike="sngStrike" dirty="0"/>
-              <a:t>Специфичность</a:t>
-            </a:r>
-          </a:p>
-          <a:p>
-            <a:pPr algn="ctr"/>
-            <a:r>
-              <a:rPr lang="ru-RU" sz="6000" b="1" dirty="0"/>
-              <a:t>Как браузер разрешает противоречия?</a:t>
-            </a:r>
-            <a:endParaRPr lang="uk-UA" sz="6000" b="1" dirty="0"/>
+              <a:rPr lang="ru-RU" sz="3600" b="1" dirty="0"/>
+              <a:t>Порядковый селектор</a:t>
+            </a:r>
+            <a:endParaRPr lang="en-US" sz="3600" b="1" dirty="0"/>
+          </a:p>
+        </p:txBody>
+      </p:sp>
+      <p:sp>
+        <p:nvSpPr>
+          <p:cNvPr id="10" name="Прямоугольник 9"/>
+          <p:cNvSpPr/>
+          <p:nvPr/>
+        </p:nvSpPr>
+        <p:spPr>
+          <a:xfrm>
+            <a:off x="2058081" y="5048016"/>
+            <a:ext cx="8424936" cy="1200329"/>
+          </a:xfrm>
+          <a:prstGeom prst="rect">
+            <a:avLst/>
+          </a:prstGeom>
+        </p:spPr>
+        <p:txBody>
+          <a:bodyPr wrap="square">
+            <a:spAutoFit/>
+          </a:bodyPr>
+          <a:lstStyle/>
+          <a:p>
+            <a:r>
+              <a:rPr lang="ru-RU" dirty="0"/>
+              <a:t>Если по селектору нашлось более одного элемента, то </a:t>
+            </a:r>
+            <a:r>
+              <a:rPr lang="ru-RU" dirty="0" err="1"/>
+              <a:t>псевдокласс</a:t>
+            </a:r>
+            <a:r>
+              <a:rPr lang="ru-RU" dirty="0"/>
+              <a:t> </a:t>
+            </a:r>
+            <a:r>
+              <a:rPr lang="en-US" b="1" dirty="0"/>
+              <a:t>:nth-child </a:t>
+            </a:r>
+            <a:r>
+              <a:rPr lang="ru-RU" dirty="0"/>
+              <a:t>позволяет уточнить порядковые номера элементов (среди потомков его родителя) которые нас интересуют.</a:t>
+            </a:r>
+            <a:r>
+              <a:rPr lang="en-US" dirty="0"/>
+              <a:t> </a:t>
+            </a:r>
+            <a:r>
+              <a:rPr lang="en-US" b="1" dirty="0"/>
+              <a:t>:first-child </a:t>
+            </a:r>
+            <a:r>
+              <a:rPr lang="ru-RU" dirty="0"/>
+              <a:t>и </a:t>
+            </a:r>
+            <a:r>
+              <a:rPr lang="en-US" b="1" dirty="0"/>
+              <a:t>:last-child </a:t>
+            </a:r>
+            <a:r>
+              <a:rPr lang="ru-RU" dirty="0"/>
+              <a:t>указывают на элемент если он первый или последний потом своего родителя (</a:t>
+            </a:r>
+            <a:r>
+              <a:rPr lang="ru-RU" dirty="0" err="1"/>
+              <a:t>соотвественно</a:t>
+            </a:r>
+            <a:r>
+              <a:rPr lang="ru-RU" dirty="0"/>
+              <a:t>).</a:t>
+            </a:r>
+            <a:endParaRPr lang="en-US" b="1" dirty="0"/>
           </a:p>
         </p:txBody>
       </p:sp>
     </p:spTree>
     <p:extLst>
       <p:ext uri="{BB962C8B-B14F-4D97-AF65-F5344CB8AC3E}">
-        <p14:creationId xmlns:p14="http://schemas.microsoft.com/office/powerpoint/2010/main" val="2942212631"/>
+        <p14:creationId xmlns:p14="http://schemas.microsoft.com/office/powerpoint/2010/main" val="2209467664"/>
       </p:ext>
     </p:extLst>
   </p:cSld>
@@ -7065,139 +7052,76 @@
       </p:grpSpPr>
       <p:sp>
         <p:nvSpPr>
-          <p:cNvPr id="5" name="Номер слайда 36"/>
-          <p:cNvSpPr txBox="1">
-            <a:spLocks/>
-          </p:cNvSpPr>
+          <p:cNvPr id="5" name="Прямоугольник 4"/>
+          <p:cNvSpPr/>
           <p:nvPr/>
         </p:nvSpPr>
         <p:spPr>
           <a:xfrm>
-            <a:off x="11208568" y="6158334"/>
-            <a:ext cx="648072" cy="432048"/>
-          </a:xfrm>
-          <a:prstGeom prst="roundRect">
-            <a:avLst/>
-          </a:prstGeom>
-          <a:ln w="25400" cap="flat" cmpd="sng" algn="ctr">
-            <a:solidFill>
-              <a:schemeClr val="tx2">
-                <a:lumMod val="60000"/>
-                <a:lumOff val="40000"/>
-              </a:schemeClr>
-            </a:solidFill>
-            <a:prstDash val="solid"/>
-          </a:ln>
+            <a:off x="0" y="0"/>
+            <a:ext cx="12192000" cy="6858000"/>
+          </a:xfrm>
+          <a:prstGeom prst="rect">
+            <a:avLst/>
+          </a:prstGeom>
+          <a:solidFill>
+            <a:schemeClr val="tx2">
+              <a:lumMod val="75000"/>
+            </a:schemeClr>
+          </a:solidFill>
         </p:spPr>
         <p:style>
           <a:lnRef idx="2">
-            <a:schemeClr val="accent1"/>
+            <a:schemeClr val="accent1">
+              <a:shade val="50000"/>
+            </a:schemeClr>
           </a:lnRef>
           <a:fillRef idx="1">
-            <a:schemeClr val="lt1"/>
+            <a:schemeClr val="accent1"/>
           </a:fillRef>
           <a:effectRef idx="0">
             <a:schemeClr val="accent1"/>
           </a:effectRef>
           <a:fontRef idx="minor">
-            <a:schemeClr val="dk1"/>
+            <a:schemeClr val="lt1"/>
           </a:fontRef>
         </p:style>
         <p:txBody>
-          <a:bodyPr vert="horz" lIns="91440" tIns="45720" rIns="91440" bIns="45720" rtlCol="0" anchor="ctr"/>
-          <a:lstStyle/>
-          <a:p>
-            <a:pPr algn="ctr">
-              <a:defRPr/>
-            </a:pPr>
-            <a:fld id="{6389AA22-90B4-448C-8B6B-C699140D38B9}" type="slidenum">
-              <a:rPr lang="uk-UA" sz="2400" b="1">
-                <a:solidFill>
-                  <a:schemeClr val="bg1">
-                    <a:lumMod val="50000"/>
-                  </a:schemeClr>
-                </a:solidFill>
-              </a:rPr>
-              <a:pPr algn="ctr">
-                <a:defRPr/>
-              </a:pPr>
-              <a:t>21</a:t>
-            </a:fld>
-            <a:endParaRPr lang="uk-UA" sz="2400" b="1" dirty="0">
-              <a:solidFill>
-                <a:schemeClr val="bg1">
-                  <a:lumMod val="50000"/>
-                </a:schemeClr>
-              </a:solidFill>
-            </a:endParaRPr>
-          </a:p>
-        </p:txBody>
-      </p:sp>
-      <p:sp>
-        <p:nvSpPr>
-          <p:cNvPr id="9" name="TextBox 8"/>
-          <p:cNvSpPr txBox="1"/>
-          <p:nvPr/>
-        </p:nvSpPr>
-        <p:spPr>
-          <a:xfrm>
-            <a:off x="0" y="2276872"/>
-            <a:ext cx="12192000" cy="2123658"/>
-          </a:xfrm>
-          <a:prstGeom prst="rect">
-            <a:avLst/>
-          </a:prstGeom>
-          <a:noFill/>
-        </p:spPr>
-        <p:txBody>
-          <a:bodyPr wrap="square" rtlCol="0">
-            <a:spAutoFit/>
-          </a:bodyPr>
+          <a:bodyPr rtlCol="0" anchor="ctr"/>
           <a:lstStyle/>
           <a:p>
             <a:pPr algn="ctr"/>
             <a:r>
-              <a:rPr lang="ru-RU" sz="4400" b="1" dirty="0"/>
-              <a:t>К одному тегу могут применятся </a:t>
-            </a:r>
-            <a:r>
-              <a:rPr lang="en-US" sz="4400" b="1" dirty="0" smtClean="0"/>
-              <a:t/>
-            </a:r>
-            <a:br>
-              <a:rPr lang="en-US" sz="4400" b="1" dirty="0" smtClean="0"/>
-            </a:br>
-            <a:r>
-              <a:rPr lang="ru-RU" sz="4400" b="1" dirty="0" smtClean="0"/>
-              <a:t>несколько </a:t>
-            </a:r>
-            <a:r>
-              <a:rPr lang="ru-RU" sz="4400" b="1" dirty="0"/>
-              <a:t>правил, но что </a:t>
-            </a:r>
-            <a:r>
-              <a:rPr lang="en-US" sz="4400" b="1" dirty="0" smtClean="0"/>
-              <a:t/>
-            </a:r>
-            <a:br>
-              <a:rPr lang="en-US" sz="4400" b="1" dirty="0" smtClean="0"/>
-            </a:br>
-            <a:r>
-              <a:rPr lang="ru-RU" sz="4400" b="1" dirty="0" smtClean="0"/>
-              <a:t>если </a:t>
-            </a:r>
-            <a:r>
-              <a:rPr lang="ru-RU" sz="4400" b="1" dirty="0"/>
-              <a:t>они противоречат друг другу?</a:t>
-            </a:r>
-            <a:endParaRPr lang="en-US" sz="4400" b="1" dirty="0"/>
+              <a:rPr lang="en-US" sz="6000" b="1" dirty="0" smtClean="0"/>
+              <a:t>5. </a:t>
+            </a:r>
+            <a:r>
+              <a:rPr lang="ru-RU" sz="6000" b="1" strike="sngStrike" dirty="0" smtClean="0"/>
+              <a:t>Каскадирование</a:t>
+            </a:r>
+            <a:endParaRPr lang="ru-RU" sz="6000" b="1" strike="sngStrike" dirty="0"/>
+          </a:p>
+          <a:p>
+            <a:pPr algn="ctr"/>
+            <a:r>
+              <a:rPr lang="ru-RU" sz="6000" b="1" strike="sngStrike" dirty="0"/>
+              <a:t>Специфичность</a:t>
+            </a:r>
+          </a:p>
+          <a:p>
+            <a:pPr algn="ctr"/>
+            <a:r>
+              <a:rPr lang="ru-RU" sz="6000" b="1" dirty="0"/>
+              <a:t>Как браузер разрешает противоречия?</a:t>
+            </a:r>
+            <a:endParaRPr lang="uk-UA" sz="6000" b="1" dirty="0"/>
           </a:p>
         </p:txBody>
       </p:sp>
     </p:spTree>
     <p:extLst>
       <p:ext uri="{BB962C8B-B14F-4D97-AF65-F5344CB8AC3E}">
-        <p14:creationId xmlns:p14="http://schemas.microsoft.com/office/powerpoint/2010/main" val="2211431625"/>
+        <p14:creationId xmlns:p14="http://schemas.microsoft.com/office/powerpoint/2010/main" val="2942212631"/>
       </p:ext>
     </p:extLst>
   </p:cSld>
@@ -7241,7 +7165,7 @@
         </p:nvSpPr>
         <p:spPr>
           <a:xfrm>
-            <a:off x="11136560" y="6165304"/>
+            <a:off x="11208568" y="6158334"/>
             <a:ext cx="648072" cy="432048"/>
           </a:xfrm>
           <a:prstGeom prst="roundRect">
@@ -7309,8 +7233,8 @@
         </p:nvSpPr>
         <p:spPr>
           <a:xfrm>
-            <a:off x="2063552" y="188640"/>
-            <a:ext cx="8064896" cy="1384995"/>
+            <a:off x="0" y="2276872"/>
+            <a:ext cx="12192000" cy="2123658"/>
           </a:xfrm>
           <a:prstGeom prst="rect">
             <a:avLst/>
@@ -7325,291 +7249,47 @@
           <a:p>
             <a:pPr algn="ctr"/>
             <a:r>
-              <a:rPr lang="ru-RU" sz="2800" b="1" dirty="0"/>
-              <a:t>В случае противоречия браузер отдаёт предпочтение одному из стилевых </a:t>
-            </a:r>
-            <a:r>
-              <a:rPr lang="ru-RU" sz="2800" b="1" dirty="0" smtClean="0"/>
-              <a:t>свойств. </a:t>
-            </a:r>
-            <a:r>
-              <a:rPr lang="ru-RU" sz="2800" b="1" dirty="0"/>
-              <a:t>У правил есть приоритеты.</a:t>
-            </a:r>
-            <a:endParaRPr lang="en-US" sz="2800" b="1" dirty="0"/>
-          </a:p>
-        </p:txBody>
-      </p:sp>
-      <p:sp>
-        <p:nvSpPr>
-          <p:cNvPr id="4" name="TextBox 3"/>
-          <p:cNvSpPr txBox="1"/>
-          <p:nvPr/>
-        </p:nvSpPr>
-        <p:spPr>
-          <a:xfrm>
-            <a:off x="3719737" y="1700808"/>
-            <a:ext cx="4689297" cy="523220"/>
-          </a:xfrm>
-          <a:prstGeom prst="rect">
-            <a:avLst/>
-          </a:prstGeom>
-          <a:noFill/>
-        </p:spPr>
-        <p:txBody>
-          <a:bodyPr wrap="none" rtlCol="0">
-            <a:spAutoFit/>
-          </a:bodyPr>
-          <a:lstStyle/>
-          <a:p>
-            <a:r>
-              <a:rPr lang="ru-RU" sz="2800" b="1" dirty="0"/>
-              <a:t>Порядок приоритетов такой:</a:t>
-            </a:r>
-          </a:p>
-        </p:txBody>
-      </p:sp>
-      <p:sp>
-        <p:nvSpPr>
-          <p:cNvPr id="7" name="TextBox 6"/>
-          <p:cNvSpPr txBox="1"/>
-          <p:nvPr/>
-        </p:nvSpPr>
-        <p:spPr>
-          <a:xfrm>
-            <a:off x="2108628" y="2276872"/>
-            <a:ext cx="8235844" cy="2031325"/>
-          </a:xfrm>
-          <a:prstGeom prst="rect">
-            <a:avLst/>
-          </a:prstGeom>
-          <a:noFill/>
-        </p:spPr>
-        <p:txBody>
-          <a:bodyPr wrap="square" rtlCol="0">
-            <a:spAutoFit/>
-          </a:bodyPr>
-          <a:lstStyle/>
-          <a:p>
-            <a:pPr marL="342900" indent="-342900" algn="just">
-              <a:buAutoNum type="arabicPeriod"/>
-            </a:pPr>
-            <a:r>
-              <a:rPr lang="ru-RU" dirty="0"/>
-              <a:t>Наибольший приоритет имеют стили описанные прямо в теге в атрибуте </a:t>
-            </a:r>
-            <a:r>
-              <a:rPr lang="en-US" b="1" dirty="0"/>
-              <a:t>style=“…”</a:t>
-            </a:r>
-            <a:r>
-              <a:rPr lang="ru-RU" dirty="0"/>
-              <a:t>;</a:t>
-            </a:r>
-            <a:endParaRPr lang="en-US" dirty="0"/>
-          </a:p>
-          <a:p>
-            <a:pPr marL="342900" indent="-342900" algn="just">
-              <a:buAutoNum type="arabicPeriod"/>
-            </a:pPr>
-            <a:r>
-              <a:rPr lang="ru-RU" dirty="0"/>
-              <a:t>Далее следует правила у которых есть селектор по атрибуту </a:t>
-            </a:r>
-            <a:r>
-              <a:rPr lang="en-US" b="1" dirty="0"/>
-              <a:t>id</a:t>
-            </a:r>
-            <a:r>
-              <a:rPr lang="ru-RU" dirty="0"/>
-              <a:t> т.е. вида </a:t>
-            </a:r>
-            <a:r>
-              <a:rPr lang="en-US" b="1" dirty="0"/>
-              <a:t>#report { … }</a:t>
-            </a:r>
-            <a:r>
-              <a:rPr lang="en-US" dirty="0"/>
-              <a:t>;</a:t>
-            </a:r>
-          </a:p>
-          <a:p>
-            <a:pPr marL="342900" indent="-342900" algn="just">
-              <a:buAutoNum type="arabicPeriod"/>
-            </a:pPr>
-            <a:r>
-              <a:rPr lang="ru-RU" dirty="0"/>
-              <a:t>После этого следуют правила с селекторами по любым другим атрибутам (в том числе и атрибуту </a:t>
-            </a:r>
-            <a:r>
-              <a:rPr lang="en-US" b="1" dirty="0"/>
-              <a:t>class</a:t>
-            </a:r>
-            <a:r>
-              <a:rPr lang="en-US" dirty="0"/>
-              <a:t> </a:t>
-            </a:r>
-            <a:r>
-              <a:rPr lang="ru-RU" dirty="0"/>
-              <a:t>т.е. вида </a:t>
-            </a:r>
-            <a:r>
-              <a:rPr lang="en-US" b="1" dirty="0"/>
-              <a:t>.</a:t>
-            </a:r>
-            <a:r>
-              <a:rPr lang="en-US" b="1" dirty="0" err="1"/>
-              <a:t>sometype</a:t>
-            </a:r>
-            <a:r>
-              <a:rPr lang="en-US" b="1" dirty="0"/>
-              <a:t> { … }</a:t>
-            </a:r>
-            <a:r>
-              <a:rPr lang="ru-RU" dirty="0"/>
-              <a:t>)</a:t>
-            </a:r>
-            <a:r>
-              <a:rPr lang="en-US" dirty="0"/>
-              <a:t>;</a:t>
-            </a:r>
-          </a:p>
-          <a:p>
-            <a:pPr marL="342900" indent="-342900" algn="just">
-              <a:buAutoNum type="arabicPeriod"/>
-            </a:pPr>
-            <a:r>
-              <a:rPr lang="ru-RU" dirty="0"/>
-              <a:t>Правила в селекторе которых просто название тега, например </a:t>
-            </a:r>
-            <a:r>
-              <a:rPr lang="en-US" b="1" dirty="0"/>
-              <a:t>h1 { … }</a:t>
-            </a:r>
-            <a:r>
-              <a:rPr lang="ru-RU" b="1" dirty="0"/>
-              <a:t>.</a:t>
-            </a:r>
-          </a:p>
-        </p:txBody>
-      </p:sp>
-      <p:sp>
-        <p:nvSpPr>
-          <p:cNvPr id="10" name="TextBox 9"/>
-          <p:cNvSpPr txBox="1"/>
-          <p:nvPr/>
-        </p:nvSpPr>
-        <p:spPr>
-          <a:xfrm>
-            <a:off x="2174745" y="4479373"/>
-            <a:ext cx="7920880" cy="646331"/>
-          </a:xfrm>
-          <a:prstGeom prst="rect">
-            <a:avLst/>
-          </a:prstGeom>
-          <a:noFill/>
-        </p:spPr>
-        <p:txBody>
-          <a:bodyPr wrap="square" rtlCol="0">
-            <a:spAutoFit/>
-          </a:bodyPr>
-          <a:lstStyle/>
-          <a:p>
-            <a:pPr algn="ctr"/>
-            <a:r>
-              <a:rPr lang="ru-RU" i="1" dirty="0"/>
-              <a:t>Если у нескольких правил одинаковый приоритет, то применяется то, которое встречается последним (т.е. идёт </a:t>
-            </a:r>
-            <a:r>
-              <a:rPr lang="ru-RU" i="1" dirty="0" smtClean="0"/>
-              <a:t>ниже, в коде, </a:t>
-            </a:r>
-            <a:r>
-              <a:rPr lang="ru-RU" i="1" dirty="0"/>
-              <a:t>чем другие).</a:t>
-            </a:r>
-          </a:p>
-        </p:txBody>
-      </p:sp>
-      <p:sp>
-        <p:nvSpPr>
-          <p:cNvPr id="8" name="TextBox 7"/>
-          <p:cNvSpPr txBox="1"/>
-          <p:nvPr/>
-        </p:nvSpPr>
-        <p:spPr>
-          <a:xfrm>
-            <a:off x="2423593" y="5805264"/>
-            <a:ext cx="7776864" cy="584775"/>
-          </a:xfrm>
-          <a:prstGeom prst="rect">
-            <a:avLst/>
-          </a:prstGeom>
-          <a:noFill/>
-        </p:spPr>
-        <p:txBody>
-          <a:bodyPr wrap="square" rtlCol="0">
-            <a:spAutoFit/>
-          </a:bodyPr>
-          <a:lstStyle/>
-          <a:p>
-            <a:r>
-              <a:rPr lang="ru-RU" sz="1600" dirty="0"/>
-              <a:t>Команда </a:t>
-            </a:r>
-            <a:r>
-              <a:rPr lang="en-US" sz="1600" b="1" dirty="0"/>
-              <a:t>!important </a:t>
-            </a:r>
-            <a:r>
-              <a:rPr lang="ru-RU" sz="1600" dirty="0"/>
-              <a:t>записанная после какого-либо из стилевых правил делает его наиболее приоритетным из всех, независимо от того какой селектор применяется.</a:t>
-            </a:r>
-          </a:p>
-        </p:txBody>
-      </p:sp>
-      <p:sp>
-        <p:nvSpPr>
-          <p:cNvPr id="2" name="Прямоугольник 1"/>
-          <p:cNvSpPr/>
-          <p:nvPr/>
-        </p:nvSpPr>
-        <p:spPr>
-          <a:xfrm>
-            <a:off x="0" y="5291916"/>
-            <a:ext cx="12192000" cy="369332"/>
-          </a:xfrm>
-          <a:prstGeom prst="rect">
-            <a:avLst/>
-          </a:prstGeom>
-        </p:spPr>
-        <p:txBody>
-          <a:bodyPr wrap="square">
-            <a:spAutoFit/>
-          </a:bodyPr>
-          <a:lstStyle/>
-          <a:p>
-            <a:pPr algn="ctr"/>
-            <a:r>
-              <a:rPr lang="ru-RU" b="1" dirty="0">
-                <a:hlinkClick r:id="rId2"/>
-              </a:rPr>
-              <a:t>https://</a:t>
-            </a:r>
-            <a:r>
-              <a:rPr lang="ru-RU" b="1" dirty="0" smtClean="0">
-                <a:hlinkClick r:id="rId2"/>
-              </a:rPr>
-              <a:t>css-live.ru/css/nikto-ne-znaet-css-specifichnost-ne-kaskad.html</a:t>
-            </a:r>
-            <a:endParaRPr lang="ru-RU" b="1" dirty="0"/>
+              <a:rPr lang="ru-RU" sz="4400" b="1" dirty="0"/>
+              <a:t>К одному тегу могут применятся </a:t>
+            </a:r>
+            <a:r>
+              <a:rPr lang="en-US" sz="4400" b="1" dirty="0" smtClean="0"/>
+              <a:t/>
+            </a:r>
+            <a:br>
+              <a:rPr lang="en-US" sz="4400" b="1" dirty="0" smtClean="0"/>
+            </a:br>
+            <a:r>
+              <a:rPr lang="ru-RU" sz="4400" b="1" dirty="0" smtClean="0"/>
+              <a:t>несколько </a:t>
+            </a:r>
+            <a:r>
+              <a:rPr lang="ru-RU" sz="4400" b="1" dirty="0"/>
+              <a:t>правил, но что </a:t>
+            </a:r>
+            <a:r>
+              <a:rPr lang="en-US" sz="4400" b="1" dirty="0" smtClean="0"/>
+              <a:t/>
+            </a:r>
+            <a:br>
+              <a:rPr lang="en-US" sz="4400" b="1" dirty="0" smtClean="0"/>
+            </a:br>
+            <a:r>
+              <a:rPr lang="ru-RU" sz="4400" b="1" dirty="0" smtClean="0"/>
+              <a:t>если </a:t>
+            </a:r>
+            <a:r>
+              <a:rPr lang="ru-RU" sz="4400" b="1" dirty="0"/>
+              <a:t>они противоречат друг другу?</a:t>
+            </a:r>
+            <a:endParaRPr lang="en-US" sz="4400" b="1" dirty="0"/>
           </a:p>
         </p:txBody>
       </p:sp>
     </p:spTree>
     <p:extLst>
       <p:ext uri="{BB962C8B-B14F-4D97-AF65-F5344CB8AC3E}">
-        <p14:creationId xmlns:p14="http://schemas.microsoft.com/office/powerpoint/2010/main" val="2312151163"/>
+        <p14:creationId xmlns:p14="http://schemas.microsoft.com/office/powerpoint/2010/main" val="2211431625"/>
       </p:ext>
     </p:extLst>
   </p:cSld>
@@ -7645,65 +7325,383 @@
       </p:grpSpPr>
       <p:sp>
         <p:nvSpPr>
-          <p:cNvPr id="5" name="Прямоугольник 4"/>
-          <p:cNvSpPr/>
+          <p:cNvPr id="5" name="Номер слайда 36"/>
+          <p:cNvSpPr txBox="1">
+            <a:spLocks/>
+          </p:cNvSpPr>
           <p:nvPr/>
         </p:nvSpPr>
         <p:spPr>
           <a:xfrm>
-            <a:off x="0" y="0"/>
-            <a:ext cx="12192000" cy="6858000"/>
-          </a:xfrm>
-          <a:prstGeom prst="rect">
-            <a:avLst/>
-          </a:prstGeom>
-          <a:solidFill>
-            <a:schemeClr val="tx2">
-              <a:lumMod val="75000"/>
-            </a:schemeClr>
-          </a:solidFill>
+            <a:off x="11136560" y="6165304"/>
+            <a:ext cx="648072" cy="432048"/>
+          </a:xfrm>
+          <a:prstGeom prst="roundRect">
+            <a:avLst/>
+          </a:prstGeom>
+          <a:ln w="25400" cap="flat" cmpd="sng" algn="ctr">
+            <a:solidFill>
+              <a:schemeClr val="tx2">
+                <a:lumMod val="60000"/>
+                <a:lumOff val="40000"/>
+              </a:schemeClr>
+            </a:solidFill>
+            <a:prstDash val="solid"/>
+          </a:ln>
         </p:spPr>
         <p:style>
           <a:lnRef idx="2">
-            <a:schemeClr val="accent1">
-              <a:shade val="50000"/>
-            </a:schemeClr>
+            <a:schemeClr val="accent1"/>
           </a:lnRef>
           <a:fillRef idx="1">
-            <a:schemeClr val="accent1"/>
+            <a:schemeClr val="lt1"/>
           </a:fillRef>
           <a:effectRef idx="0">
             <a:schemeClr val="accent1"/>
           </a:effectRef>
           <a:fontRef idx="minor">
-            <a:schemeClr val="lt1"/>
+            <a:schemeClr val="dk1"/>
           </a:fontRef>
         </p:style>
         <p:txBody>
-          <a:bodyPr rtlCol="0" anchor="ctr"/>
+          <a:bodyPr vert="horz" lIns="91440" tIns="45720" rIns="91440" bIns="45720" rtlCol="0" anchor="ctr"/>
+          <a:lstStyle/>
+          <a:p>
+            <a:pPr algn="ctr">
+              <a:defRPr/>
+            </a:pPr>
+            <a:fld id="{6389AA22-90B4-448C-8B6B-C699140D38B9}" type="slidenum">
+              <a:rPr lang="uk-UA" sz="2400" b="1">
+                <a:solidFill>
+                  <a:schemeClr val="bg1">
+                    <a:lumMod val="50000"/>
+                  </a:schemeClr>
+                </a:solidFill>
+              </a:rPr>
+              <a:pPr algn="ctr">
+                <a:defRPr/>
+              </a:pPr>
+              <a:t>23</a:t>
+            </a:fld>
+            <a:endParaRPr lang="uk-UA" sz="2400" b="1" dirty="0">
+              <a:solidFill>
+                <a:schemeClr val="bg1">
+                  <a:lumMod val="50000"/>
+                </a:schemeClr>
+              </a:solidFill>
+            </a:endParaRPr>
+          </a:p>
+        </p:txBody>
+      </p:sp>
+      <p:sp>
+        <p:nvSpPr>
+          <p:cNvPr id="9" name="TextBox 8"/>
+          <p:cNvSpPr txBox="1"/>
+          <p:nvPr/>
+        </p:nvSpPr>
+        <p:spPr>
+          <a:xfrm>
+            <a:off x="2063552" y="188640"/>
+            <a:ext cx="8064896" cy="1384995"/>
+          </a:xfrm>
+          <a:prstGeom prst="rect">
+            <a:avLst/>
+          </a:prstGeom>
+          <a:noFill/>
+        </p:spPr>
+        <p:txBody>
+          <a:bodyPr wrap="square" rtlCol="0">
+            <a:spAutoFit/>
+          </a:bodyPr>
           <a:lstStyle/>
           <a:p>
             <a:pPr algn="ctr"/>
             <a:r>
-              <a:rPr lang="en-US" sz="6000" b="1" dirty="0" smtClean="0"/>
-              <a:t>6. </a:t>
-            </a:r>
-            <a:r>
-              <a:rPr lang="ru-RU" sz="6000" b="1" dirty="0" smtClean="0"/>
-              <a:t>Немного </a:t>
-            </a:r>
-            <a:r>
-              <a:rPr lang="ru-RU" sz="6000" b="1" dirty="0"/>
-              <a:t>практики</a:t>
-            </a:r>
-            <a:endParaRPr lang="uk-UA" sz="6000" b="1" dirty="0"/>
+              <a:rPr lang="ru-RU" sz="2800" b="1" dirty="0"/>
+              <a:t>В случае противоречия браузер отдаёт предпочтение одному из стилевых </a:t>
+            </a:r>
+            <a:r>
+              <a:rPr lang="ru-RU" sz="2800" b="1" dirty="0" smtClean="0"/>
+              <a:t>свойств. </a:t>
+            </a:r>
+            <a:r>
+              <a:rPr lang="ru-RU" sz="2800" b="1" dirty="0"/>
+              <a:t>У правил есть приоритеты.</a:t>
+            </a:r>
+            <a:endParaRPr lang="en-US" sz="2800" b="1" dirty="0"/>
+          </a:p>
+        </p:txBody>
+      </p:sp>
+      <p:sp>
+        <p:nvSpPr>
+          <p:cNvPr id="4" name="TextBox 3"/>
+          <p:cNvSpPr txBox="1"/>
+          <p:nvPr/>
+        </p:nvSpPr>
+        <p:spPr>
+          <a:xfrm>
+            <a:off x="3719737" y="1700808"/>
+            <a:ext cx="4689297" cy="523220"/>
+          </a:xfrm>
+          <a:prstGeom prst="rect">
+            <a:avLst/>
+          </a:prstGeom>
+          <a:noFill/>
+        </p:spPr>
+        <p:txBody>
+          <a:bodyPr wrap="none" rtlCol="0">
+            <a:spAutoFit/>
+          </a:bodyPr>
+          <a:lstStyle/>
+          <a:p>
+            <a:r>
+              <a:rPr lang="ru-RU" sz="2800" b="1" dirty="0"/>
+              <a:t>Порядок приоритетов такой:</a:t>
+            </a:r>
+          </a:p>
+        </p:txBody>
+      </p:sp>
+      <p:sp>
+        <p:nvSpPr>
+          <p:cNvPr id="7" name="TextBox 6"/>
+          <p:cNvSpPr txBox="1"/>
+          <p:nvPr/>
+        </p:nvSpPr>
+        <p:spPr>
+          <a:xfrm>
+            <a:off x="2108628" y="2276872"/>
+            <a:ext cx="8235844" cy="2031325"/>
+          </a:xfrm>
+          <a:prstGeom prst="rect">
+            <a:avLst/>
+          </a:prstGeom>
+          <a:noFill/>
+        </p:spPr>
+        <p:txBody>
+          <a:bodyPr wrap="square" rtlCol="0">
+            <a:spAutoFit/>
+          </a:bodyPr>
+          <a:lstStyle/>
+          <a:p>
+            <a:pPr marL="342900" indent="-342900" algn="just">
+              <a:buAutoNum type="arabicPeriod"/>
+            </a:pPr>
+            <a:r>
+              <a:rPr lang="ru-RU" dirty="0"/>
+              <a:t>Наибольший приоритет имеют стили описанные прямо в теге в атрибуте </a:t>
+            </a:r>
+            <a:r>
+              <a:rPr lang="en-US" b="1" dirty="0"/>
+              <a:t>style=“…”</a:t>
+            </a:r>
+            <a:r>
+              <a:rPr lang="ru-RU" dirty="0"/>
+              <a:t>;</a:t>
+            </a:r>
+            <a:endParaRPr lang="en-US" dirty="0"/>
+          </a:p>
+          <a:p>
+            <a:pPr marL="342900" indent="-342900" algn="just">
+              <a:buAutoNum type="arabicPeriod"/>
+            </a:pPr>
+            <a:r>
+              <a:rPr lang="ru-RU" dirty="0"/>
+              <a:t>Далее следует правила у которых есть селектор по атрибуту </a:t>
+            </a:r>
+            <a:r>
+              <a:rPr lang="en-US" b="1" dirty="0"/>
+              <a:t>id</a:t>
+            </a:r>
+            <a:r>
+              <a:rPr lang="ru-RU" dirty="0"/>
+              <a:t> т.е. вида </a:t>
+            </a:r>
+            <a:r>
+              <a:rPr lang="en-US" b="1" dirty="0"/>
+              <a:t>#report { … }</a:t>
+            </a:r>
+            <a:r>
+              <a:rPr lang="en-US" dirty="0"/>
+              <a:t>;</a:t>
+            </a:r>
+          </a:p>
+          <a:p>
+            <a:pPr marL="342900" indent="-342900" algn="just">
+              <a:buAutoNum type="arabicPeriod"/>
+            </a:pPr>
+            <a:r>
+              <a:rPr lang="ru-RU" dirty="0"/>
+              <a:t>После этого следуют правила с селекторами по любым другим атрибутам (в том числе и атрибуту </a:t>
+            </a:r>
+            <a:r>
+              <a:rPr lang="en-US" b="1" dirty="0"/>
+              <a:t>class</a:t>
+            </a:r>
+            <a:r>
+              <a:rPr lang="en-US" dirty="0"/>
+              <a:t> </a:t>
+            </a:r>
+            <a:r>
+              <a:rPr lang="ru-RU" dirty="0"/>
+              <a:t>т.е. вида </a:t>
+            </a:r>
+            <a:r>
+              <a:rPr lang="en-US" b="1" dirty="0"/>
+              <a:t>.</a:t>
+            </a:r>
+            <a:r>
+              <a:rPr lang="en-US" b="1" dirty="0" err="1"/>
+              <a:t>sometype</a:t>
+            </a:r>
+            <a:r>
+              <a:rPr lang="en-US" b="1" dirty="0"/>
+              <a:t> { … }</a:t>
+            </a:r>
+            <a:r>
+              <a:rPr lang="ru-RU" dirty="0"/>
+              <a:t>)</a:t>
+            </a:r>
+            <a:r>
+              <a:rPr lang="en-US" dirty="0"/>
+              <a:t>;</a:t>
+            </a:r>
+          </a:p>
+          <a:p>
+            <a:pPr marL="342900" indent="-342900" algn="just">
+              <a:buAutoNum type="arabicPeriod"/>
+            </a:pPr>
+            <a:r>
+              <a:rPr lang="ru-RU" dirty="0"/>
+              <a:t>Правила в селекторе которых просто название тега, например </a:t>
+            </a:r>
+            <a:r>
+              <a:rPr lang="en-US" b="1" dirty="0"/>
+              <a:t>h1 { … }</a:t>
+            </a:r>
+            <a:r>
+              <a:rPr lang="ru-RU" b="1" dirty="0"/>
+              <a:t>.</a:t>
+            </a:r>
+          </a:p>
+        </p:txBody>
+      </p:sp>
+      <p:sp>
+        <p:nvSpPr>
+          <p:cNvPr id="10" name="TextBox 9"/>
+          <p:cNvSpPr txBox="1"/>
+          <p:nvPr/>
+        </p:nvSpPr>
+        <p:spPr>
+          <a:xfrm>
+            <a:off x="2174745" y="4479373"/>
+            <a:ext cx="7920880" cy="646331"/>
+          </a:xfrm>
+          <a:prstGeom prst="rect">
+            <a:avLst/>
+          </a:prstGeom>
+          <a:noFill/>
+        </p:spPr>
+        <p:txBody>
+          <a:bodyPr wrap="square" rtlCol="0">
+            <a:spAutoFit/>
+          </a:bodyPr>
+          <a:lstStyle/>
+          <a:p>
+            <a:pPr algn="ctr"/>
+            <a:r>
+              <a:rPr lang="ru-RU" i="1" dirty="0"/>
+              <a:t>Если у нескольких правил одинаковый приоритет, то применяется то, которое встречается последним (т.е. идёт </a:t>
+            </a:r>
+            <a:r>
+              <a:rPr lang="ru-RU" i="1" dirty="0" smtClean="0"/>
+              <a:t>ниже, в коде, </a:t>
+            </a:r>
+            <a:r>
+              <a:rPr lang="ru-RU" i="1" dirty="0"/>
+              <a:t>чем другие).</a:t>
+            </a:r>
+          </a:p>
+        </p:txBody>
+      </p:sp>
+      <p:sp>
+        <p:nvSpPr>
+          <p:cNvPr id="8" name="TextBox 7"/>
+          <p:cNvSpPr txBox="1"/>
+          <p:nvPr/>
+        </p:nvSpPr>
+        <p:spPr>
+          <a:xfrm>
+            <a:off x="2423593" y="5805264"/>
+            <a:ext cx="7776864" cy="584775"/>
+          </a:xfrm>
+          <a:prstGeom prst="rect">
+            <a:avLst/>
+          </a:prstGeom>
+          <a:noFill/>
+        </p:spPr>
+        <p:txBody>
+          <a:bodyPr wrap="square" rtlCol="0">
+            <a:spAutoFit/>
+          </a:bodyPr>
+          <a:lstStyle/>
+          <a:p>
+            <a:r>
+              <a:rPr lang="ru-RU" sz="1600" dirty="0"/>
+              <a:t>Команда </a:t>
+            </a:r>
+            <a:r>
+              <a:rPr lang="en-US" sz="1600" b="1" dirty="0"/>
+              <a:t>!important </a:t>
+            </a:r>
+            <a:r>
+              <a:rPr lang="ru-RU" sz="1600" dirty="0"/>
+              <a:t>записанная после какого-либо из стилевых правил делает его наиболее приоритетным из всех, независимо от того какой селектор применяется.</a:t>
+            </a:r>
+          </a:p>
+        </p:txBody>
+      </p:sp>
+      <p:sp>
+        <p:nvSpPr>
+          <p:cNvPr id="2" name="Прямоугольник 1"/>
+          <p:cNvSpPr/>
+          <p:nvPr/>
+        </p:nvSpPr>
+        <p:spPr>
+          <a:xfrm>
+            <a:off x="0" y="5291916"/>
+            <a:ext cx="12192000" cy="369332"/>
+          </a:xfrm>
+          <a:prstGeom prst="rect">
+            <a:avLst/>
+          </a:prstGeom>
+        </p:spPr>
+        <p:txBody>
+          <a:bodyPr wrap="square">
+            <a:spAutoFit/>
+          </a:bodyPr>
+          <a:lstStyle/>
+          <a:p>
+            <a:pPr algn="ctr"/>
+            <a:r>
+              <a:rPr lang="ru-RU" b="1" dirty="0">
+                <a:hlinkClick r:id="rId2"/>
+              </a:rPr>
+              <a:t>https://</a:t>
+            </a:r>
+            <a:r>
+              <a:rPr lang="ru-RU" b="1" dirty="0" smtClean="0">
+                <a:hlinkClick r:id="rId2"/>
+              </a:rPr>
+              <a:t>css-live.ru/css/nikto-ne-znaet-css-specifichnost-ne-kaskad.html</a:t>
+            </a:r>
+            <a:endParaRPr lang="ru-RU" b="1" dirty="0"/>
           </a:p>
         </p:txBody>
       </p:sp>
     </p:spTree>
     <p:extLst>
       <p:ext uri="{BB962C8B-B14F-4D97-AF65-F5344CB8AC3E}">
-        <p14:creationId xmlns:p14="http://schemas.microsoft.com/office/powerpoint/2010/main" val="1651259319"/>
+        <p14:creationId xmlns:p14="http://schemas.microsoft.com/office/powerpoint/2010/main" val="2312151163"/>
       </p:ext>
     </p:extLst>
   </p:cSld>
@@ -7739,246 +7737,65 @@
       </p:grpSpPr>
       <p:sp>
         <p:nvSpPr>
-          <p:cNvPr id="4" name="Номер слайда 36"/>
-          <p:cNvSpPr txBox="1">
-            <a:spLocks/>
-          </p:cNvSpPr>
+          <p:cNvPr id="5" name="Прямоугольник 4"/>
+          <p:cNvSpPr/>
           <p:nvPr/>
         </p:nvSpPr>
         <p:spPr>
           <a:xfrm>
-            <a:off x="11280576" y="6165304"/>
-            <a:ext cx="648072" cy="432048"/>
-          </a:xfrm>
-          <a:prstGeom prst="roundRect">
-            <a:avLst/>
-          </a:prstGeom>
-          <a:ln w="25400" cap="flat" cmpd="sng" algn="ctr">
-            <a:solidFill>
-              <a:schemeClr val="tx2">
-                <a:lumMod val="60000"/>
-                <a:lumOff val="40000"/>
-              </a:schemeClr>
-            </a:solidFill>
-            <a:prstDash val="solid"/>
-          </a:ln>
+            <a:off x="0" y="0"/>
+            <a:ext cx="12192000" cy="6858000"/>
+          </a:xfrm>
+          <a:prstGeom prst="rect">
+            <a:avLst/>
+          </a:prstGeom>
+          <a:solidFill>
+            <a:schemeClr val="tx2">
+              <a:lumMod val="75000"/>
+            </a:schemeClr>
+          </a:solidFill>
         </p:spPr>
         <p:style>
           <a:lnRef idx="2">
-            <a:schemeClr val="accent1"/>
+            <a:schemeClr val="accent1">
+              <a:shade val="50000"/>
+            </a:schemeClr>
           </a:lnRef>
           <a:fillRef idx="1">
-            <a:schemeClr val="lt1"/>
+            <a:schemeClr val="accent1"/>
           </a:fillRef>
           <a:effectRef idx="0">
             <a:schemeClr val="accent1"/>
           </a:effectRef>
           <a:fontRef idx="minor">
-            <a:schemeClr val="dk1"/>
+            <a:schemeClr val="lt1"/>
           </a:fontRef>
         </p:style>
         <p:txBody>
-          <a:bodyPr vert="horz" lIns="91440" tIns="45720" rIns="91440" bIns="45720" rtlCol="0" anchor="ctr"/>
-          <a:lstStyle/>
-          <a:p>
-            <a:pPr algn="ctr">
-              <a:defRPr/>
-            </a:pPr>
-            <a:fld id="{6389AA22-90B4-448C-8B6B-C699140D38B9}" type="slidenum">
-              <a:rPr lang="uk-UA" sz="2400" b="1">
-                <a:solidFill>
-                  <a:schemeClr val="bg1">
-                    <a:lumMod val="50000"/>
-                  </a:schemeClr>
-                </a:solidFill>
-              </a:rPr>
-              <a:pPr algn="ctr">
-                <a:defRPr/>
-              </a:pPr>
-              <a:t>24</a:t>
-            </a:fld>
-            <a:endParaRPr lang="uk-UA" sz="2400" b="1" dirty="0">
-              <a:solidFill>
-                <a:schemeClr val="bg1">
-                  <a:lumMod val="50000"/>
-                </a:schemeClr>
-              </a:solidFill>
-            </a:endParaRPr>
-          </a:p>
-        </p:txBody>
-      </p:sp>
-      <p:sp>
-        <p:nvSpPr>
-          <p:cNvPr id="7" name="TextBox 6"/>
-          <p:cNvSpPr txBox="1"/>
-          <p:nvPr/>
-        </p:nvSpPr>
-        <p:spPr>
-          <a:xfrm>
-            <a:off x="4583832" y="459829"/>
-            <a:ext cx="5291795" cy="1384995"/>
-          </a:xfrm>
-          <a:prstGeom prst="rect">
-            <a:avLst/>
-          </a:prstGeom>
-          <a:noFill/>
-        </p:spPr>
-        <p:txBody>
-          <a:bodyPr wrap="square" rtlCol="0">
-            <a:spAutoFit/>
-          </a:bodyPr>
-          <a:lstStyle/>
-          <a:p>
-            <a:r>
-              <a:rPr lang="ru-RU" sz="2800" b="1" dirty="0" smtClean="0"/>
-              <a:t>Воспроизведём оформление компонента на базе готовой </a:t>
-            </a:r>
-            <a:r>
-              <a:rPr lang="en-US" sz="2800" b="1" dirty="0" smtClean="0"/>
-              <a:t>HTML-</a:t>
-            </a:r>
-            <a:r>
-              <a:rPr lang="ru-RU" sz="2800" b="1" dirty="0" smtClean="0"/>
-              <a:t>разметки</a:t>
-            </a:r>
-            <a:endParaRPr lang="ru-RU" sz="2800" b="1" dirty="0"/>
-          </a:p>
-        </p:txBody>
-      </p:sp>
-      <p:sp>
-        <p:nvSpPr>
-          <p:cNvPr id="8" name="TextBox 7"/>
-          <p:cNvSpPr txBox="1"/>
-          <p:nvPr/>
-        </p:nvSpPr>
-        <p:spPr>
-          <a:xfrm>
-            <a:off x="4583831" y="2144569"/>
-            <a:ext cx="5291795" cy="2862322"/>
-          </a:xfrm>
-          <a:prstGeom prst="rect">
-            <a:avLst/>
-          </a:prstGeom>
-          <a:noFill/>
-        </p:spPr>
-        <p:txBody>
-          <a:bodyPr wrap="square" rtlCol="0">
-            <a:spAutoFit/>
-          </a:bodyPr>
-          <a:lstStyle/>
-          <a:p>
-            <a:r>
-              <a:rPr lang="ru-RU" sz="3600" dirty="0"/>
-              <a:t>Необходимо воспроизвести </a:t>
-            </a:r>
-            <a:r>
-              <a:rPr lang="ru-RU" sz="3600" dirty="0" smtClean="0"/>
-              <a:t>стили макета. </a:t>
-            </a:r>
-            <a:r>
-              <a:rPr lang="ru-RU" sz="3600" b="1" dirty="0"/>
-              <a:t>Без внесения изменений в </a:t>
-            </a:r>
-            <a:r>
-              <a:rPr lang="uk-UA" sz="3600" b="1" dirty="0" smtClean="0"/>
-              <a:t>файл </a:t>
-            </a:r>
-            <a:r>
-              <a:rPr lang="en-US" sz="3600" b="1" dirty="0" smtClean="0">
-                <a:solidFill>
-                  <a:srgbClr val="00B050"/>
-                </a:solidFill>
-              </a:rPr>
-              <a:t>index.html</a:t>
-            </a:r>
-            <a:endParaRPr lang="ru-RU" sz="3600" b="1" dirty="0">
-              <a:solidFill>
-                <a:srgbClr val="00B050"/>
-              </a:solidFill>
-            </a:endParaRPr>
-          </a:p>
-        </p:txBody>
-      </p:sp>
-      <p:pic>
-        <p:nvPicPr>
-          <p:cNvPr id="5" name="Рисунок 4"/>
-          <p:cNvPicPr>
-            <a:picLocks noChangeAspect="1"/>
-          </p:cNvPicPr>
-          <p:nvPr/>
-        </p:nvPicPr>
-        <p:blipFill rotWithShape="1">
-          <a:blip r:embed="rId3"/>
-          <a:srcRect l="7914" r="8808" b="1701"/>
-          <a:stretch/>
-        </p:blipFill>
-        <p:spPr>
-          <a:xfrm>
-            <a:off x="0" y="1"/>
-            <a:ext cx="4229580" cy="6858000"/>
-          </a:xfrm>
-          <a:prstGeom prst="rect">
-            <a:avLst/>
-          </a:prstGeom>
-        </p:spPr>
-      </p:pic>
-      <p:sp>
-        <p:nvSpPr>
-          <p:cNvPr id="6" name="TextBox 5"/>
-          <p:cNvSpPr txBox="1"/>
-          <p:nvPr/>
-        </p:nvSpPr>
-        <p:spPr>
-          <a:xfrm>
-            <a:off x="4583832" y="5229200"/>
-            <a:ext cx="6786359" cy="707886"/>
-          </a:xfrm>
-          <a:prstGeom prst="rect">
-            <a:avLst/>
-          </a:prstGeom>
-          <a:noFill/>
-        </p:spPr>
-        <p:txBody>
-          <a:bodyPr wrap="square" rtlCol="0">
-            <a:spAutoFit/>
-          </a:bodyPr>
-          <a:lstStyle/>
-          <a:p>
-            <a:r>
-              <a:rPr lang="uk-UA" sz="2000" b="1" dirty="0" smtClean="0"/>
-              <a:t>Проект с макетом в</a:t>
-            </a:r>
-            <a:r>
-              <a:rPr lang="ru-RU" sz="2000" b="1" dirty="0" smtClean="0"/>
-              <a:t>ы можете скачать:</a:t>
-            </a:r>
-            <a:r>
-              <a:rPr lang="ru-RU" sz="2000" dirty="0" smtClean="0"/>
-              <a:t/>
-            </a:r>
-            <a:br>
-              <a:rPr lang="ru-RU" sz="2000" dirty="0" smtClean="0"/>
-            </a:br>
-            <a:r>
-              <a:rPr lang="en-US" sz="2000" b="1" dirty="0">
-                <a:hlinkClick r:id="rId4"/>
-              </a:rPr>
-              <a:t>https://</a:t>
-            </a:r>
-            <a:r>
-              <a:rPr lang="en-US" sz="2000" b="1" dirty="0" smtClean="0">
-                <a:hlinkClick r:id="rId4"/>
-              </a:rPr>
-              <a:t>filebase.xyz/storage/web/selectors/v1/component.zip</a:t>
-            </a:r>
-            <a:endParaRPr lang="ru-RU" sz="2800" dirty="0"/>
+          <a:bodyPr rtlCol="0" anchor="ctr"/>
+          <a:lstStyle/>
+          <a:p>
+            <a:pPr algn="ctr"/>
+            <a:r>
+              <a:rPr lang="en-US" sz="6000" b="1" dirty="0" smtClean="0"/>
+              <a:t>6. </a:t>
+            </a:r>
+            <a:r>
+              <a:rPr lang="ru-RU" sz="6000" b="1" dirty="0" smtClean="0"/>
+              <a:t>Немного </a:t>
+            </a:r>
+            <a:r>
+              <a:rPr lang="ru-RU" sz="6000" b="1" dirty="0"/>
+              <a:t>практики</a:t>
+            </a:r>
+            <a:endParaRPr lang="uk-UA" sz="6000" b="1" dirty="0"/>
           </a:p>
         </p:txBody>
       </p:sp>
     </p:spTree>
     <p:extLst>
       <p:ext uri="{BB962C8B-B14F-4D97-AF65-F5344CB8AC3E}">
-        <p14:creationId xmlns:p14="http://schemas.microsoft.com/office/powerpoint/2010/main" val="2220913979"/>
+        <p14:creationId xmlns:p14="http://schemas.microsoft.com/office/powerpoint/2010/main" val="1651259319"/>
       </p:ext>
     </p:extLst>
   </p:cSld>
@@ -8014,57 +7831,278 @@
       </p:grpSpPr>
       <p:sp>
         <p:nvSpPr>
-          <p:cNvPr id="5" name="Прямоугольник 4"/>
-          <p:cNvSpPr/>
+          <p:cNvPr id="4" name="Номер слайда 36"/>
+          <p:cNvSpPr txBox="1">
+            <a:spLocks/>
+          </p:cNvSpPr>
           <p:nvPr/>
         </p:nvSpPr>
         <p:spPr>
           <a:xfrm>
-            <a:off x="0" y="0"/>
-            <a:ext cx="12192000" cy="6858000"/>
-          </a:xfrm>
-          <a:prstGeom prst="rect">
-            <a:avLst/>
-          </a:prstGeom>
-          <a:solidFill>
-            <a:schemeClr val="tx2">
-              <a:lumMod val="75000"/>
-            </a:schemeClr>
-          </a:solidFill>
+            <a:off x="11280576" y="6165304"/>
+            <a:ext cx="648072" cy="432048"/>
+          </a:xfrm>
+          <a:prstGeom prst="roundRect">
+            <a:avLst/>
+          </a:prstGeom>
+          <a:ln w="25400" cap="flat" cmpd="sng" algn="ctr">
+            <a:solidFill>
+              <a:schemeClr val="tx2">
+                <a:lumMod val="60000"/>
+                <a:lumOff val="40000"/>
+              </a:schemeClr>
+            </a:solidFill>
+            <a:prstDash val="solid"/>
+          </a:ln>
         </p:spPr>
         <p:style>
           <a:lnRef idx="2">
-            <a:schemeClr val="accent1">
-              <a:shade val="50000"/>
-            </a:schemeClr>
+            <a:schemeClr val="accent1"/>
           </a:lnRef>
           <a:fillRef idx="1">
-            <a:schemeClr val="accent1"/>
+            <a:schemeClr val="lt1"/>
           </a:fillRef>
           <a:effectRef idx="0">
             <a:schemeClr val="accent1"/>
           </a:effectRef>
           <a:fontRef idx="minor">
-            <a:schemeClr val="lt1"/>
+            <a:schemeClr val="dk1"/>
           </a:fontRef>
         </p:style>
         <p:txBody>
-          <a:bodyPr rtlCol="0" anchor="ctr"/>
-          <a:lstStyle/>
-          <a:p>
-            <a:pPr algn="ctr"/>
-            <a:r>
-              <a:rPr lang="ru-RU" sz="7200" b="1" dirty="0" smtClean="0"/>
-              <a:t>Будет полезным</a:t>
-            </a:r>
-            <a:endParaRPr lang="uk-UA" sz="7200" b="1" dirty="0"/>
+          <a:bodyPr vert="horz" lIns="91440" tIns="45720" rIns="91440" bIns="45720" rtlCol="0" anchor="ctr"/>
+          <a:lstStyle/>
+          <a:p>
+            <a:pPr algn="ctr">
+              <a:defRPr/>
+            </a:pPr>
+            <a:fld id="{6389AA22-90B4-448C-8B6B-C699140D38B9}" type="slidenum">
+              <a:rPr lang="uk-UA" sz="2400" b="1">
+                <a:solidFill>
+                  <a:schemeClr val="bg1">
+                    <a:lumMod val="50000"/>
+                  </a:schemeClr>
+                </a:solidFill>
+              </a:rPr>
+              <a:pPr algn="ctr">
+                <a:defRPr/>
+              </a:pPr>
+              <a:t>25</a:t>
+            </a:fld>
+            <a:endParaRPr lang="uk-UA" sz="2400" b="1" dirty="0">
+              <a:solidFill>
+                <a:schemeClr val="bg1">
+                  <a:lumMod val="50000"/>
+                </a:schemeClr>
+              </a:solidFill>
+            </a:endParaRPr>
+          </a:p>
+        </p:txBody>
+      </p:sp>
+      <p:sp>
+        <p:nvSpPr>
+          <p:cNvPr id="7" name="TextBox 6"/>
+          <p:cNvSpPr txBox="1"/>
+          <p:nvPr/>
+        </p:nvSpPr>
+        <p:spPr>
+          <a:xfrm>
+            <a:off x="4583832" y="404664"/>
+            <a:ext cx="5291795" cy="1384995"/>
+          </a:xfrm>
+          <a:prstGeom prst="rect">
+            <a:avLst/>
+          </a:prstGeom>
+          <a:noFill/>
+        </p:spPr>
+        <p:txBody>
+          <a:bodyPr wrap="square" rtlCol="0">
+            <a:spAutoFit/>
+          </a:bodyPr>
+          <a:lstStyle/>
+          <a:p>
+            <a:r>
+              <a:rPr lang="ru-RU" sz="2800" b="1" dirty="0" smtClean="0"/>
+              <a:t>Воспроизведём оформление компонента на базе готовой </a:t>
+            </a:r>
+            <a:r>
+              <a:rPr lang="en-US" sz="2800" b="1" dirty="0" smtClean="0"/>
+              <a:t>HTML-</a:t>
+            </a:r>
+            <a:r>
+              <a:rPr lang="ru-RU" sz="2800" b="1" dirty="0" smtClean="0"/>
+              <a:t>разметки</a:t>
+            </a:r>
+            <a:endParaRPr lang="ru-RU" sz="2800" b="1" dirty="0"/>
+          </a:p>
+        </p:txBody>
+      </p:sp>
+      <p:sp>
+        <p:nvSpPr>
+          <p:cNvPr id="8" name="TextBox 7"/>
+          <p:cNvSpPr txBox="1"/>
+          <p:nvPr/>
+        </p:nvSpPr>
+        <p:spPr>
+          <a:xfrm>
+            <a:off x="4583831" y="2060848"/>
+            <a:ext cx="5291795" cy="2862322"/>
+          </a:xfrm>
+          <a:prstGeom prst="rect">
+            <a:avLst/>
+          </a:prstGeom>
+          <a:noFill/>
+        </p:spPr>
+        <p:txBody>
+          <a:bodyPr wrap="square" rtlCol="0">
+            <a:spAutoFit/>
+          </a:bodyPr>
+          <a:lstStyle/>
+          <a:p>
+            <a:r>
+              <a:rPr lang="ru-RU" sz="3600" dirty="0"/>
+              <a:t>Необходимо воспроизвести </a:t>
+            </a:r>
+            <a:r>
+              <a:rPr lang="ru-RU" sz="3600" dirty="0" smtClean="0"/>
+              <a:t>стили макета. </a:t>
+            </a:r>
+            <a:r>
+              <a:rPr lang="ru-RU" sz="3600" b="1" dirty="0"/>
+              <a:t>Без внесения изменений в </a:t>
+            </a:r>
+            <a:r>
+              <a:rPr lang="uk-UA" sz="3600" b="1" dirty="0" smtClean="0"/>
+              <a:t>файл </a:t>
+            </a:r>
+            <a:r>
+              <a:rPr lang="en-US" sz="3600" b="1" dirty="0" smtClean="0">
+                <a:solidFill>
+                  <a:srgbClr val="00B050"/>
+                </a:solidFill>
+              </a:rPr>
+              <a:t>index.html</a:t>
+            </a:r>
+            <a:endParaRPr lang="ru-RU" sz="3600" b="1" dirty="0">
+              <a:solidFill>
+                <a:srgbClr val="00B050"/>
+              </a:solidFill>
+            </a:endParaRPr>
+          </a:p>
+        </p:txBody>
+      </p:sp>
+      <p:pic>
+        <p:nvPicPr>
+          <p:cNvPr id="5" name="Рисунок 4"/>
+          <p:cNvPicPr>
+            <a:picLocks noChangeAspect="1"/>
+          </p:cNvPicPr>
+          <p:nvPr/>
+        </p:nvPicPr>
+        <p:blipFill rotWithShape="1">
+          <a:blip r:embed="rId3"/>
+          <a:srcRect l="7914" r="8808" b="1701"/>
+          <a:stretch/>
+        </p:blipFill>
+        <p:spPr>
+          <a:xfrm>
+            <a:off x="0" y="1"/>
+            <a:ext cx="4229580" cy="6858000"/>
+          </a:xfrm>
+          <a:prstGeom prst="rect">
+            <a:avLst/>
+          </a:prstGeom>
+        </p:spPr>
+      </p:pic>
+      <p:sp>
+        <p:nvSpPr>
+          <p:cNvPr id="2" name="Прямоугольник 1"/>
+          <p:cNvSpPr/>
+          <p:nvPr/>
+        </p:nvSpPr>
+        <p:spPr>
+          <a:xfrm>
+            <a:off x="4583830" y="5085184"/>
+            <a:ext cx="6696745" cy="954107"/>
+          </a:xfrm>
+          <a:prstGeom prst="rect">
+            <a:avLst/>
+          </a:prstGeom>
+        </p:spPr>
+        <p:txBody>
+          <a:bodyPr wrap="square">
+            <a:spAutoFit/>
+          </a:bodyPr>
+          <a:lstStyle/>
+          <a:p>
+            <a:r>
+              <a:rPr lang="ru-RU" sz="2800" b="1" dirty="0"/>
+              <a:t>Откройте проект из каталога (из архива): </a:t>
+            </a:r>
+            <a:r>
+              <a:rPr lang="ru-RU" sz="2800" b="1" dirty="0">
+                <a:solidFill>
+                  <a:schemeClr val="accent6">
+                    <a:lumMod val="75000"/>
+                  </a:schemeClr>
+                </a:solidFill>
+              </a:rPr>
+              <a:t>./</a:t>
+            </a:r>
+            <a:r>
+              <a:rPr lang="en-US" sz="2800" b="1" dirty="0" err="1" smtClean="0">
+                <a:solidFill>
+                  <a:schemeClr val="accent6">
+                    <a:lumMod val="75000"/>
+                  </a:schemeClr>
+                </a:solidFill>
+              </a:rPr>
+              <a:t>css</a:t>
+            </a:r>
+            <a:r>
+              <a:rPr lang="en-US" sz="2800" b="1" dirty="0" smtClean="0">
+                <a:solidFill>
+                  <a:schemeClr val="accent6">
+                    <a:lumMod val="75000"/>
+                  </a:schemeClr>
+                </a:solidFill>
+              </a:rPr>
+              <a:t>-selectors-master/</a:t>
+            </a:r>
+            <a:r>
+              <a:rPr lang="en-US" sz="2800" b="1" dirty="0">
+                <a:solidFill>
+                  <a:schemeClr val="accent6">
+                    <a:lumMod val="75000"/>
+                  </a:schemeClr>
+                </a:solidFill>
+              </a:rPr>
+              <a:t>component</a:t>
+            </a:r>
+            <a:r>
+              <a:rPr lang="en-US" sz="2800" b="1" dirty="0" smtClean="0">
+                <a:solidFill>
+                  <a:schemeClr val="accent6">
+                    <a:lumMod val="75000"/>
+                  </a:schemeClr>
+                </a:solidFill>
+              </a:rPr>
+              <a:t>-template</a:t>
+            </a:r>
+            <a:endParaRPr lang="ru-RU" sz="2800" b="1" dirty="0">
+              <a:solidFill>
+                <a:schemeClr val="accent6">
+                  <a:lumMod val="75000"/>
+                </a:schemeClr>
+              </a:solidFill>
+            </a:endParaRPr>
           </a:p>
         </p:txBody>
       </p:sp>
     </p:spTree>
     <p:extLst>
       <p:ext uri="{BB962C8B-B14F-4D97-AF65-F5344CB8AC3E}">
-        <p14:creationId xmlns:p14="http://schemas.microsoft.com/office/powerpoint/2010/main" val="1037398316"/>
+        <p14:creationId xmlns:p14="http://schemas.microsoft.com/office/powerpoint/2010/main" val="2220913979"/>
       </p:ext>
     </p:extLst>
   </p:cSld>
@@ -8100,175 +8138,57 @@
       </p:grpSpPr>
       <p:sp>
         <p:nvSpPr>
-          <p:cNvPr id="4" name="Номер слайда 36"/>
-          <p:cNvSpPr txBox="1">
-            <a:spLocks/>
-          </p:cNvSpPr>
+          <p:cNvPr id="5" name="Прямоугольник 4"/>
+          <p:cNvSpPr/>
           <p:nvPr/>
         </p:nvSpPr>
         <p:spPr>
           <a:xfrm>
-            <a:off x="11208568" y="6130785"/>
-            <a:ext cx="648072" cy="432048"/>
-          </a:xfrm>
-          <a:prstGeom prst="roundRect">
-            <a:avLst/>
-          </a:prstGeom>
-          <a:ln w="25400" cap="flat" cmpd="sng" algn="ctr">
-            <a:solidFill>
-              <a:schemeClr val="tx2">
-                <a:lumMod val="60000"/>
-                <a:lumOff val="40000"/>
-              </a:schemeClr>
-            </a:solidFill>
-            <a:prstDash val="solid"/>
-          </a:ln>
+            <a:off x="0" y="0"/>
+            <a:ext cx="12192000" cy="6858000"/>
+          </a:xfrm>
+          <a:prstGeom prst="rect">
+            <a:avLst/>
+          </a:prstGeom>
+          <a:solidFill>
+            <a:schemeClr val="tx2">
+              <a:lumMod val="75000"/>
+            </a:schemeClr>
+          </a:solidFill>
         </p:spPr>
         <p:style>
           <a:lnRef idx="2">
-            <a:schemeClr val="accent1"/>
+            <a:schemeClr val="accent1">
+              <a:shade val="50000"/>
+            </a:schemeClr>
           </a:lnRef>
           <a:fillRef idx="1">
-            <a:schemeClr val="lt1"/>
+            <a:schemeClr val="accent1"/>
           </a:fillRef>
           <a:effectRef idx="0">
             <a:schemeClr val="accent1"/>
           </a:effectRef>
           <a:fontRef idx="minor">
-            <a:schemeClr val="dk1"/>
+            <a:schemeClr val="lt1"/>
           </a:fontRef>
         </p:style>
         <p:txBody>
-          <a:bodyPr vert="horz" lIns="91440" tIns="45720" rIns="91440" bIns="45720" rtlCol="0" anchor="ctr"/>
-          <a:lstStyle/>
-          <a:p>
-            <a:pPr algn="ctr">
-              <a:defRPr/>
-            </a:pPr>
-            <a:fld id="{6389AA22-90B4-448C-8B6B-C699140D38B9}" type="slidenum">
-              <a:rPr lang="uk-UA" sz="2400" b="1">
-                <a:solidFill>
-                  <a:schemeClr val="bg1">
-                    <a:lumMod val="50000"/>
-                  </a:schemeClr>
-                </a:solidFill>
-              </a:rPr>
-              <a:pPr algn="ctr">
-                <a:defRPr/>
-              </a:pPr>
-              <a:t>26</a:t>
-            </a:fld>
-            <a:endParaRPr lang="uk-UA" sz="2400" b="1" dirty="0">
-              <a:solidFill>
-                <a:schemeClr val="bg1">
-                  <a:lumMod val="50000"/>
-                </a:schemeClr>
-              </a:solidFill>
-            </a:endParaRPr>
-          </a:p>
-        </p:txBody>
-      </p:sp>
-      <p:sp>
-        <p:nvSpPr>
-          <p:cNvPr id="6" name="TextBox 5"/>
-          <p:cNvSpPr txBox="1"/>
-          <p:nvPr/>
-        </p:nvSpPr>
-        <p:spPr>
-          <a:xfrm>
-            <a:off x="0" y="260648"/>
-            <a:ext cx="12192000" cy="646331"/>
-          </a:xfrm>
-          <a:prstGeom prst="rect">
-            <a:avLst/>
-          </a:prstGeom>
-          <a:noFill/>
-        </p:spPr>
-        <p:txBody>
-          <a:bodyPr wrap="square" rtlCol="0">
-            <a:spAutoFit/>
-          </a:bodyPr>
+          <a:bodyPr rtlCol="0" anchor="ctr"/>
           <a:lstStyle/>
           <a:p>
             <a:pPr algn="ctr"/>
             <a:r>
-              <a:rPr lang="ru-RU" sz="3600" b="1" dirty="0"/>
-              <a:t>Узнать о селекторах </a:t>
-            </a:r>
-            <a:r>
-              <a:rPr lang="ru-RU" sz="3600" b="1" dirty="0" smtClean="0"/>
-              <a:t>по атрибуту</a:t>
-            </a:r>
-            <a:endParaRPr lang="ru-RU" sz="3600" b="1" dirty="0"/>
-          </a:p>
-        </p:txBody>
-      </p:sp>
-      <p:sp>
-        <p:nvSpPr>
-          <p:cNvPr id="10" name="Прямоугольник 9"/>
-          <p:cNvSpPr/>
-          <p:nvPr/>
-        </p:nvSpPr>
-        <p:spPr>
-          <a:xfrm>
-            <a:off x="0" y="5607565"/>
-            <a:ext cx="12192000" cy="523220"/>
-          </a:xfrm>
-          <a:prstGeom prst="rect">
-            <a:avLst/>
-          </a:prstGeom>
-        </p:spPr>
-        <p:txBody>
-          <a:bodyPr wrap="square">
-            <a:spAutoFit/>
-          </a:bodyPr>
-          <a:lstStyle/>
-          <a:p>
-            <a:pPr algn="ctr"/>
-            <a:r>
-              <a:rPr lang="en-US" sz="2800" b="1" dirty="0">
-                <a:hlinkClick r:id="rId2"/>
-              </a:rPr>
-              <a:t>https://</a:t>
-            </a:r>
-            <a:r>
-              <a:rPr lang="en-US" sz="2800" b="1" dirty="0" smtClean="0">
-                <a:hlinkClick r:id="rId2"/>
-              </a:rPr>
-              <a:t>webref.ru/css/selector/attr</a:t>
-            </a:r>
-            <a:endParaRPr lang="ru-RU" sz="2800" b="1" dirty="0"/>
-          </a:p>
-        </p:txBody>
-      </p:sp>
-      <p:pic>
-        <p:nvPicPr>
-          <p:cNvPr id="2" name="Рисунок 1"/>
-          <p:cNvPicPr>
-            <a:picLocks noChangeAspect="1"/>
-          </p:cNvPicPr>
-          <p:nvPr/>
-        </p:nvPicPr>
-        <p:blipFill>
-          <a:blip r:embed="rId3"/>
-          <a:stretch>
-            <a:fillRect/>
-          </a:stretch>
-        </p:blipFill>
-        <p:spPr>
-          <a:xfrm>
-            <a:off x="4341225" y="1340768"/>
-            <a:ext cx="4019713" cy="3871258"/>
-          </a:xfrm>
-          <a:prstGeom prst="rect">
-            <a:avLst/>
-          </a:prstGeom>
-        </p:spPr>
-      </p:pic>
+              <a:rPr lang="ru-RU" sz="7200" b="1" dirty="0" smtClean="0"/>
+              <a:t>Будет полезным</a:t>
+            </a:r>
+            <a:endParaRPr lang="uk-UA" sz="7200" b="1" dirty="0"/>
+          </a:p>
+        </p:txBody>
+      </p:sp>
     </p:spTree>
     <p:extLst>
       <p:ext uri="{BB962C8B-B14F-4D97-AF65-F5344CB8AC3E}">
-        <p14:creationId xmlns:p14="http://schemas.microsoft.com/office/powerpoint/2010/main" val="325299787"/>
+        <p14:creationId xmlns:p14="http://schemas.microsoft.com/office/powerpoint/2010/main" val="1037398316"/>
       </p:ext>
     </p:extLst>
   </p:cSld>
@@ -8312,7 +8232,7 @@
         </p:nvSpPr>
         <p:spPr>
           <a:xfrm>
-            <a:off x="11280576" y="6087467"/>
+            <a:off x="11208568" y="6130785"/>
             <a:ext cx="648072" cy="432048"/>
           </a:xfrm>
           <a:prstGeom prst="roundRect">
@@ -8380,7 +8300,7 @@
         </p:nvSpPr>
         <p:spPr>
           <a:xfrm>
-            <a:off x="0" y="457508"/>
+            <a:off x="0" y="260648"/>
             <a:ext cx="12192000" cy="646331"/>
           </a:xfrm>
           <a:prstGeom prst="rect">
@@ -8396,24 +8316,12 @@
           <a:p>
             <a:pPr algn="ctr"/>
             <a:r>
+              <a:rPr lang="ru-RU" sz="3600" b="1" dirty="0"/>
+              <a:t>Узнать о селекторах </a:t>
+            </a:r>
+            <a:r>
               <a:rPr lang="ru-RU" sz="3600" b="1" dirty="0" smtClean="0"/>
-              <a:t>Новые</a:t>
-            </a:r>
-            <a:r>
-              <a:rPr lang="uk-UA" sz="3600" b="1" dirty="0" smtClean="0"/>
-              <a:t> с</a:t>
-            </a:r>
-            <a:r>
-              <a:rPr lang="ru-RU" sz="3600" b="1" dirty="0" err="1" smtClean="0"/>
-              <a:t>електоры</a:t>
-            </a:r>
-            <a:r>
-              <a:rPr lang="ru-RU" sz="3600" b="1" dirty="0" smtClean="0"/>
-              <a:t> в </a:t>
-            </a:r>
-            <a:r>
-              <a:rPr lang="en-US" sz="3600" b="1" dirty="0" smtClean="0"/>
-              <a:t>CSS 4?!</a:t>
+              <a:t>по атрибуту</a:t>
             </a:r>
             <a:endParaRPr lang="ru-RU" sz="3600" b="1" dirty="0"/>
           </a:p>
@@ -8427,8 +8335,8 @@
         </p:nvSpPr>
         <p:spPr>
           <a:xfrm>
-            <a:off x="0" y="5724545"/>
-            <a:ext cx="12192000" cy="584775"/>
+            <a:off x="0" y="5607565"/>
+            <a:ext cx="12192000" cy="523220"/>
           </a:xfrm>
           <a:prstGeom prst="rect">
             <a:avLst/>
@@ -8442,80 +8350,49 @@
           <a:p>
             <a:pPr algn="ctr"/>
             <a:r>
-              <a:rPr lang="en-US" sz="3200" b="1" dirty="0">
+              <a:rPr lang="en-US" sz="2800" b="1" dirty="0">
                 <a:hlinkClick r:id="rId2"/>
               </a:rPr>
-              <a:t>https://css4-selectors.com/selectors</a:t>
-            </a:r>
-            <a:r>
-              <a:rPr lang="en-US" sz="3200" b="1" dirty="0" smtClean="0">
+              <a:t>https://</a:t>
+            </a:r>
+            <a:r>
+              <a:rPr lang="en-US" sz="2800" b="1" dirty="0" smtClean="0">
                 <a:hlinkClick r:id="rId2"/>
               </a:rPr>
-              <a:t>/</a:t>
-            </a:r>
-            <a:endParaRPr lang="ru-RU" sz="3200" b="1" dirty="0"/>
+              <a:t>webref.ru/css/selector/attr</a:t>
+            </a:r>
+            <a:endParaRPr lang="ru-RU" sz="2800" b="1" dirty="0"/>
           </a:p>
         </p:txBody>
       </p:sp>
       <p:pic>
         <p:nvPicPr>
-          <p:cNvPr id="2" name="Picture 2" descr="https://res.cloudinary.com/practicaldev/image/fetch/s--RQxe_Ww3--/c_limit%2Cf_auto%2Cfl_progressive%2Cq_auto%2Cw_880/https:/thepracticaldev.s3.amazonaws.com/i/jv5izolsa4bf8eflldju.png"/>
+          <p:cNvPr id="2" name="Рисунок 1"/>
           <p:cNvPicPr>
-            <a:picLocks noChangeAspect="1" noChangeArrowheads="1"/>
+            <a:picLocks noChangeAspect="1"/>
           </p:cNvPicPr>
           <p:nvPr/>
         </p:nvPicPr>
         <p:blipFill>
-          <a:blip r:embed="rId3">
-            <a:extLst>
-              <a:ext uri="{28A0092B-C50C-407E-A947-70E740481C1C}">
-                <a14:useLocalDpi xmlns:a14="http://schemas.microsoft.com/office/drawing/2010/main" val="0"/>
-              </a:ext>
-            </a:extLst>
-          </a:blip>
-          <a:srcRect/>
+          <a:blip r:embed="rId3"/>
           <a:stretch>
             <a:fillRect/>
           </a:stretch>
         </p:blipFill>
-        <p:spPr bwMode="auto">
-          <a:xfrm>
-            <a:off x="1775520" y="1556792"/>
-            <a:ext cx="8382000" cy="3771901"/>
+        <p:spPr>
+          <a:xfrm>
+            <a:off x="4341225" y="1340768"/>
+            <a:ext cx="4019713" cy="3871258"/>
           </a:xfrm>
           <a:prstGeom prst="rect">
             <a:avLst/>
           </a:prstGeom>
-          <a:ln>
-            <a:solidFill>
-              <a:schemeClr val="accent1">
-                <a:lumMod val="40000"/>
-                <a:lumOff val="60000"/>
-              </a:schemeClr>
-            </a:solidFill>
-          </a:ln>
-          <a:effectLst>
-            <a:outerShdw blurRad="190500" algn="tl" rotWithShape="0">
-              <a:srgbClr val="000000">
-                <a:alpha val="70000"/>
-              </a:srgbClr>
-            </a:outerShdw>
-          </a:effectLst>
-          <a:extLst>
-            <a:ext uri="{909E8E84-426E-40DD-AFC4-6F175D3DCCD1}">
-              <a14:hiddenFill xmlns:a14="http://schemas.microsoft.com/office/drawing/2010/main">
-                <a:solidFill>
-                  <a:srgbClr val="FFFFFF"/>
-                </a:solidFill>
-              </a14:hiddenFill>
-            </a:ext>
-          </a:extLst>
         </p:spPr>
       </p:pic>
     </p:spTree>
     <p:extLst>
       <p:ext uri="{BB962C8B-B14F-4D97-AF65-F5344CB8AC3E}">
-        <p14:creationId xmlns:p14="http://schemas.microsoft.com/office/powerpoint/2010/main" val="22984900"/>
+        <p14:creationId xmlns:p14="http://schemas.microsoft.com/office/powerpoint/2010/main" val="325299787"/>
       </p:ext>
     </p:extLst>
   </p:cSld>
@@ -8551,57 +8428,218 @@
       </p:grpSpPr>
       <p:sp>
         <p:nvSpPr>
-          <p:cNvPr id="5" name="Прямоугольник 4"/>
-          <p:cNvSpPr/>
+          <p:cNvPr id="4" name="Номер слайда 36"/>
+          <p:cNvSpPr txBox="1">
+            <a:spLocks/>
+          </p:cNvSpPr>
           <p:nvPr/>
         </p:nvSpPr>
         <p:spPr>
           <a:xfrm>
-            <a:off x="0" y="0"/>
-            <a:ext cx="12192000" cy="6858000"/>
-          </a:xfrm>
-          <a:prstGeom prst="rect">
-            <a:avLst/>
-          </a:prstGeom>
-          <a:solidFill>
-            <a:schemeClr val="tx2">
-              <a:lumMod val="75000"/>
-            </a:schemeClr>
-          </a:solidFill>
+            <a:off x="11280576" y="6087467"/>
+            <a:ext cx="648072" cy="432048"/>
+          </a:xfrm>
+          <a:prstGeom prst="roundRect">
+            <a:avLst/>
+          </a:prstGeom>
+          <a:ln w="25400" cap="flat" cmpd="sng" algn="ctr">
+            <a:solidFill>
+              <a:schemeClr val="tx2">
+                <a:lumMod val="60000"/>
+                <a:lumOff val="40000"/>
+              </a:schemeClr>
+            </a:solidFill>
+            <a:prstDash val="solid"/>
+          </a:ln>
         </p:spPr>
         <p:style>
           <a:lnRef idx="2">
-            <a:schemeClr val="accent1">
-              <a:shade val="50000"/>
-            </a:schemeClr>
+            <a:schemeClr val="accent1"/>
           </a:lnRef>
           <a:fillRef idx="1">
-            <a:schemeClr val="accent1"/>
+            <a:schemeClr val="lt1"/>
           </a:fillRef>
           <a:effectRef idx="0">
             <a:schemeClr val="accent1"/>
           </a:effectRef>
           <a:fontRef idx="minor">
-            <a:schemeClr val="lt1"/>
+            <a:schemeClr val="dk1"/>
           </a:fontRef>
         </p:style>
         <p:txBody>
-          <a:bodyPr rtlCol="0" anchor="ctr"/>
+          <a:bodyPr vert="horz" lIns="91440" tIns="45720" rIns="91440" bIns="45720" rtlCol="0" anchor="ctr"/>
+          <a:lstStyle/>
+          <a:p>
+            <a:pPr algn="ctr">
+              <a:defRPr/>
+            </a:pPr>
+            <a:fld id="{6389AA22-90B4-448C-8B6B-C699140D38B9}" type="slidenum">
+              <a:rPr lang="uk-UA" sz="2400" b="1">
+                <a:solidFill>
+                  <a:schemeClr val="bg1">
+                    <a:lumMod val="50000"/>
+                  </a:schemeClr>
+                </a:solidFill>
+              </a:rPr>
+              <a:pPr algn="ctr">
+                <a:defRPr/>
+              </a:pPr>
+              <a:t>28</a:t>
+            </a:fld>
+            <a:endParaRPr lang="uk-UA" sz="2400" b="1" dirty="0">
+              <a:solidFill>
+                <a:schemeClr val="bg1">
+                  <a:lumMod val="50000"/>
+                </a:schemeClr>
+              </a:solidFill>
+            </a:endParaRPr>
+          </a:p>
+        </p:txBody>
+      </p:sp>
+      <p:sp>
+        <p:nvSpPr>
+          <p:cNvPr id="6" name="TextBox 5"/>
+          <p:cNvSpPr txBox="1"/>
+          <p:nvPr/>
+        </p:nvSpPr>
+        <p:spPr>
+          <a:xfrm>
+            <a:off x="0" y="457508"/>
+            <a:ext cx="12192000" cy="646331"/>
+          </a:xfrm>
+          <a:prstGeom prst="rect">
+            <a:avLst/>
+          </a:prstGeom>
+          <a:noFill/>
+        </p:spPr>
+        <p:txBody>
+          <a:bodyPr wrap="square" rtlCol="0">
+            <a:spAutoFit/>
+          </a:bodyPr>
           <a:lstStyle/>
           <a:p>
             <a:pPr algn="ctr"/>
             <a:r>
-              <a:rPr lang="ru-RU" sz="6000" b="1" dirty="0"/>
-              <a:t>Домашнее задание</a:t>
-            </a:r>
-            <a:endParaRPr lang="uk-UA" sz="6000" b="1" dirty="0"/>
-          </a:p>
-        </p:txBody>
-      </p:sp>
+              <a:rPr lang="ru-RU" sz="3600" b="1" dirty="0" smtClean="0"/>
+              <a:t>Новые</a:t>
+            </a:r>
+            <a:r>
+              <a:rPr lang="uk-UA" sz="3600" b="1" dirty="0" smtClean="0"/>
+              <a:t> с</a:t>
+            </a:r>
+            <a:r>
+              <a:rPr lang="ru-RU" sz="3600" b="1" dirty="0" err="1" smtClean="0"/>
+              <a:t>електоры</a:t>
+            </a:r>
+            <a:r>
+              <a:rPr lang="ru-RU" sz="3600" b="1" dirty="0" smtClean="0"/>
+              <a:t> в </a:t>
+            </a:r>
+            <a:r>
+              <a:rPr lang="en-US" sz="3600" b="1" dirty="0" smtClean="0"/>
+              <a:t>CSS 4?!</a:t>
+            </a:r>
+            <a:endParaRPr lang="ru-RU" sz="3600" b="1" dirty="0"/>
+          </a:p>
+        </p:txBody>
+      </p:sp>
+      <p:sp>
+        <p:nvSpPr>
+          <p:cNvPr id="10" name="Прямоугольник 9"/>
+          <p:cNvSpPr/>
+          <p:nvPr/>
+        </p:nvSpPr>
+        <p:spPr>
+          <a:xfrm>
+            <a:off x="0" y="5724545"/>
+            <a:ext cx="12192000" cy="584775"/>
+          </a:xfrm>
+          <a:prstGeom prst="rect">
+            <a:avLst/>
+          </a:prstGeom>
+        </p:spPr>
+        <p:txBody>
+          <a:bodyPr wrap="square">
+            <a:spAutoFit/>
+          </a:bodyPr>
+          <a:lstStyle/>
+          <a:p>
+            <a:pPr algn="ctr"/>
+            <a:r>
+              <a:rPr lang="en-US" sz="3200" b="1" dirty="0">
+                <a:hlinkClick r:id="rId2"/>
+              </a:rPr>
+              <a:t>https://css4-selectors.com/selectors</a:t>
+            </a:r>
+            <a:r>
+              <a:rPr lang="en-US" sz="3200" b="1" dirty="0" smtClean="0">
+                <a:hlinkClick r:id="rId2"/>
+              </a:rPr>
+              <a:t>/</a:t>
+            </a:r>
+            <a:endParaRPr lang="ru-RU" sz="3200" b="1" dirty="0"/>
+          </a:p>
+        </p:txBody>
+      </p:sp>
+      <p:pic>
+        <p:nvPicPr>
+          <p:cNvPr id="2" name="Picture 2" descr="https://res.cloudinary.com/practicaldev/image/fetch/s--RQxe_Ww3--/c_limit%2Cf_auto%2Cfl_progressive%2Cq_auto%2Cw_880/https:/thepracticaldev.s3.amazonaws.com/i/jv5izolsa4bf8eflldju.png"/>
+          <p:cNvPicPr>
+            <a:picLocks noChangeAspect="1" noChangeArrowheads="1"/>
+          </p:cNvPicPr>
+          <p:nvPr/>
+        </p:nvPicPr>
+        <p:blipFill>
+          <a:blip r:embed="rId3">
+            <a:extLst>
+              <a:ext uri="{28A0092B-C50C-407E-A947-70E740481C1C}">
+                <a14:useLocalDpi xmlns:a14="http://schemas.microsoft.com/office/drawing/2010/main" val="0"/>
+              </a:ext>
+            </a:extLst>
+          </a:blip>
+          <a:srcRect/>
+          <a:stretch>
+            <a:fillRect/>
+          </a:stretch>
+        </p:blipFill>
+        <p:spPr bwMode="auto">
+          <a:xfrm>
+            <a:off x="1775520" y="1556792"/>
+            <a:ext cx="8382000" cy="3771901"/>
+          </a:xfrm>
+          <a:prstGeom prst="rect">
+            <a:avLst/>
+          </a:prstGeom>
+          <a:ln>
+            <a:solidFill>
+              <a:schemeClr val="accent1">
+                <a:lumMod val="40000"/>
+                <a:lumOff val="60000"/>
+              </a:schemeClr>
+            </a:solidFill>
+          </a:ln>
+          <a:effectLst>
+            <a:outerShdw blurRad="190500" algn="tl" rotWithShape="0">
+              <a:srgbClr val="000000">
+                <a:alpha val="70000"/>
+              </a:srgbClr>
+            </a:outerShdw>
+          </a:effectLst>
+          <a:extLst>
+            <a:ext uri="{909E8E84-426E-40DD-AFC4-6F175D3DCCD1}">
+              <a14:hiddenFill xmlns:a14="http://schemas.microsoft.com/office/drawing/2010/main">
+                <a:solidFill>
+                  <a:srgbClr val="FFFFFF"/>
+                </a:solidFill>
+              </a14:hiddenFill>
+            </a:ext>
+          </a:extLst>
+        </p:spPr>
+      </p:pic>
     </p:spTree>
     <p:extLst>
       <p:ext uri="{BB962C8B-B14F-4D97-AF65-F5344CB8AC3E}">
-        <p14:creationId xmlns:p14="http://schemas.microsoft.com/office/powerpoint/2010/main" val="4222694940"/>
+        <p14:creationId xmlns:p14="http://schemas.microsoft.com/office/powerpoint/2010/main" val="22984900"/>
       </p:ext>
     </p:extLst>
   </p:cSld>
@@ -8637,190 +8675,57 @@
       </p:grpSpPr>
       <p:sp>
         <p:nvSpPr>
-          <p:cNvPr id="4" name="Номер слайда 36"/>
-          <p:cNvSpPr txBox="1">
-            <a:spLocks/>
-          </p:cNvSpPr>
+          <p:cNvPr id="5" name="Прямоугольник 4"/>
+          <p:cNvSpPr/>
           <p:nvPr/>
         </p:nvSpPr>
         <p:spPr>
           <a:xfrm>
-            <a:off x="11280576" y="6142078"/>
-            <a:ext cx="648072" cy="432048"/>
-          </a:xfrm>
-          <a:prstGeom prst="roundRect">
-            <a:avLst/>
-          </a:prstGeom>
-          <a:ln w="25400" cap="flat" cmpd="sng" algn="ctr">
-            <a:solidFill>
-              <a:schemeClr val="tx2">
-                <a:lumMod val="60000"/>
-                <a:lumOff val="40000"/>
-              </a:schemeClr>
-            </a:solidFill>
-            <a:prstDash val="solid"/>
-          </a:ln>
+            <a:off x="0" y="0"/>
+            <a:ext cx="12192000" cy="6858000"/>
+          </a:xfrm>
+          <a:prstGeom prst="rect">
+            <a:avLst/>
+          </a:prstGeom>
+          <a:solidFill>
+            <a:schemeClr val="tx2">
+              <a:lumMod val="75000"/>
+            </a:schemeClr>
+          </a:solidFill>
         </p:spPr>
         <p:style>
           <a:lnRef idx="2">
-            <a:schemeClr val="accent1"/>
+            <a:schemeClr val="accent1">
+              <a:shade val="50000"/>
+            </a:schemeClr>
           </a:lnRef>
           <a:fillRef idx="1">
-            <a:schemeClr val="lt1"/>
+            <a:schemeClr val="accent1"/>
           </a:fillRef>
           <a:effectRef idx="0">
             <a:schemeClr val="accent1"/>
           </a:effectRef>
           <a:fontRef idx="minor">
-            <a:schemeClr val="dk1"/>
+            <a:schemeClr val="lt1"/>
           </a:fontRef>
         </p:style>
         <p:txBody>
-          <a:bodyPr vert="horz" lIns="91440" tIns="45720" rIns="91440" bIns="45720" rtlCol="0" anchor="ctr"/>
-          <a:lstStyle/>
-          <a:p>
-            <a:pPr algn="ctr">
-              <a:defRPr/>
-            </a:pPr>
-            <a:fld id="{6389AA22-90B4-448C-8B6B-C699140D38B9}" type="slidenum">
-              <a:rPr lang="uk-UA" sz="2400" b="1">
-                <a:solidFill>
-                  <a:schemeClr val="bg1">
-                    <a:lumMod val="50000"/>
-                  </a:schemeClr>
-                </a:solidFill>
-              </a:rPr>
-              <a:pPr algn="ctr">
-                <a:defRPr/>
-              </a:pPr>
-              <a:t>29</a:t>
-            </a:fld>
-            <a:endParaRPr lang="uk-UA" sz="2400" b="1" dirty="0">
-              <a:solidFill>
-                <a:schemeClr val="bg1">
-                  <a:lumMod val="50000"/>
-                </a:schemeClr>
-              </a:solidFill>
-            </a:endParaRPr>
-          </a:p>
-        </p:txBody>
-      </p:sp>
-      <p:sp>
-        <p:nvSpPr>
-          <p:cNvPr id="6" name="TextBox 5"/>
-          <p:cNvSpPr txBox="1"/>
-          <p:nvPr/>
-        </p:nvSpPr>
-        <p:spPr>
-          <a:xfrm>
-            <a:off x="0" y="260648"/>
-            <a:ext cx="12191999" cy="707886"/>
-          </a:xfrm>
-          <a:prstGeom prst="rect">
-            <a:avLst/>
-          </a:prstGeom>
-          <a:noFill/>
-        </p:spPr>
-        <p:txBody>
-          <a:bodyPr wrap="square" rtlCol="0">
-            <a:spAutoFit/>
-          </a:bodyPr>
+          <a:bodyPr rtlCol="0" anchor="ctr"/>
           <a:lstStyle/>
           <a:p>
             <a:pPr algn="ctr"/>
             <a:r>
-              <a:rPr lang="ru-RU" sz="4000" b="1" dirty="0"/>
-              <a:t>Пройти игру!</a:t>
-            </a:r>
-          </a:p>
-        </p:txBody>
-      </p:sp>
-      <p:sp>
-        <p:nvSpPr>
-          <p:cNvPr id="10" name="Прямоугольник 9"/>
-          <p:cNvSpPr/>
-          <p:nvPr/>
-        </p:nvSpPr>
-        <p:spPr>
-          <a:xfrm>
-            <a:off x="0" y="5930116"/>
-            <a:ext cx="12192000" cy="523220"/>
-          </a:xfrm>
-          <a:prstGeom prst="rect">
-            <a:avLst/>
-          </a:prstGeom>
-        </p:spPr>
-        <p:txBody>
-          <a:bodyPr wrap="square">
-            <a:spAutoFit/>
-          </a:bodyPr>
-          <a:lstStyle/>
-          <a:p>
-            <a:pPr algn="ctr"/>
-            <a:r>
-              <a:rPr lang="en-US" sz="2800" b="1" dirty="0">
-                <a:hlinkClick r:id="rId2"/>
-              </a:rPr>
-              <a:t>https://flukeout.github.io/</a:t>
-            </a:r>
-            <a:endParaRPr lang="ru-RU" sz="2800" b="1" dirty="0"/>
-          </a:p>
-        </p:txBody>
-      </p:sp>
-      <p:pic>
-        <p:nvPicPr>
-          <p:cNvPr id="5" name="Picture 2" descr="http://dl3.joxi.net/drive/2018/10/16/0018/1034/1209354/54/2f54a475f0.png"/>
-          <p:cNvPicPr>
-            <a:picLocks noChangeAspect="1" noChangeArrowheads="1"/>
-          </p:cNvPicPr>
-          <p:nvPr/>
-        </p:nvPicPr>
-        <p:blipFill>
-          <a:blip r:embed="rId3">
-            <a:extLst>
-              <a:ext uri="{28A0092B-C50C-407E-A947-70E740481C1C}">
-                <a14:useLocalDpi xmlns:a14="http://schemas.microsoft.com/office/drawing/2010/main" val="0"/>
-              </a:ext>
-            </a:extLst>
-          </a:blip>
-          <a:srcRect/>
-          <a:stretch>
-            <a:fillRect/>
-          </a:stretch>
-        </p:blipFill>
-        <p:spPr bwMode="auto">
-          <a:xfrm>
-            <a:off x="0" y="1124744"/>
-            <a:ext cx="12192000" cy="4528888"/>
-          </a:xfrm>
-          <a:prstGeom prst="rect">
-            <a:avLst/>
-          </a:prstGeom>
-          <a:ln>
-            <a:noFill/>
-          </a:ln>
-          <a:effectLst>
-            <a:outerShdw blurRad="292100" dist="139700" dir="2700000" algn="tl" rotWithShape="0">
-              <a:srgbClr val="333333">
-                <a:alpha val="65000"/>
-              </a:srgbClr>
-            </a:outerShdw>
-          </a:effectLst>
-          <a:extLst>
-            <a:ext uri="{909E8E84-426E-40DD-AFC4-6F175D3DCCD1}">
-              <a14:hiddenFill xmlns:a14="http://schemas.microsoft.com/office/drawing/2010/main">
-                <a:solidFill>
-                  <a:srgbClr val="FFFFFF"/>
-                </a:solidFill>
-              </a14:hiddenFill>
-            </a:ext>
-          </a:extLst>
-        </p:spPr>
-      </p:pic>
+              <a:rPr lang="ru-RU" sz="6000" b="1" dirty="0"/>
+              <a:t>Домашнее задание</a:t>
+            </a:r>
+            <a:endParaRPr lang="uk-UA" sz="6000" b="1" dirty="0"/>
+          </a:p>
+        </p:txBody>
+      </p:sp>
     </p:spTree>
     <p:extLst>
       <p:ext uri="{BB962C8B-B14F-4D97-AF65-F5344CB8AC3E}">
-        <p14:creationId xmlns:p14="http://schemas.microsoft.com/office/powerpoint/2010/main" val="1748506382"/>
+        <p14:creationId xmlns:p14="http://schemas.microsoft.com/office/powerpoint/2010/main" val="4222694940"/>
       </p:ext>
     </p:extLst>
   </p:cSld>
@@ -8952,76 +8857,6 @@
           <a:chExt cx="0" cy="0"/>
         </a:xfrm>
       </p:grpSpPr>
-      <p:pic>
-        <p:nvPicPr>
-          <p:cNvPr id="1026" name="Picture 2"/>
-          <p:cNvPicPr>
-            <a:picLocks noChangeAspect="1" noChangeArrowheads="1"/>
-          </p:cNvPicPr>
-          <p:nvPr/>
-        </p:nvPicPr>
-        <p:blipFill>
-          <a:blip r:embed="rId2" cstate="print"/>
-          <a:srcRect/>
-          <a:stretch>
-            <a:fillRect/>
-          </a:stretch>
-        </p:blipFill>
-        <p:spPr bwMode="auto">
-          <a:xfrm>
-            <a:off x="839416" y="764703"/>
-            <a:ext cx="2786508" cy="3737456"/>
-          </a:xfrm>
-          <a:prstGeom prst="rect">
-            <a:avLst/>
-          </a:prstGeom>
-          <a:ln>
-            <a:noFill/>
-          </a:ln>
-          <a:effectLst>
-            <a:outerShdw blurRad="292100" dist="139700" dir="2700000" algn="tl" rotWithShape="0">
-              <a:srgbClr val="333333">
-                <a:alpha val="65000"/>
-              </a:srgbClr>
-            </a:outerShdw>
-          </a:effectLst>
-        </p:spPr>
-      </p:pic>
-      <p:pic>
-        <p:nvPicPr>
-          <p:cNvPr id="1027" name="Picture 3"/>
-          <p:cNvPicPr>
-            <a:picLocks noChangeAspect="1" noChangeArrowheads="1"/>
-          </p:cNvPicPr>
-          <p:nvPr/>
-        </p:nvPicPr>
-        <p:blipFill>
-          <a:blip r:embed="rId3" cstate="print"/>
-          <a:srcRect/>
-          <a:stretch>
-            <a:fillRect/>
-          </a:stretch>
-        </p:blipFill>
-        <p:spPr bwMode="auto">
-          <a:xfrm>
-            <a:off x="4511824" y="764704"/>
-            <a:ext cx="2786507" cy="3737455"/>
-          </a:xfrm>
-          <a:prstGeom prst="rect">
-            <a:avLst/>
-          </a:prstGeom>
-          <a:ln>
-            <a:noFill/>
-          </a:ln>
-          <a:effectLst>
-            <a:outerShdw blurRad="292100" dist="139700" dir="2700000" algn="tl" rotWithShape="0">
-              <a:srgbClr val="333333">
-                <a:alpha val="65000"/>
-              </a:srgbClr>
-            </a:outerShdw>
-          </a:effectLst>
-        </p:spPr>
-      </p:pic>
       <p:sp>
         <p:nvSpPr>
           <p:cNvPr id="4" name="Номер слайда 36"/>
@@ -9032,7 +8867,7 @@
         </p:nvSpPr>
         <p:spPr>
           <a:xfrm>
-            <a:off x="11136560" y="6148755"/>
+            <a:off x="11280576" y="6142078"/>
             <a:ext cx="648072" cy="432048"/>
           </a:xfrm>
           <a:prstGeom prst="roundRect">
@@ -9100,8 +8935,8 @@
         </p:nvSpPr>
         <p:spPr>
           <a:xfrm>
-            <a:off x="7536160" y="404664"/>
-            <a:ext cx="5159897" cy="1200329"/>
+            <a:off x="0" y="260648"/>
+            <a:ext cx="12191999" cy="707886"/>
           </a:xfrm>
           <a:prstGeom prst="rect">
             <a:avLst/>
@@ -9114,198 +8949,100 @@
           </a:bodyPr>
           <a:lstStyle/>
           <a:p>
-            <a:r>
-              <a:rPr lang="ru-RU" sz="3600" b="1" dirty="0"/>
-              <a:t>Задача </a:t>
-            </a:r>
-            <a:r>
-              <a:rPr lang="ru-RU" sz="3600" b="1" dirty="0" smtClean="0"/>
-              <a:t>на применение </a:t>
-            </a:r>
-            <a:r>
-              <a:rPr lang="en-US" sz="3600" b="1" dirty="0"/>
-              <a:t>CSS </a:t>
-            </a:r>
-            <a:r>
-              <a:rPr lang="ru-RU" sz="3600" b="1" dirty="0" smtClean="0"/>
-              <a:t>селекторов</a:t>
-            </a:r>
-            <a:endParaRPr lang="ru-RU" sz="3600" b="1" dirty="0"/>
-          </a:p>
-        </p:txBody>
-      </p:sp>
-      <p:sp>
-        <p:nvSpPr>
-          <p:cNvPr id="9" name="TextBox 8"/>
-          <p:cNvSpPr txBox="1"/>
+            <a:pPr algn="ctr"/>
+            <a:r>
+              <a:rPr lang="ru-RU" sz="4000" b="1" dirty="0"/>
+              <a:t>Пройти игру!</a:t>
+            </a:r>
+          </a:p>
+        </p:txBody>
+      </p:sp>
+      <p:sp>
+        <p:nvSpPr>
+          <p:cNvPr id="10" name="Прямоугольник 9"/>
+          <p:cNvSpPr/>
           <p:nvPr/>
         </p:nvSpPr>
         <p:spPr>
           <a:xfrm>
-            <a:off x="7536160" y="1700808"/>
-            <a:ext cx="4032449" cy="3046988"/>
+            <a:off x="0" y="5930116"/>
+            <a:ext cx="12192000" cy="523220"/>
           </a:xfrm>
           <a:prstGeom prst="rect">
             <a:avLst/>
           </a:prstGeom>
-          <a:noFill/>
-        </p:spPr>
-        <p:txBody>
-          <a:bodyPr wrap="square" rtlCol="0">
+        </p:spPr>
+        <p:txBody>
+          <a:bodyPr wrap="square">
             <a:spAutoFit/>
           </a:bodyPr>
           <a:lstStyle/>
           <a:p>
-            <a:r>
-              <a:rPr lang="ru-RU" sz="3200" dirty="0" smtClean="0"/>
-              <a:t>Возьмите</a:t>
-            </a:r>
-            <a:r>
-              <a:rPr lang="uk-UA" sz="3200" dirty="0" smtClean="0"/>
-              <a:t> </a:t>
-            </a:r>
-            <a:r>
-              <a:rPr lang="ru-RU" sz="3200" dirty="0" smtClean="0"/>
-              <a:t>заготовленный</a:t>
-            </a:r>
-            <a:r>
-              <a:rPr lang="uk-UA" sz="3200" dirty="0" smtClean="0"/>
-              <a:t> шаблон, и </a:t>
-            </a:r>
-            <a:r>
-              <a:rPr lang="ru-RU" sz="3200" dirty="0" smtClean="0"/>
-              <a:t>раскрасьте</a:t>
-            </a:r>
-            <a:r>
-              <a:rPr lang="uk-UA" sz="3200" dirty="0" smtClean="0"/>
-              <a:t> его в </a:t>
-            </a:r>
-            <a:r>
-              <a:rPr lang="ru-RU" sz="3200" dirty="0" smtClean="0"/>
-              <a:t>соответствии</a:t>
-            </a:r>
-            <a:r>
-              <a:rPr lang="uk-UA" sz="3200" dirty="0" smtClean="0"/>
-              <a:t> с </a:t>
-            </a:r>
-            <a:r>
-              <a:rPr lang="ru-RU" sz="3200" dirty="0" smtClean="0"/>
-              <a:t>инструкцией</a:t>
-            </a:r>
-            <a:r>
-              <a:rPr lang="uk-UA" sz="3200" dirty="0" smtClean="0"/>
-              <a:t> в </a:t>
-            </a:r>
-            <a:r>
-              <a:rPr lang="ru-RU" sz="3200" dirty="0" smtClean="0"/>
-              <a:t>разметки</a:t>
-            </a:r>
-            <a:r>
-              <a:rPr lang="uk-UA" sz="3200" dirty="0" smtClean="0"/>
-              <a:t>. </a:t>
-            </a:r>
-            <a:endParaRPr lang="ru-RU" sz="3200" dirty="0"/>
-          </a:p>
-        </p:txBody>
-      </p:sp>
-      <p:sp>
-        <p:nvSpPr>
-          <p:cNvPr id="3" name="Стрелка вправо 2"/>
-          <p:cNvSpPr/>
+            <a:pPr algn="ctr"/>
+            <a:r>
+              <a:rPr lang="en-US" sz="2800" b="1" dirty="0">
+                <a:hlinkClick r:id="rId2"/>
+              </a:rPr>
+              <a:t>https://flukeout.github.io/</a:t>
+            </a:r>
+            <a:endParaRPr lang="ru-RU" sz="2800" b="1" dirty="0"/>
+          </a:p>
+        </p:txBody>
+      </p:sp>
+      <p:pic>
+        <p:nvPicPr>
+          <p:cNvPr id="5" name="Picture 2" descr="http://dl3.joxi.net/drive/2018/10/16/0018/1034/1209354/54/2f54a475f0.png"/>
+          <p:cNvPicPr>
+            <a:picLocks noChangeAspect="1" noChangeArrowheads="1"/>
+          </p:cNvPicPr>
           <p:nvPr/>
-        </p:nvSpPr>
-        <p:spPr>
-          <a:xfrm>
-            <a:off x="3935760" y="2165379"/>
-            <a:ext cx="360040" cy="936104"/>
-          </a:xfrm>
-          <a:prstGeom prst="rightArrow">
-            <a:avLst/>
-          </a:prstGeom>
-          <a:noFill/>
-          <a:ln w="38100"/>
+        </p:nvPicPr>
+        <p:blipFill>
+          <a:blip r:embed="rId3">
+            <a:extLst>
+              <a:ext uri="{28A0092B-C50C-407E-A947-70E740481C1C}">
+                <a14:useLocalDpi xmlns:a14="http://schemas.microsoft.com/office/drawing/2010/main" val="0"/>
+              </a:ext>
+            </a:extLst>
+          </a:blip>
+          <a:srcRect/>
+          <a:stretch>
+            <a:fillRect/>
+          </a:stretch>
+        </p:blipFill>
+        <p:spPr bwMode="auto">
+          <a:xfrm>
+            <a:off x="0" y="1124744"/>
+            <a:ext cx="12192000" cy="4528888"/>
+          </a:xfrm>
+          <a:prstGeom prst="rect">
+            <a:avLst/>
+          </a:prstGeom>
+          <a:ln>
+            <a:noFill/>
+          </a:ln>
           <a:effectLst>
-            <a:outerShdw blurRad="63500" sx="102000" sy="102000" algn="ctr" rotWithShape="0">
-              <a:prstClr val="black">
-                <a:alpha val="40000"/>
-              </a:prstClr>
+            <a:outerShdw blurRad="292100" dist="139700" dir="2700000" algn="tl" rotWithShape="0">
+              <a:srgbClr val="333333">
+                <a:alpha val="65000"/>
+              </a:srgbClr>
             </a:outerShdw>
           </a:effectLst>
-        </p:spPr>
-        <p:style>
-          <a:lnRef idx="2">
-            <a:schemeClr val="accent1">
-              <a:shade val="50000"/>
-            </a:schemeClr>
-          </a:lnRef>
-          <a:fillRef idx="1">
-            <a:schemeClr val="accent1"/>
-          </a:fillRef>
-          <a:effectRef idx="0">
-            <a:schemeClr val="accent1"/>
-          </a:effectRef>
-          <a:fontRef idx="minor">
-            <a:schemeClr val="lt1"/>
-          </a:fontRef>
-        </p:style>
-        <p:txBody>
-          <a:bodyPr rtlCol="0" anchor="ctr"/>
-          <a:lstStyle/>
-          <a:p>
-            <a:pPr algn="ctr"/>
-            <a:endParaRPr lang="ru-RU"/>
-          </a:p>
-        </p:txBody>
-      </p:sp>
-      <p:sp>
-        <p:nvSpPr>
-          <p:cNvPr id="10" name="TextBox 9"/>
-          <p:cNvSpPr txBox="1"/>
-          <p:nvPr/>
-        </p:nvSpPr>
-        <p:spPr>
-          <a:xfrm>
-            <a:off x="839416" y="5317758"/>
-            <a:ext cx="9289033" cy="830997"/>
-          </a:xfrm>
-          <a:prstGeom prst="rect">
-            <a:avLst/>
-          </a:prstGeom>
-          <a:noFill/>
-        </p:spPr>
-        <p:txBody>
-          <a:bodyPr wrap="square" rtlCol="0">
-            <a:spAutoFit/>
-          </a:bodyPr>
-          <a:lstStyle/>
-          <a:p>
-            <a:r>
-              <a:rPr lang="ru-RU" sz="2400" b="1" dirty="0" smtClean="0"/>
-              <a:t>Воспользуйтесь разметкой:</a:t>
-            </a:r>
-            <a:br>
-              <a:rPr lang="ru-RU" sz="2400" b="1" dirty="0" smtClean="0"/>
-            </a:br>
-            <a:r>
-              <a:rPr lang="en-US" sz="2400" b="1" dirty="0">
-                <a:hlinkClick r:id="rId4"/>
-              </a:rPr>
-              <a:t>https://</a:t>
-            </a:r>
-            <a:r>
-              <a:rPr lang="en-US" sz="2400" b="1" dirty="0" smtClean="0">
-                <a:hlinkClick r:id="rId4"/>
-              </a:rPr>
-              <a:t>filebase.xyz/storage/web/selectors/v1/homework.html</a:t>
-            </a:r>
-            <a:endParaRPr lang="ru-RU" sz="2400" b="1" dirty="0"/>
-          </a:p>
-        </p:txBody>
-      </p:sp>
+          <a:extLst>
+            <a:ext uri="{909E8E84-426E-40DD-AFC4-6F175D3DCCD1}">
+              <a14:hiddenFill xmlns:a14="http://schemas.microsoft.com/office/drawing/2010/main">
+                <a:solidFill>
+                  <a:srgbClr val="FFFFFF"/>
+                </a:solidFill>
+              </a14:hiddenFill>
+            </a:ext>
+          </a:extLst>
+        </p:spPr>
+      </p:pic>
     </p:spTree>
     <p:extLst>
       <p:ext uri="{BB962C8B-B14F-4D97-AF65-F5344CB8AC3E}">
-        <p14:creationId xmlns:p14="http://schemas.microsoft.com/office/powerpoint/2010/main" val="931276825"/>
+        <p14:creationId xmlns:p14="http://schemas.microsoft.com/office/powerpoint/2010/main" val="1748506382"/>
       </p:ext>
     </p:extLst>
   </p:cSld>
@@ -9339,6 +9076,76 @@
           <a:chExt cx="0" cy="0"/>
         </a:xfrm>
       </p:grpSpPr>
+      <p:pic>
+        <p:nvPicPr>
+          <p:cNvPr id="1026" name="Picture 2"/>
+          <p:cNvPicPr>
+            <a:picLocks noChangeAspect="1" noChangeArrowheads="1"/>
+          </p:cNvPicPr>
+          <p:nvPr/>
+        </p:nvPicPr>
+        <p:blipFill>
+          <a:blip r:embed="rId2" cstate="print"/>
+          <a:srcRect/>
+          <a:stretch>
+            <a:fillRect/>
+          </a:stretch>
+        </p:blipFill>
+        <p:spPr bwMode="auto">
+          <a:xfrm>
+            <a:off x="839416" y="764703"/>
+            <a:ext cx="2786508" cy="3737456"/>
+          </a:xfrm>
+          <a:prstGeom prst="rect">
+            <a:avLst/>
+          </a:prstGeom>
+          <a:ln>
+            <a:noFill/>
+          </a:ln>
+          <a:effectLst>
+            <a:outerShdw blurRad="292100" dist="139700" dir="2700000" algn="tl" rotWithShape="0">
+              <a:srgbClr val="333333">
+                <a:alpha val="65000"/>
+              </a:srgbClr>
+            </a:outerShdw>
+          </a:effectLst>
+        </p:spPr>
+      </p:pic>
+      <p:pic>
+        <p:nvPicPr>
+          <p:cNvPr id="1027" name="Picture 3"/>
+          <p:cNvPicPr>
+            <a:picLocks noChangeAspect="1" noChangeArrowheads="1"/>
+          </p:cNvPicPr>
+          <p:nvPr/>
+        </p:nvPicPr>
+        <p:blipFill>
+          <a:blip r:embed="rId3" cstate="print"/>
+          <a:srcRect/>
+          <a:stretch>
+            <a:fillRect/>
+          </a:stretch>
+        </p:blipFill>
+        <p:spPr bwMode="auto">
+          <a:xfrm>
+            <a:off x="4511824" y="764704"/>
+            <a:ext cx="2786507" cy="3737455"/>
+          </a:xfrm>
+          <a:prstGeom prst="rect">
+            <a:avLst/>
+          </a:prstGeom>
+          <a:ln>
+            <a:noFill/>
+          </a:ln>
+          <a:effectLst>
+            <a:outerShdw blurRad="292100" dist="139700" dir="2700000" algn="tl" rotWithShape="0">
+              <a:srgbClr val="333333">
+                <a:alpha val="65000"/>
+              </a:srgbClr>
+            </a:outerShdw>
+          </a:effectLst>
+        </p:spPr>
+      </p:pic>
       <p:sp>
         <p:nvSpPr>
           <p:cNvPr id="4" name="Номер слайда 36"/>
@@ -9417,7 +9224,7 @@
         </p:nvSpPr>
         <p:spPr>
           <a:xfrm>
-            <a:off x="6696743" y="788511"/>
+            <a:off x="7536160" y="404664"/>
             <a:ext cx="5159897" cy="1200329"/>
           </a:xfrm>
           <a:prstGeom prst="rect">
@@ -9432,8 +9239,20 @@
           <a:lstStyle/>
           <a:p>
             <a:r>
+              <a:rPr lang="ru-RU" sz="3600" b="1" dirty="0"/>
+              <a:t>Задача </a:t>
+            </a:r>
+            <a:r>
               <a:rPr lang="ru-RU" sz="3600" b="1" dirty="0" smtClean="0"/>
-              <a:t>Реализуйте этот компонент</a:t>
+              <a:t>на применение </a:t>
+            </a:r>
+            <a:r>
+              <a:rPr lang="en-US" sz="3600" b="1" dirty="0"/>
+              <a:t>CSS </a:t>
+            </a:r>
+            <a:r>
+              <a:rPr lang="ru-RU" sz="3600" b="1" dirty="0" smtClean="0"/>
+              <a:t>селекторов</a:t>
             </a:r>
             <a:endParaRPr lang="ru-RU" sz="3600" b="1" dirty="0"/>
           </a:p>
@@ -9447,8 +9266,8 @@
         </p:nvSpPr>
         <p:spPr>
           <a:xfrm>
-            <a:off x="6712865" y="2265834"/>
-            <a:ext cx="4032449" cy="3539430"/>
+            <a:off x="7536160" y="1700808"/>
+            <a:ext cx="4032449" cy="3046988"/>
           </a:xfrm>
           <a:prstGeom prst="rect">
             <a:avLst/>
@@ -9463,72 +9282,154 @@
           <a:p>
             <a:r>
               <a:rPr lang="ru-RU" sz="3200" dirty="0" smtClean="0"/>
-              <a:t>По возможности </a:t>
-            </a:r>
-            <a:r>
-              <a:rPr lang="ru-RU" sz="3200" b="1" dirty="0" smtClean="0">
-                <a:solidFill>
-                  <a:srgbClr val="C00000"/>
-                </a:solidFill>
+              <a:t>Возьмите</a:t>
+            </a:r>
+            <a:r>
+              <a:rPr lang="uk-UA" sz="3200" dirty="0" smtClean="0"/>
+              <a:t> </a:t>
+            </a:r>
+            <a:r>
+              <a:rPr lang="ru-RU" sz="3200" dirty="0" smtClean="0"/>
+              <a:t>заготовленный</a:t>
+            </a:r>
+            <a:r>
+              <a:rPr lang="uk-UA" sz="3200" dirty="0" smtClean="0"/>
+              <a:t> шаблон, и </a:t>
+            </a:r>
+            <a:r>
+              <a:rPr lang="ru-RU" sz="3200" dirty="0" smtClean="0"/>
+              <a:t>раскрасьте</a:t>
+            </a:r>
+            <a:r>
+              <a:rPr lang="uk-UA" sz="3200" dirty="0" smtClean="0"/>
+              <a:t> его в </a:t>
+            </a:r>
+            <a:r>
+              <a:rPr lang="ru-RU" sz="3200" dirty="0" smtClean="0"/>
+              <a:t>соответствии</a:t>
+            </a:r>
+            <a:r>
+              <a:rPr lang="uk-UA" sz="3200" dirty="0" smtClean="0"/>
+              <a:t> с </a:t>
+            </a:r>
+            <a:r>
+              <a:rPr lang="ru-RU" sz="3200" dirty="0" smtClean="0"/>
+              <a:t>инструкцией</a:t>
+            </a:r>
+            <a:r>
+              <a:rPr lang="uk-UA" sz="3200" dirty="0" smtClean="0"/>
+              <a:t> в </a:t>
+            </a:r>
+            <a:r>
+              <a:rPr lang="ru-RU" sz="3200" dirty="0" smtClean="0"/>
+              <a:t>разметки</a:t>
+            </a:r>
+            <a:r>
+              <a:rPr lang="uk-UA" sz="3200" dirty="0" smtClean="0"/>
+              <a:t>. </a:t>
+            </a:r>
+            <a:endParaRPr lang="ru-RU" sz="3200" dirty="0"/>
+          </a:p>
+        </p:txBody>
+      </p:sp>
+      <p:sp>
+        <p:nvSpPr>
+          <p:cNvPr id="3" name="Стрелка вправо 2"/>
+          <p:cNvSpPr/>
+          <p:nvPr/>
+        </p:nvSpPr>
+        <p:spPr>
+          <a:xfrm>
+            <a:off x="3935760" y="2165379"/>
+            <a:ext cx="360040" cy="936104"/>
+          </a:xfrm>
+          <a:prstGeom prst="rightArrow">
+            <a:avLst/>
+          </a:prstGeom>
+          <a:noFill/>
+          <a:ln w="38100"/>
+          <a:effectLst>
+            <a:outerShdw blurRad="63500" sx="102000" sy="102000" algn="ctr" rotWithShape="0">
+              <a:prstClr val="black">
+                <a:alpha val="40000"/>
+              </a:prstClr>
+            </a:outerShdw>
+          </a:effectLst>
+        </p:spPr>
+        <p:style>
+          <a:lnRef idx="2">
+            <a:schemeClr val="accent1">
+              <a:shade val="50000"/>
+            </a:schemeClr>
+          </a:lnRef>
+          <a:fillRef idx="1">
+            <a:schemeClr val="accent1"/>
+          </a:fillRef>
+          <a:effectRef idx="0">
+            <a:schemeClr val="accent1"/>
+          </a:effectRef>
+          <a:fontRef idx="minor">
+            <a:schemeClr val="lt1"/>
+          </a:fontRef>
+        </p:style>
+        <p:txBody>
+          <a:bodyPr rtlCol="0" anchor="ctr"/>
+          <a:lstStyle/>
+          <a:p>
+            <a:pPr algn="ctr"/>
+            <a:endParaRPr lang="ru-RU"/>
+          </a:p>
+        </p:txBody>
+      </p:sp>
+      <p:sp>
+        <p:nvSpPr>
+          <p:cNvPr id="10" name="TextBox 9"/>
+          <p:cNvSpPr txBox="1"/>
+          <p:nvPr/>
+        </p:nvSpPr>
+        <p:spPr>
+          <a:xfrm>
+            <a:off x="839416" y="5317758"/>
+            <a:ext cx="9289033" cy="830997"/>
+          </a:xfrm>
+          <a:prstGeom prst="rect">
+            <a:avLst/>
+          </a:prstGeom>
+          <a:noFill/>
+        </p:spPr>
+        <p:txBody>
+          <a:bodyPr wrap="square" rtlCol="0">
+            <a:spAutoFit/>
+          </a:bodyPr>
+          <a:lstStyle/>
+          <a:p>
+            <a:r>
+              <a:rPr lang="ru-RU" sz="2400" b="1" dirty="0" smtClean="0"/>
+              <a:t>Воспользуйтесь разметкой:</a:t>
+            </a:r>
+            <a:br>
+              <a:rPr lang="ru-RU" sz="2400" b="1" dirty="0" smtClean="0"/>
+            </a:br>
+            <a:r>
+              <a:rPr lang="en-US" sz="2400" b="1" dirty="0">
+                <a:hlinkClick r:id="rId4"/>
               </a:rPr>
-              <a:t>максимально близко к макету.</a:t>
-            </a:r>
-          </a:p>
-          <a:p>
-            <a:endParaRPr lang="ru-RU" sz="3200" b="1" dirty="0">
-              <a:solidFill>
-                <a:srgbClr val="C00000"/>
-              </a:solidFill>
-            </a:endParaRPr>
-          </a:p>
-          <a:p>
-            <a:r>
-              <a:rPr lang="en-US" sz="3200" b="1" dirty="0" smtClean="0"/>
-              <a:t>Font Awesome </a:t>
-            </a:r>
-            <a:r>
-              <a:rPr lang="ru-RU" sz="3200" b="1" dirty="0" smtClean="0"/>
-              <a:t>и </a:t>
-            </a:r>
-            <a:r>
-              <a:rPr lang="en-US" sz="3200" b="1" dirty="0" smtClean="0"/>
-              <a:t>Google Fonts </a:t>
-            </a:r>
-            <a:r>
-              <a:rPr lang="ru-RU" sz="3200" b="1" dirty="0" smtClean="0"/>
-              <a:t>вам помогут.</a:t>
-            </a:r>
-            <a:endParaRPr lang="ru-RU" sz="3200" b="1" dirty="0"/>
-          </a:p>
-        </p:txBody>
-      </p:sp>
-      <p:pic>
-        <p:nvPicPr>
-          <p:cNvPr id="2" name="Рисунок 1"/>
-          <p:cNvPicPr>
-            <a:picLocks noChangeAspect="1"/>
-          </p:cNvPicPr>
-          <p:nvPr/>
-        </p:nvPicPr>
-        <p:blipFill rotWithShape="1">
-          <a:blip r:embed="rId2"/>
-          <a:srcRect l="5081" t="3800" r="5455"/>
-          <a:stretch/>
-        </p:blipFill>
-        <p:spPr>
-          <a:xfrm>
-            <a:off x="0" y="0"/>
-            <a:ext cx="5878997" cy="6858001"/>
-          </a:xfrm>
-          <a:prstGeom prst="rect">
-            <a:avLst/>
-          </a:prstGeom>
-        </p:spPr>
-      </p:pic>
+              <a:t>https://</a:t>
+            </a:r>
+            <a:r>
+              <a:rPr lang="en-US" sz="2400" b="1" dirty="0" smtClean="0">
+                <a:hlinkClick r:id="rId4"/>
+              </a:rPr>
+              <a:t>filebase.xyz/storage/web/selectors/v1/homework.html</a:t>
+            </a:r>
+            <a:endParaRPr lang="ru-RU" sz="2400" b="1" dirty="0"/>
+          </a:p>
+        </p:txBody>
+      </p:sp>
     </p:spTree>
     <p:extLst>
       <p:ext uri="{BB962C8B-B14F-4D97-AF65-F5344CB8AC3E}">
-        <p14:creationId xmlns:p14="http://schemas.microsoft.com/office/powerpoint/2010/main" val="2729612447"/>
+        <p14:creationId xmlns:p14="http://schemas.microsoft.com/office/powerpoint/2010/main" val="931276825"/>
       </p:ext>
     </p:extLst>
   </p:cSld>
@@ -9564,64 +9465,194 @@
       </p:grpSpPr>
       <p:sp>
         <p:nvSpPr>
-          <p:cNvPr id="5" name="Прямоугольник 4"/>
-          <p:cNvSpPr/>
+          <p:cNvPr id="4" name="Номер слайда 36"/>
+          <p:cNvSpPr txBox="1">
+            <a:spLocks/>
+          </p:cNvSpPr>
           <p:nvPr/>
         </p:nvSpPr>
         <p:spPr>
           <a:xfrm>
-            <a:off x="0" y="0"/>
-            <a:ext cx="12192000" cy="6858000"/>
-          </a:xfrm>
-          <a:prstGeom prst="rect">
-            <a:avLst/>
-          </a:prstGeom>
-          <a:solidFill>
-            <a:schemeClr val="tx2">
-              <a:lumMod val="75000"/>
-            </a:schemeClr>
-          </a:solidFill>
+            <a:off x="11136560" y="6148755"/>
+            <a:ext cx="648072" cy="432048"/>
+          </a:xfrm>
+          <a:prstGeom prst="roundRect">
+            <a:avLst/>
+          </a:prstGeom>
+          <a:ln w="25400" cap="flat" cmpd="sng" algn="ctr">
+            <a:solidFill>
+              <a:schemeClr val="tx2">
+                <a:lumMod val="60000"/>
+                <a:lumOff val="40000"/>
+              </a:schemeClr>
+            </a:solidFill>
+            <a:prstDash val="solid"/>
+          </a:ln>
         </p:spPr>
         <p:style>
           <a:lnRef idx="2">
-            <a:schemeClr val="accent1">
-              <a:shade val="50000"/>
-            </a:schemeClr>
+            <a:schemeClr val="accent1"/>
           </a:lnRef>
           <a:fillRef idx="1">
-            <a:schemeClr val="accent1"/>
+            <a:schemeClr val="lt1"/>
           </a:fillRef>
           <a:effectRef idx="0">
             <a:schemeClr val="accent1"/>
           </a:effectRef>
           <a:fontRef idx="minor">
-            <a:schemeClr val="lt1"/>
+            <a:schemeClr val="dk1"/>
           </a:fontRef>
         </p:style>
         <p:txBody>
-          <a:bodyPr rtlCol="0" anchor="ctr"/>
-          <a:lstStyle/>
-          <a:p>
-            <a:pPr algn="ctr"/>
-            <a:r>
-              <a:rPr lang="ru-RU" sz="6600" b="1" dirty="0"/>
-              <a:t>К следующему </a:t>
-            </a:r>
-          </a:p>
-          <a:p>
-            <a:pPr algn="ctr"/>
-            <a:r>
-              <a:rPr lang="ru-RU" sz="6600" b="1" dirty="0"/>
-              <a:t>занятию…</a:t>
-            </a:r>
-            <a:endParaRPr lang="uk-UA" sz="6600" b="1" dirty="0"/>
-          </a:p>
-        </p:txBody>
-      </p:sp>
+          <a:bodyPr vert="horz" lIns="91440" tIns="45720" rIns="91440" bIns="45720" rtlCol="0" anchor="ctr"/>
+          <a:lstStyle/>
+          <a:p>
+            <a:pPr algn="ctr">
+              <a:defRPr/>
+            </a:pPr>
+            <a:fld id="{6389AA22-90B4-448C-8B6B-C699140D38B9}" type="slidenum">
+              <a:rPr lang="uk-UA" sz="2400" b="1">
+                <a:solidFill>
+                  <a:schemeClr val="bg1">
+                    <a:lumMod val="50000"/>
+                  </a:schemeClr>
+                </a:solidFill>
+              </a:rPr>
+              <a:pPr algn="ctr">
+                <a:defRPr/>
+              </a:pPr>
+              <a:t>32</a:t>
+            </a:fld>
+            <a:endParaRPr lang="uk-UA" sz="2400" b="1" dirty="0">
+              <a:solidFill>
+                <a:schemeClr val="bg1">
+                  <a:lumMod val="50000"/>
+                </a:schemeClr>
+              </a:solidFill>
+            </a:endParaRPr>
+          </a:p>
+        </p:txBody>
+      </p:sp>
+      <p:sp>
+        <p:nvSpPr>
+          <p:cNvPr id="6" name="TextBox 5"/>
+          <p:cNvSpPr txBox="1"/>
+          <p:nvPr/>
+        </p:nvSpPr>
+        <p:spPr>
+          <a:xfrm>
+            <a:off x="6696743" y="788511"/>
+            <a:ext cx="5159897" cy="1200329"/>
+          </a:xfrm>
+          <a:prstGeom prst="rect">
+            <a:avLst/>
+          </a:prstGeom>
+          <a:noFill/>
+        </p:spPr>
+        <p:txBody>
+          <a:bodyPr wrap="square" rtlCol="0">
+            <a:spAutoFit/>
+          </a:bodyPr>
+          <a:lstStyle/>
+          <a:p>
+            <a:r>
+              <a:rPr lang="ru-RU" sz="3600" b="1" dirty="0" smtClean="0"/>
+              <a:t>Реализуйте этот компонент</a:t>
+            </a:r>
+            <a:endParaRPr lang="ru-RU" sz="3600" b="1" dirty="0"/>
+          </a:p>
+        </p:txBody>
+      </p:sp>
+      <p:sp>
+        <p:nvSpPr>
+          <p:cNvPr id="9" name="TextBox 8"/>
+          <p:cNvSpPr txBox="1"/>
+          <p:nvPr/>
+        </p:nvSpPr>
+        <p:spPr>
+          <a:xfrm>
+            <a:off x="6712865" y="2265834"/>
+            <a:ext cx="4032449" cy="3539430"/>
+          </a:xfrm>
+          <a:prstGeom prst="rect">
+            <a:avLst/>
+          </a:prstGeom>
+          <a:noFill/>
+        </p:spPr>
+        <p:txBody>
+          <a:bodyPr wrap="square" rtlCol="0">
+            <a:spAutoFit/>
+          </a:bodyPr>
+          <a:lstStyle/>
+          <a:p>
+            <a:r>
+              <a:rPr lang="ru-RU" sz="3200" dirty="0" smtClean="0"/>
+              <a:t>По возможности </a:t>
+            </a:r>
+            <a:r>
+              <a:rPr lang="ru-RU" sz="3200" b="1" dirty="0" smtClean="0">
+                <a:solidFill>
+                  <a:srgbClr val="C00000"/>
+                </a:solidFill>
+              </a:rPr>
+              <a:t>максимально близко к макету.</a:t>
+            </a:r>
+          </a:p>
+          <a:p>
+            <a:endParaRPr lang="ru-RU" sz="3200" b="1" dirty="0">
+              <a:solidFill>
+                <a:srgbClr val="C00000"/>
+              </a:solidFill>
+            </a:endParaRPr>
+          </a:p>
+          <a:p>
+            <a:r>
+              <a:rPr lang="en-US" sz="3200" b="1" dirty="0" smtClean="0"/>
+              <a:t>Font Awesome </a:t>
+            </a:r>
+            <a:r>
+              <a:rPr lang="ru-RU" sz="3200" b="1" dirty="0" smtClean="0"/>
+              <a:t>и </a:t>
+            </a:r>
+            <a:r>
+              <a:rPr lang="en-US" sz="3200" b="1" dirty="0" smtClean="0"/>
+              <a:t>Google Fonts </a:t>
+            </a:r>
+            <a:r>
+              <a:rPr lang="ru-RU" sz="3200" b="1" dirty="0" smtClean="0"/>
+              <a:t>вам помогут.</a:t>
+            </a:r>
+            <a:endParaRPr lang="ru-RU" sz="3200" b="1" dirty="0"/>
+          </a:p>
+        </p:txBody>
+      </p:sp>
+      <p:pic>
+        <p:nvPicPr>
+          <p:cNvPr id="2" name="Рисунок 1"/>
+          <p:cNvPicPr>
+            <a:picLocks noChangeAspect="1"/>
+          </p:cNvPicPr>
+          <p:nvPr/>
+        </p:nvPicPr>
+        <p:blipFill rotWithShape="1">
+          <a:blip r:embed="rId2"/>
+          <a:srcRect l="5081" t="3800" r="5455"/>
+          <a:stretch/>
+        </p:blipFill>
+        <p:spPr>
+          <a:xfrm>
+            <a:off x="0" y="0"/>
+            <a:ext cx="5878997" cy="6858001"/>
+          </a:xfrm>
+          <a:prstGeom prst="rect">
+            <a:avLst/>
+          </a:prstGeom>
+        </p:spPr>
+      </p:pic>
     </p:spTree>
     <p:extLst>
       <p:ext uri="{BB962C8B-B14F-4D97-AF65-F5344CB8AC3E}">
-        <p14:creationId xmlns:p14="http://schemas.microsoft.com/office/powerpoint/2010/main" val="550851314"/>
+        <p14:creationId xmlns:p14="http://schemas.microsoft.com/office/powerpoint/2010/main" val="2729612447"/>
       </p:ext>
     </p:extLst>
   </p:cSld>
@@ -9657,6 +9688,99 @@
       </p:grpSpPr>
       <p:sp>
         <p:nvSpPr>
+          <p:cNvPr id="5" name="Прямоугольник 4"/>
+          <p:cNvSpPr/>
+          <p:nvPr/>
+        </p:nvSpPr>
+        <p:spPr>
+          <a:xfrm>
+            <a:off x="0" y="0"/>
+            <a:ext cx="12192000" cy="6858000"/>
+          </a:xfrm>
+          <a:prstGeom prst="rect">
+            <a:avLst/>
+          </a:prstGeom>
+          <a:solidFill>
+            <a:schemeClr val="tx2">
+              <a:lumMod val="75000"/>
+            </a:schemeClr>
+          </a:solidFill>
+        </p:spPr>
+        <p:style>
+          <a:lnRef idx="2">
+            <a:schemeClr val="accent1">
+              <a:shade val="50000"/>
+            </a:schemeClr>
+          </a:lnRef>
+          <a:fillRef idx="1">
+            <a:schemeClr val="accent1"/>
+          </a:fillRef>
+          <a:effectRef idx="0">
+            <a:schemeClr val="accent1"/>
+          </a:effectRef>
+          <a:fontRef idx="minor">
+            <a:schemeClr val="lt1"/>
+          </a:fontRef>
+        </p:style>
+        <p:txBody>
+          <a:bodyPr rtlCol="0" anchor="ctr"/>
+          <a:lstStyle/>
+          <a:p>
+            <a:pPr algn="ctr"/>
+            <a:r>
+              <a:rPr lang="ru-RU" sz="6600" b="1" dirty="0"/>
+              <a:t>К следующему </a:t>
+            </a:r>
+          </a:p>
+          <a:p>
+            <a:pPr algn="ctr"/>
+            <a:r>
+              <a:rPr lang="ru-RU" sz="6600" b="1" dirty="0"/>
+              <a:t>занятию…</a:t>
+            </a:r>
+            <a:endParaRPr lang="uk-UA" sz="6600" b="1" dirty="0"/>
+          </a:p>
+        </p:txBody>
+      </p:sp>
+    </p:spTree>
+    <p:extLst>
+      <p:ext uri="{BB962C8B-B14F-4D97-AF65-F5344CB8AC3E}">
+        <p14:creationId xmlns:p14="http://schemas.microsoft.com/office/powerpoint/2010/main" val="550851314"/>
+      </p:ext>
+    </p:extLst>
+  </p:cSld>
+  <p:clrMapOvr>
+    <a:masterClrMapping/>
+  </p:clrMapOvr>
+  <p:timing>
+    <p:tnLst>
+      <p:par>
+        <p:cTn id="1" dur="indefinite" restart="never" nodeType="tmRoot"/>
+      </p:par>
+    </p:tnLst>
+  </p:timing>
+</p:sld>
+</file>
+
+<file path=ppt/slides/slide34.xml><?xml version="1.0" encoding="utf-8"?>
+<p:sld xmlns:a="http://schemas.openxmlformats.org/drawingml/2006/main" xmlns:r="http://schemas.openxmlformats.org/officeDocument/2006/relationships" xmlns:p="http://schemas.openxmlformats.org/presentationml/2006/main">
+  <p:cSld>
+    <p:spTree>
+      <p:nvGrpSpPr>
+        <p:cNvPr id="1" name=""/>
+        <p:cNvGrpSpPr/>
+        <p:nvPr/>
+      </p:nvGrpSpPr>
+      <p:grpSpPr>
+        <a:xfrm>
+          <a:off x="0" y="0"/>
+          <a:ext cx="0" cy="0"/>
+          <a:chOff x="0" y="0"/>
+          <a:chExt cx="0" cy="0"/>
+        </a:xfrm>
+      </p:grpSpPr>
+      <p:sp>
+        <p:nvSpPr>
           <p:cNvPr id="8" name="Номер слайда 36"/>
           <p:cNvSpPr txBox="1">
             <a:spLocks/>
@@ -9713,7 +9837,7 @@
               <a:pPr algn="ctr">
                 <a:defRPr/>
               </a:pPr>
-              <a:t>33</a:t>
+              <a:t>34</a:t>
             </a:fld>
             <a:endParaRPr lang="uk-UA" sz="2400" b="1" dirty="0">
               <a:solidFill>
@@ -10036,8 +10160,8 @@
         </p:nvSpPr>
         <p:spPr>
           <a:xfrm>
-            <a:off x="487085" y="251938"/>
-            <a:ext cx="11225539" cy="769441"/>
+            <a:off x="0" y="332656"/>
+            <a:ext cx="12191999" cy="769441"/>
           </a:xfrm>
           <a:prstGeom prst="rect">
             <a:avLst/>
@@ -10050,10 +10174,12 @@
           </a:bodyPr>
           <a:lstStyle/>
           <a:p>
-            <a:r>
-              <a:rPr lang="ru-RU" sz="4400" b="1" dirty="0"/>
-              <a:t>Немного практики</a:t>
-            </a:r>
+            <a:pPr algn="ctr"/>
+            <a:r>
+              <a:rPr lang="ru-RU" sz="4400" b="1" dirty="0" smtClean="0"/>
+              <a:t>Скачайте шаблоны</a:t>
+            </a:r>
+            <a:endParaRPr lang="ru-RU" sz="4400" b="1" dirty="0"/>
           </a:p>
         </p:txBody>
       </p:sp>
@@ -10065,8 +10191,8 @@
         </p:nvSpPr>
         <p:spPr>
           <a:xfrm>
-            <a:off x="514544" y="5613547"/>
-            <a:ext cx="9289033" cy="830997"/>
+            <a:off x="0" y="4869160"/>
+            <a:ext cx="12192000" cy="830997"/>
           </a:xfrm>
           <a:prstGeom prst="rect">
             <a:avLst/>
@@ -10079,9 +10205,10 @@
           </a:bodyPr>
           <a:lstStyle/>
           <a:p>
+            <a:pPr algn="ctr"/>
             <a:r>
               <a:rPr lang="ru-RU" sz="2400" b="1" dirty="0" smtClean="0"/>
-              <a:t>Воспользуйтесь разметкой:</a:t>
+              <a:t>Скачайте архив с шаблонами которые нам понадобятся:</a:t>
             </a:r>
             <a:br>
               <a:rPr lang="ru-RU" sz="2400" b="1" dirty="0" smtClean="0"/>
@@ -10096,7 +10223,7 @@
               <a:rPr lang="en-US" sz="2400" b="1" dirty="0" smtClean="0">
                 <a:hlinkClick r:id="rId2"/>
               </a:rPr>
-              <a:t>filebase.xyz/storage/web/selectors/v1/template.html</a:t>
+              <a:t>github.com/filebase-xyz/css-selectors/archive/master.zip</a:t>
             </a:r>
             <a:endParaRPr lang="ru-RU" sz="2400" b="1" dirty="0"/>
           </a:p>
@@ -10104,22 +10231,28 @@
       </p:sp>
       <p:pic>
         <p:nvPicPr>
-          <p:cNvPr id="3" name="Рисунок 2"/>
+          <p:cNvPr id="2" name="Рисунок 1"/>
           <p:cNvPicPr>
             <a:picLocks noChangeAspect="1"/>
           </p:cNvPicPr>
           <p:nvPr/>
         </p:nvPicPr>
         <p:blipFill>
-          <a:blip r:embed="rId3"/>
+          <a:blip r:embed="rId3">
+            <a:extLst>
+              <a:ext uri="{28A0092B-C50C-407E-A947-70E740481C1C}">
+                <a14:useLocalDpi xmlns:a14="http://schemas.microsoft.com/office/drawing/2010/main" val="0"/>
+              </a:ext>
+            </a:extLst>
+          </a:blip>
           <a:stretch>
             <a:fillRect/>
           </a:stretch>
         </p:blipFill>
         <p:spPr>
           <a:xfrm>
-            <a:off x="479376" y="1124744"/>
-            <a:ext cx="11371917" cy="4392786"/>
+            <a:off x="4655840" y="1556792"/>
+            <a:ext cx="2880320" cy="2880320"/>
           </a:xfrm>
           <a:prstGeom prst="rect">
             <a:avLst/>
@@ -10165,7 +10298,7 @@
       </p:grpSpPr>
       <p:sp>
         <p:nvSpPr>
-          <p:cNvPr id="6" name="Номер слайда 36"/>
+          <p:cNvPr id="4" name="Номер слайда 36"/>
           <p:cNvSpPr txBox="1">
             <a:spLocks/>
           </p:cNvSpPr>
@@ -10235,14 +10368,14 @@
       </p:sp>
       <p:sp>
         <p:nvSpPr>
-          <p:cNvPr id="8" name="TextBox 7"/>
+          <p:cNvPr id="5" name="TextBox 4"/>
           <p:cNvSpPr txBox="1"/>
           <p:nvPr/>
         </p:nvSpPr>
         <p:spPr>
           <a:xfrm>
-            <a:off x="0" y="339754"/>
-            <a:ext cx="12192000" cy="707886"/>
+            <a:off x="479376" y="251938"/>
+            <a:ext cx="11225539" cy="769441"/>
           </a:xfrm>
           <a:prstGeom prst="rect">
             <a:avLst/>
@@ -10255,57 +10388,23 @@
           </a:bodyPr>
           <a:lstStyle/>
           <a:p>
-            <a:pPr algn="ctr"/>
-            <a:r>
-              <a:rPr lang="ru-RU" sz="4000" b="1" dirty="0"/>
-              <a:t>Селектор </a:t>
-            </a:r>
-            <a:r>
-              <a:rPr lang="en-US" sz="4000" b="1" dirty="0"/>
-              <a:t>CSS </a:t>
-            </a:r>
-            <a:r>
-              <a:rPr lang="ru-RU" sz="4000" b="1" dirty="0"/>
-              <a:t>по </a:t>
-            </a:r>
-            <a:r>
-              <a:rPr lang="ru-RU" sz="4000" b="1" dirty="0" smtClean="0"/>
-              <a:t>названию</a:t>
-            </a:r>
-            <a:r>
-              <a:rPr lang="en-US" sz="4000" b="1" dirty="0" smtClean="0"/>
-              <a:t> (</a:t>
-            </a:r>
-            <a:r>
-              <a:rPr lang="ru-RU" sz="4000" b="1" dirty="0" smtClean="0"/>
-              <a:t>типу</a:t>
-            </a:r>
-            <a:r>
-              <a:rPr lang="en-US" sz="4000" b="1" dirty="0" smtClean="0"/>
-              <a:t>)</a:t>
-            </a:r>
-            <a:r>
-              <a:rPr lang="ru-RU" sz="4000" b="1" dirty="0" smtClean="0"/>
-              <a:t> </a:t>
-            </a:r>
-            <a:r>
-              <a:rPr lang="ru-RU" sz="4000" b="1" dirty="0"/>
-              <a:t>тега</a:t>
-            </a:r>
-            <a:endParaRPr lang="en-US" sz="4000" b="1" dirty="0"/>
-          </a:p>
-        </p:txBody>
-      </p:sp>
-      <p:sp>
-        <p:nvSpPr>
-          <p:cNvPr id="9" name="TextBox 8"/>
+            <a:r>
+              <a:rPr lang="ru-RU" sz="4400" b="1" dirty="0"/>
+              <a:t>Немного практики</a:t>
+            </a:r>
+          </a:p>
+        </p:txBody>
+      </p:sp>
+      <p:sp>
+        <p:nvSpPr>
+          <p:cNvPr id="7" name="TextBox 6"/>
           <p:cNvSpPr txBox="1"/>
           <p:nvPr/>
         </p:nvSpPr>
         <p:spPr>
           <a:xfrm>
-            <a:off x="1127448" y="4730240"/>
-            <a:ext cx="10566867" cy="584775"/>
+            <a:off x="514544" y="5775647"/>
+            <a:ext cx="11198080" cy="461665"/>
           </a:xfrm>
           <a:prstGeom prst="rect">
             <a:avLst/>
@@ -10313,43 +10412,62 @@
           <a:noFill/>
         </p:spPr>
         <p:txBody>
-          <a:bodyPr wrap="none" rtlCol="0">
+          <a:bodyPr wrap="square" rtlCol="0">
             <a:spAutoFit/>
           </a:bodyPr>
           <a:lstStyle/>
           <a:p>
-            <a:pPr algn="ctr"/>
-            <a:r>
-              <a:rPr lang="ru-RU" sz="3200" dirty="0"/>
-              <a:t>Стиль применяется ко всем тегам указанного </a:t>
-            </a:r>
-            <a:r>
-              <a:rPr lang="ru-RU" sz="3200" dirty="0" smtClean="0"/>
-              <a:t>типа</a:t>
-            </a:r>
-            <a:r>
-              <a:rPr lang="en-US" sz="3200" dirty="0" smtClean="0"/>
-              <a:t> (</a:t>
-            </a:r>
-            <a:r>
-              <a:rPr lang="ru-RU" sz="3200" dirty="0" smtClean="0"/>
-              <a:t>имени</a:t>
-            </a:r>
-            <a:r>
-              <a:rPr lang="en-US" sz="3200" dirty="0" smtClean="0"/>
-              <a:t>)</a:t>
-            </a:r>
-            <a:r>
-              <a:rPr lang="ru-RU" sz="3200" dirty="0" smtClean="0"/>
-              <a:t>.</a:t>
-            </a:r>
-            <a:endParaRPr lang="ru-RU" sz="3200" dirty="0"/>
+            <a:r>
+              <a:rPr lang="ru-RU" sz="2400" b="1" dirty="0" smtClean="0"/>
+              <a:t>Откройте проект из каталога (и</a:t>
+            </a:r>
+            <a:r>
+              <a:rPr lang="ru-RU" sz="2400" b="1" dirty="0" smtClean="0"/>
+              <a:t>з архива): </a:t>
+            </a:r>
+            <a:r>
+              <a:rPr lang="ru-RU" sz="2400" b="1" dirty="0" smtClean="0">
+                <a:solidFill>
+                  <a:schemeClr val="accent6">
+                    <a:lumMod val="75000"/>
+                  </a:schemeClr>
+                </a:solidFill>
+              </a:rPr>
+              <a:t>./</a:t>
+            </a:r>
+            <a:r>
+              <a:rPr lang="en-US" sz="2400" b="1" dirty="0" err="1" smtClean="0">
+                <a:solidFill>
+                  <a:schemeClr val="accent6">
+                    <a:lumMod val="75000"/>
+                  </a:schemeClr>
+                </a:solidFill>
+              </a:rPr>
+              <a:t>css</a:t>
+            </a:r>
+            <a:r>
+              <a:rPr lang="en-US" sz="2400" b="1" dirty="0" smtClean="0">
+                <a:solidFill>
+                  <a:schemeClr val="accent6">
+                    <a:lumMod val="75000"/>
+                  </a:schemeClr>
+                </a:solidFill>
+              </a:rPr>
+              <a:t>-selectors-master/demo-template</a:t>
+            </a:r>
+            <a:endParaRPr lang="ru-RU" sz="2400" b="1" dirty="0">
+              <a:solidFill>
+                <a:schemeClr val="accent6">
+                  <a:lumMod val="75000"/>
+                </a:schemeClr>
+              </a:solidFill>
+            </a:endParaRPr>
           </a:p>
         </p:txBody>
       </p:sp>
       <p:pic>
         <p:nvPicPr>
-          <p:cNvPr id="2" name="Рисунок 1"/>
+          <p:cNvPr id="3" name="Рисунок 2"/>
           <p:cNvPicPr>
             <a:picLocks noChangeAspect="1"/>
           </p:cNvPicPr>
@@ -10363,32 +10481,18 @@
         </p:blipFill>
         <p:spPr>
           <a:xfrm>
-            <a:off x="2423592" y="1556792"/>
-            <a:ext cx="7645371" cy="2664296"/>
+            <a:off x="479376" y="1196454"/>
+            <a:ext cx="11371917" cy="4392786"/>
           </a:xfrm>
           <a:prstGeom prst="rect">
             <a:avLst/>
           </a:prstGeom>
-          <a:ln>
-            <a:solidFill>
-              <a:schemeClr val="bg1">
-                <a:lumMod val="75000"/>
-              </a:schemeClr>
-            </a:solidFill>
-          </a:ln>
-          <a:effectLst>
-            <a:outerShdw blurRad="190500" algn="tl" rotWithShape="0">
-              <a:srgbClr val="000000">
-                <a:alpha val="70000"/>
-              </a:srgbClr>
-            </a:outerShdw>
-          </a:effectLst>
         </p:spPr>
       </p:pic>
     </p:spTree>
     <p:extLst>
       <p:ext uri="{BB962C8B-B14F-4D97-AF65-F5344CB8AC3E}">
-        <p14:creationId xmlns:p14="http://schemas.microsoft.com/office/powerpoint/2010/main" val="149170149"/>
+        <p14:creationId xmlns:p14="http://schemas.microsoft.com/office/powerpoint/2010/main" val="209978617"/>
       </p:ext>
     </p:extLst>
   </p:cSld>
@@ -10424,7 +10528,7 @@
       </p:grpSpPr>
       <p:sp>
         <p:nvSpPr>
-          <p:cNvPr id="4" name="Номер слайда 36"/>
+          <p:cNvPr id="6" name="Номер слайда 36"/>
           <p:cNvSpPr txBox="1">
             <a:spLocks/>
           </p:cNvSpPr>
@@ -10432,7 +10536,7 @@
         </p:nvSpPr>
         <p:spPr>
           <a:xfrm>
-            <a:off x="11280576" y="6165304"/>
+            <a:off x="11208568" y="6165304"/>
             <a:ext cx="648072" cy="432048"/>
           </a:xfrm>
           <a:prstGeom prst="roundRect">
@@ -10494,14 +10598,14 @@
       </p:sp>
       <p:sp>
         <p:nvSpPr>
-          <p:cNvPr id="3" name="TextBox 2"/>
+          <p:cNvPr id="8" name="TextBox 7"/>
           <p:cNvSpPr txBox="1"/>
           <p:nvPr/>
         </p:nvSpPr>
         <p:spPr>
           <a:xfrm>
-            <a:off x="0" y="188641"/>
-            <a:ext cx="12192000" cy="584775"/>
+            <a:off x="0" y="339754"/>
+            <a:ext cx="12192000" cy="707886"/>
           </a:xfrm>
           <a:prstGeom prst="rect">
             <a:avLst/>
@@ -10516,27 +10620,55 @@
           <a:p>
             <a:pPr algn="ctr"/>
             <a:r>
-              <a:rPr lang="ru-RU" sz="3200" b="1" dirty="0"/>
-              <a:t>Селектор по имени </a:t>
-            </a:r>
-            <a:r>
-              <a:rPr lang="ru-RU" sz="3200" b="1" dirty="0" smtClean="0"/>
-              <a:t>класса</a:t>
-            </a:r>
-            <a:endParaRPr lang="en-US" sz="3200" b="1" dirty="0"/>
-          </a:p>
-        </p:txBody>
-      </p:sp>
-      <p:sp>
-        <p:nvSpPr>
-          <p:cNvPr id="7" name="TextBox 6"/>
+              <a:rPr lang="ru-RU" sz="4000" b="1" dirty="0"/>
+              <a:t>Селектор </a:t>
+            </a:r>
+            <a:r>
+              <a:rPr lang="en-US" sz="4000" b="1" dirty="0"/>
+              <a:t>CSS </a:t>
+            </a:r>
+            <a:r>
+              <a:rPr lang="ru-RU" sz="4000" b="1" dirty="0"/>
+              <a:t>по </a:t>
+            </a:r>
+            <a:r>
+              <a:rPr lang="ru-RU" sz="4000" b="1" dirty="0" smtClean="0"/>
+              <a:t>названию</a:t>
+            </a:r>
+            <a:r>
+              <a:rPr lang="en-US" sz="4000" b="1" dirty="0" smtClean="0"/>
+              <a:t> (</a:t>
+            </a:r>
+            <a:r>
+              <a:rPr lang="ru-RU" sz="4000" b="1" dirty="0" smtClean="0"/>
+              <a:t>типу</a:t>
+            </a:r>
+            <a:r>
+              <a:rPr lang="en-US" sz="4000" b="1" dirty="0" smtClean="0"/>
+              <a:t>)</a:t>
+            </a:r>
+            <a:r>
+              <a:rPr lang="ru-RU" sz="4000" b="1" dirty="0" smtClean="0"/>
+              <a:t> </a:t>
+            </a:r>
+            <a:r>
+              <a:rPr lang="ru-RU" sz="4000" b="1" dirty="0"/>
+              <a:t>тега</a:t>
+            </a:r>
+            <a:endParaRPr lang="en-US" sz="4000" b="1" dirty="0"/>
+          </a:p>
+        </p:txBody>
+      </p:sp>
+      <p:sp>
+        <p:nvSpPr>
+          <p:cNvPr id="9" name="TextBox 8"/>
           <p:cNvSpPr txBox="1"/>
           <p:nvPr/>
         </p:nvSpPr>
         <p:spPr>
           <a:xfrm>
-            <a:off x="4181630" y="3933056"/>
-            <a:ext cx="3828740" cy="523220"/>
+            <a:off x="1127448" y="4730240"/>
+            <a:ext cx="10566867" cy="584775"/>
           </a:xfrm>
           <a:prstGeom prst="rect">
             <a:avLst/>
@@ -10549,92 +10681,32 @@
           </a:bodyPr>
           <a:lstStyle/>
           <a:p>
-            <a:r>
-              <a:rPr lang="en-US" sz="2800" b="1" dirty="0">
-                <a:solidFill>
-                  <a:srgbClr val="0070C0"/>
-                </a:solidFill>
-              </a:rPr>
-              <a:t>&lt;div </a:t>
-            </a:r>
-            <a:r>
-              <a:rPr lang="en-US" sz="2800" b="1" dirty="0">
-                <a:solidFill>
-                  <a:srgbClr val="00B050"/>
-                </a:solidFill>
-              </a:rPr>
-              <a:t>class</a:t>
-            </a:r>
-            <a:r>
-              <a:rPr lang="en-US" sz="2800" b="1" dirty="0"/>
-              <a:t>=“</a:t>
-            </a:r>
-            <a:r>
-              <a:rPr lang="en-US" sz="2800" b="1" dirty="0">
-                <a:solidFill>
-                  <a:schemeClr val="accent6"/>
-                </a:solidFill>
-              </a:rPr>
-              <a:t>bird</a:t>
-            </a:r>
-            <a:r>
-              <a:rPr lang="en-US" sz="2800" b="1" dirty="0"/>
-              <a:t>”</a:t>
-            </a:r>
-            <a:r>
-              <a:rPr lang="en-US" sz="2800" b="1" dirty="0">
-                <a:solidFill>
-                  <a:srgbClr val="0070C0"/>
-                </a:solidFill>
-              </a:rPr>
-              <a:t>&gt;&lt;/div&gt;</a:t>
-            </a:r>
-            <a:endParaRPr lang="ru-RU" sz="2800" b="1" dirty="0">
-              <a:solidFill>
-                <a:srgbClr val="0070C0"/>
-              </a:solidFill>
-            </a:endParaRPr>
-          </a:p>
-        </p:txBody>
-      </p:sp>
-      <p:sp>
-        <p:nvSpPr>
-          <p:cNvPr id="12" name="TextBox 11"/>
-          <p:cNvSpPr txBox="1"/>
-          <p:nvPr/>
-        </p:nvSpPr>
-        <p:spPr>
-          <a:xfrm>
-            <a:off x="2063552" y="4564285"/>
-            <a:ext cx="9073008" cy="1384995"/>
-          </a:xfrm>
-          <a:prstGeom prst="rect">
-            <a:avLst/>
-          </a:prstGeom>
-          <a:noFill/>
-        </p:spPr>
-        <p:txBody>
-          <a:bodyPr wrap="square" rtlCol="0">
-            <a:spAutoFit/>
-          </a:bodyPr>
-          <a:lstStyle/>
-          <a:p>
-            <a:r>
-              <a:rPr lang="en-US" sz="2800" b="1" dirty="0"/>
+            <a:pPr algn="ctr"/>
+            <a:r>
+              <a:rPr lang="ru-RU" sz="3200" dirty="0"/>
+              <a:t>Стиль применяется ко всем тегам указанного </a:t>
+            </a:r>
+            <a:r>
+              <a:rPr lang="ru-RU" sz="3200" dirty="0" smtClean="0"/>
+              <a:t>типа</a:t>
+            </a:r>
+            <a:r>
+              <a:rPr lang="en-US" sz="3200" dirty="0" smtClean="0"/>
+              <a:t> (</a:t>
+            </a:r>
+            <a:r>
+              <a:rPr lang="ru-RU" sz="3200" dirty="0" smtClean="0"/>
+              <a:t>имени</a:t>
+            </a:r>
+            <a:r>
+              <a:rPr lang="en-US" sz="3200" dirty="0" smtClean="0"/>
+              <a:t>)</a:t>
+            </a:r>
+            <a:r>
+              <a:rPr lang="ru-RU" sz="3200" dirty="0" smtClean="0"/>
               <a:t>.</a:t>
             </a:r>
-            <a:r>
-              <a:rPr lang="ru-RU" sz="2800" b="1" dirty="0"/>
-              <a:t>имя-класса </a:t>
-            </a:r>
-            <a:r>
-              <a:rPr lang="en-US" sz="2800" dirty="0"/>
-              <a:t>–</a:t>
-            </a:r>
-            <a:r>
-              <a:rPr lang="ru-RU" sz="2800" dirty="0"/>
-              <a:t> селектор, который позволяет выбрать теги у которых есть искомый класс. Если у тега несколько классов, то среди имеющихся должен быть искомый.</a:t>
-            </a:r>
+            <a:endParaRPr lang="ru-RU" sz="3200" dirty="0"/>
           </a:p>
         </p:txBody>
       </p:sp>
@@ -10654,8 +10726,8 @@
         </p:blipFill>
         <p:spPr>
           <a:xfrm>
-            <a:off x="2999656" y="1043397"/>
-            <a:ext cx="6192688" cy="2673635"/>
+            <a:off x="2423592" y="1556792"/>
+            <a:ext cx="7645371" cy="2664296"/>
           </a:xfrm>
           <a:prstGeom prst="rect">
             <a:avLst/>
@@ -10679,7 +10751,7 @@
     </p:spTree>
     <p:extLst>
       <p:ext uri="{BB962C8B-B14F-4D97-AF65-F5344CB8AC3E}">
-        <p14:creationId xmlns:p14="http://schemas.microsoft.com/office/powerpoint/2010/main" val="2241666945"/>
+        <p14:creationId xmlns:p14="http://schemas.microsoft.com/office/powerpoint/2010/main" val="149170149"/>
       </p:ext>
     </p:extLst>
   </p:cSld>
@@ -10715,7 +10787,7 @@
       </p:grpSpPr>
       <p:sp>
         <p:nvSpPr>
-          <p:cNvPr id="7" name="Номер слайда 36"/>
+          <p:cNvPr id="4" name="Номер слайда 36"/>
           <p:cNvSpPr txBox="1">
             <a:spLocks/>
           </p:cNvSpPr>
@@ -10785,13 +10857,13 @@
       </p:sp>
       <p:sp>
         <p:nvSpPr>
-          <p:cNvPr id="8" name="TextBox 7"/>
+          <p:cNvPr id="3" name="TextBox 2"/>
           <p:cNvSpPr txBox="1"/>
           <p:nvPr/>
         </p:nvSpPr>
         <p:spPr>
           <a:xfrm>
-            <a:off x="0" y="332656"/>
+            <a:off x="0" y="188641"/>
             <a:ext cx="12192000" cy="584775"/>
           </a:xfrm>
           <a:prstGeom prst="rect">
@@ -10808,33 +10880,26 @@
             <a:pPr algn="ctr"/>
             <a:r>
               <a:rPr lang="ru-RU" sz="3200" b="1" dirty="0"/>
-              <a:t>Селектор по атрибуту </a:t>
-            </a:r>
-            <a:r>
-              <a:rPr lang="en-US" sz="3200" b="1" dirty="0"/>
-              <a:t>id (</a:t>
-            </a:r>
-            <a:r>
-              <a:rPr lang="ru-RU" sz="3200" b="1" dirty="0"/>
-              <a:t>знак </a:t>
-            </a:r>
-            <a:r>
-              <a:rPr lang="en-US" sz="3200" b="1" dirty="0"/>
-              <a:t>‘#’)</a:t>
-            </a:r>
-          </a:p>
-        </p:txBody>
-      </p:sp>
-      <p:sp>
-        <p:nvSpPr>
-          <p:cNvPr id="9" name="TextBox 8"/>
+              <a:t>Селектор по имени </a:t>
+            </a:r>
+            <a:r>
+              <a:rPr lang="ru-RU" sz="3200" b="1" dirty="0" smtClean="0"/>
+              <a:t>класса</a:t>
+            </a:r>
+            <a:endParaRPr lang="en-US" sz="3200" b="1" dirty="0"/>
+          </a:p>
+        </p:txBody>
+      </p:sp>
+      <p:sp>
+        <p:nvSpPr>
+          <p:cNvPr id="7" name="TextBox 6"/>
           <p:cNvSpPr txBox="1"/>
           <p:nvPr/>
         </p:nvSpPr>
         <p:spPr>
           <a:xfrm>
-            <a:off x="4474496" y="4100196"/>
-            <a:ext cx="3512180" cy="523220"/>
+            <a:off x="4181630" y="3933056"/>
+            <a:ext cx="3828740" cy="523220"/>
           </a:xfrm>
           <a:prstGeom prst="rect">
             <a:avLst/>
@@ -10861,7 +10926,7 @@
                   <a:srgbClr val="00B050"/>
                 </a:solidFill>
               </a:rPr>
-              <a:t>id</a:t>
+              <a:t>class</a:t>
             </a:r>
             <a:r>
               <a:rPr lang="en-US" sz="2800" b="1" dirty="0"/>
@@ -10873,7 +10938,7 @@
                   <a:schemeClr val="accent6"/>
                 </a:solidFill>
               </a:rPr>
-              <a:t>tiger</a:t>
+              <a:t>bird</a:t>
             </a:r>
             <a:r>
               <a:rPr lang="en-US" sz="2800" b="1" dirty="0"/>
@@ -10897,14 +10962,14 @@
       </p:sp>
       <p:sp>
         <p:nvSpPr>
-          <p:cNvPr id="10" name="TextBox 9"/>
+          <p:cNvPr id="12" name="TextBox 11"/>
           <p:cNvSpPr txBox="1"/>
           <p:nvPr/>
         </p:nvSpPr>
         <p:spPr>
           <a:xfrm>
-            <a:off x="1991544" y="4869160"/>
-            <a:ext cx="9073008" cy="954107"/>
+            <a:off x="2063552" y="4564285"/>
+            <a:ext cx="9073008" cy="1384995"/>
           </a:xfrm>
           <a:prstGeom prst="rect">
             <a:avLst/>
@@ -10919,39 +10984,19 @@
           <a:p>
             <a:r>
               <a:rPr lang="en-US" sz="2800" b="1" dirty="0"/>
-              <a:t>#</a:t>
+              <a:t>.</a:t>
             </a:r>
             <a:r>
               <a:rPr lang="ru-RU" sz="2800" b="1" dirty="0"/>
-              <a:t>идентификатор </a:t>
+              <a:t>имя-класса </a:t>
             </a:r>
             <a:r>
               <a:rPr lang="en-US" sz="2800" dirty="0"/>
-              <a:t>– </a:t>
-            </a:r>
-            <a:r>
-              <a:rPr lang="en-US" sz="2800" dirty="0" err="1"/>
-              <a:t>css</a:t>
-            </a:r>
-            <a:r>
-              <a:rPr lang="en-US" sz="2800" dirty="0"/>
-              <a:t>-</a:t>
+              <a:t>–</a:t>
             </a:r>
             <a:r>
               <a:rPr lang="ru-RU" sz="2800" dirty="0"/>
-              <a:t>селектор, который позволяет выбрать теги у которых есть атрибут </a:t>
-            </a:r>
-            <a:r>
-              <a:rPr lang="en-US" sz="2800" b="1" dirty="0"/>
-              <a:t>id</a:t>
-            </a:r>
-            <a:r>
-              <a:rPr lang="en-US" sz="2800" dirty="0"/>
-              <a:t> </a:t>
-            </a:r>
-            <a:r>
-              <a:rPr lang="ru-RU" sz="2800" dirty="0"/>
-              <a:t>равный заданному</a:t>
+              <a:t> селектор, который позволяет выбрать теги у которых есть искомый класс. Если у тега несколько классов, то среди имеющихся должен быть искомый.</a:t>
             </a:r>
           </a:p>
         </p:txBody>
@@ -10972,8 +11017,8 @@
         </p:blipFill>
         <p:spPr>
           <a:xfrm>
-            <a:off x="2855640" y="1196752"/>
-            <a:ext cx="6552727" cy="2364236"/>
+            <a:off x="2999656" y="1043397"/>
+            <a:ext cx="6192688" cy="2673635"/>
           </a:xfrm>
           <a:prstGeom prst="rect">
             <a:avLst/>
@@ -10997,7 +11042,7 @@
     </p:spTree>
     <p:extLst>
       <p:ext uri="{BB962C8B-B14F-4D97-AF65-F5344CB8AC3E}">
-        <p14:creationId xmlns:p14="http://schemas.microsoft.com/office/powerpoint/2010/main" val="623274769"/>
+        <p14:creationId xmlns:p14="http://schemas.microsoft.com/office/powerpoint/2010/main" val="2241666945"/>
       </p:ext>
     </p:extLst>
   </p:cSld>
@@ -11033,7 +11078,7 @@
       </p:grpSpPr>
       <p:sp>
         <p:nvSpPr>
-          <p:cNvPr id="5" name="Номер слайда 36"/>
+          <p:cNvPr id="7" name="Номер слайда 36"/>
           <p:cNvSpPr txBox="1">
             <a:spLocks/>
           </p:cNvSpPr>
@@ -11041,7 +11086,7 @@
         </p:nvSpPr>
         <p:spPr>
           <a:xfrm>
-            <a:off x="11208568" y="6239347"/>
+            <a:off x="11280576" y="6165304"/>
             <a:ext cx="648072" cy="432048"/>
           </a:xfrm>
           <a:prstGeom prst="roundRect">
@@ -11103,31 +11148,43 @@
       </p:sp>
       <p:sp>
         <p:nvSpPr>
-          <p:cNvPr id="8" name="Прямоугольник 7"/>
-          <p:cNvSpPr/>
+          <p:cNvPr id="8" name="TextBox 7"/>
+          <p:cNvSpPr txBox="1"/>
           <p:nvPr/>
         </p:nvSpPr>
         <p:spPr>
           <a:xfrm>
-            <a:off x="0" y="560874"/>
-            <a:ext cx="12192000" cy="707886"/>
+            <a:off x="0" y="332656"/>
+            <a:ext cx="12192000" cy="584775"/>
           </a:xfrm>
           <a:prstGeom prst="rect">
             <a:avLst/>
           </a:prstGeom>
-        </p:spPr>
-        <p:txBody>
-          <a:bodyPr wrap="square">
+          <a:noFill/>
+        </p:spPr>
+        <p:txBody>
+          <a:bodyPr wrap="square" rtlCol="0">
             <a:spAutoFit/>
           </a:bodyPr>
           <a:lstStyle/>
           <a:p>
             <a:pPr algn="ctr"/>
             <a:r>
-              <a:rPr lang="ru-RU" sz="4000" b="1" dirty="0" smtClean="0"/>
-              <a:t>Тег и множество правил</a:t>
-            </a:r>
-            <a:endParaRPr lang="ru-RU" sz="4000" b="1" dirty="0"/>
+              <a:rPr lang="ru-RU" sz="3200" b="1" dirty="0"/>
+              <a:t>Селектор по атрибуту </a:t>
+            </a:r>
+            <a:r>
+              <a:rPr lang="en-US" sz="3200" b="1" dirty="0"/>
+              <a:t>id (</a:t>
+            </a:r>
+            <a:r>
+              <a:rPr lang="ru-RU" sz="3200" b="1" dirty="0"/>
+              <a:t>знак </a:t>
+            </a:r>
+            <a:r>
+              <a:rPr lang="en-US" sz="3200" b="1" dirty="0"/>
+              <a:t>‘#’)</a:t>
+            </a:r>
           </a:p>
         </p:txBody>
       </p:sp>
@@ -11139,8 +11196,78 @@
         </p:nvSpPr>
         <p:spPr>
           <a:xfrm>
-            <a:off x="1523492" y="2420888"/>
-            <a:ext cx="10009112" cy="2308324"/>
+            <a:off x="4474496" y="4100196"/>
+            <a:ext cx="3512180" cy="523220"/>
+          </a:xfrm>
+          <a:prstGeom prst="rect">
+            <a:avLst/>
+          </a:prstGeom>
+          <a:noFill/>
+        </p:spPr>
+        <p:txBody>
+          <a:bodyPr wrap="none" rtlCol="0">
+            <a:spAutoFit/>
+          </a:bodyPr>
+          <a:lstStyle/>
+          <a:p>
+            <a:r>
+              <a:rPr lang="en-US" sz="2800" b="1" dirty="0">
+                <a:solidFill>
+                  <a:srgbClr val="0070C0"/>
+                </a:solidFill>
+              </a:rPr>
+              <a:t>&lt;div </a:t>
+            </a:r>
+            <a:r>
+              <a:rPr lang="en-US" sz="2800" b="1" dirty="0">
+                <a:solidFill>
+                  <a:srgbClr val="00B050"/>
+                </a:solidFill>
+              </a:rPr>
+              <a:t>id</a:t>
+            </a:r>
+            <a:r>
+              <a:rPr lang="en-US" sz="2800" b="1" dirty="0"/>
+              <a:t>=“</a:t>
+            </a:r>
+            <a:r>
+              <a:rPr lang="en-US" sz="2800" b="1" dirty="0">
+                <a:solidFill>
+                  <a:schemeClr val="accent6"/>
+                </a:solidFill>
+              </a:rPr>
+              <a:t>tiger</a:t>
+            </a:r>
+            <a:r>
+              <a:rPr lang="en-US" sz="2800" b="1" dirty="0"/>
+              <a:t>”</a:t>
+            </a:r>
+            <a:r>
+              <a:rPr lang="en-US" sz="2800" b="1" dirty="0">
+                <a:solidFill>
+                  <a:srgbClr val="0070C0"/>
+                </a:solidFill>
+              </a:rPr>
+              <a:t>&gt;&lt;/div&gt;</a:t>
+            </a:r>
+            <a:endParaRPr lang="ru-RU" sz="2800" b="1" dirty="0">
+              <a:solidFill>
+                <a:srgbClr val="0070C0"/>
+              </a:solidFill>
+            </a:endParaRPr>
+          </a:p>
+        </p:txBody>
+      </p:sp>
+      <p:sp>
+        <p:nvSpPr>
+          <p:cNvPr id="10" name="TextBox 9"/>
+          <p:cNvSpPr txBox="1"/>
+          <p:nvPr/>
+        </p:nvSpPr>
+        <p:spPr>
+          <a:xfrm>
+            <a:off x="1991544" y="4869160"/>
+            <a:ext cx="9073008" cy="954107"/>
           </a:xfrm>
           <a:prstGeom prst="rect">
             <a:avLst/>
@@ -11154,56 +11281,86 @@
           <a:lstStyle/>
           <a:p>
             <a:r>
-              <a:rPr lang="ru-RU" sz="3600" dirty="0"/>
-              <a:t>Селектор определяет правила по которым браузер определяет теги к которым будет применены стили. </a:t>
-            </a:r>
-            <a:r>
-              <a:rPr lang="ru-RU" sz="3600" b="1" dirty="0" smtClean="0">
-                <a:solidFill>
-                  <a:schemeClr val="accent6">
-                    <a:lumMod val="75000"/>
-                  </a:schemeClr>
-                </a:solidFill>
-              </a:rPr>
-              <a:t>Тег может </a:t>
-            </a:r>
-            <a:r>
-              <a:rPr lang="ru-RU" sz="3600" b="1" dirty="0">
-                <a:solidFill>
-                  <a:schemeClr val="accent6">
-                    <a:lumMod val="75000"/>
-                  </a:schemeClr>
-                </a:solidFill>
-              </a:rPr>
-              <a:t>подходить под </a:t>
-            </a:r>
-            <a:r>
-              <a:rPr lang="ru-RU" sz="3600" b="1" dirty="0" smtClean="0">
-                <a:solidFill>
-                  <a:schemeClr val="accent6">
-                    <a:lumMod val="75000"/>
-                  </a:schemeClr>
-                </a:solidFill>
-              </a:rPr>
-              <a:t>селекторы нескольких </a:t>
-            </a:r>
-            <a:r>
-              <a:rPr lang="ru-RU" sz="3600" b="1" dirty="0">
-                <a:solidFill>
-                  <a:schemeClr val="accent6">
-                    <a:lumMod val="75000"/>
-                  </a:schemeClr>
-                </a:solidFill>
-              </a:rPr>
-              <a:t>правил одновременно. </a:t>
-            </a:r>
-          </a:p>
-        </p:txBody>
-      </p:sp>
+              <a:rPr lang="en-US" sz="2800" b="1" dirty="0"/>
+              <a:t>#</a:t>
+            </a:r>
+            <a:r>
+              <a:rPr lang="ru-RU" sz="2800" b="1" dirty="0"/>
+              <a:t>идентификатор </a:t>
+            </a:r>
+            <a:r>
+              <a:rPr lang="en-US" sz="2800" dirty="0"/>
+              <a:t>– </a:t>
+            </a:r>
+            <a:r>
+              <a:rPr lang="en-US" sz="2800" dirty="0" err="1"/>
+              <a:t>css</a:t>
+            </a:r>
+            <a:r>
+              <a:rPr lang="en-US" sz="2800" dirty="0"/>
+              <a:t>-</a:t>
+            </a:r>
+            <a:r>
+              <a:rPr lang="ru-RU" sz="2800" dirty="0"/>
+              <a:t>селектор, который позволяет выбрать теги у которых есть атрибут </a:t>
+            </a:r>
+            <a:r>
+              <a:rPr lang="en-US" sz="2800" b="1" dirty="0"/>
+              <a:t>id</a:t>
+            </a:r>
+            <a:r>
+              <a:rPr lang="en-US" sz="2800" dirty="0"/>
+              <a:t> </a:t>
+            </a:r>
+            <a:r>
+              <a:rPr lang="ru-RU" sz="2800" dirty="0"/>
+              <a:t>равный заданному</a:t>
+            </a:r>
+          </a:p>
+        </p:txBody>
+      </p:sp>
+      <p:pic>
+        <p:nvPicPr>
+          <p:cNvPr id="2" name="Рисунок 1"/>
+          <p:cNvPicPr>
+            <a:picLocks noChangeAspect="1"/>
+          </p:cNvPicPr>
+          <p:nvPr/>
+        </p:nvPicPr>
+        <p:blipFill>
+          <a:blip r:embed="rId2"/>
+          <a:stretch>
+            <a:fillRect/>
+          </a:stretch>
+        </p:blipFill>
+        <p:spPr>
+          <a:xfrm>
+            <a:off x="2855640" y="1196752"/>
+            <a:ext cx="6552727" cy="2364236"/>
+          </a:xfrm>
+          <a:prstGeom prst="rect">
+            <a:avLst/>
+          </a:prstGeom>
+          <a:ln>
+            <a:solidFill>
+              <a:schemeClr val="bg1">
+                <a:lumMod val="75000"/>
+              </a:schemeClr>
+            </a:solidFill>
+          </a:ln>
+          <a:effectLst>
+            <a:outerShdw blurRad="190500" algn="tl" rotWithShape="0">
+              <a:srgbClr val="000000">
+                <a:alpha val="70000"/>
+              </a:srgbClr>
+            </a:outerShdw>
+          </a:effectLst>
+        </p:spPr>
+      </p:pic>
     </p:spTree>
     <p:extLst>
       <p:ext uri="{BB962C8B-B14F-4D97-AF65-F5344CB8AC3E}">
-        <p14:creationId xmlns:p14="http://schemas.microsoft.com/office/powerpoint/2010/main" val="1314814410"/>
+        <p14:creationId xmlns:p14="http://schemas.microsoft.com/office/powerpoint/2010/main" val="623274769"/>
       </p:ext>
     </p:extLst>
   </p:cSld>
@@ -11239,61 +11396,177 @@
       </p:grpSpPr>
       <p:sp>
         <p:nvSpPr>
-          <p:cNvPr id="5" name="Прямоугольник 4"/>
-          <p:cNvSpPr/>
+          <p:cNvPr id="5" name="Номер слайда 36"/>
+          <p:cNvSpPr txBox="1">
+            <a:spLocks/>
+          </p:cNvSpPr>
           <p:nvPr/>
         </p:nvSpPr>
         <p:spPr>
           <a:xfrm>
-            <a:off x="0" y="0"/>
-            <a:ext cx="12192000" cy="6858000"/>
-          </a:xfrm>
-          <a:prstGeom prst="rect">
-            <a:avLst/>
-          </a:prstGeom>
-          <a:solidFill>
-            <a:schemeClr val="tx2">
-              <a:lumMod val="75000"/>
-            </a:schemeClr>
-          </a:solidFill>
+            <a:off x="11208568" y="6239347"/>
+            <a:ext cx="648072" cy="432048"/>
+          </a:xfrm>
+          <a:prstGeom prst="roundRect">
+            <a:avLst/>
+          </a:prstGeom>
+          <a:ln w="25400" cap="flat" cmpd="sng" algn="ctr">
+            <a:solidFill>
+              <a:schemeClr val="tx2">
+                <a:lumMod val="60000"/>
+                <a:lumOff val="40000"/>
+              </a:schemeClr>
+            </a:solidFill>
+            <a:prstDash val="solid"/>
+          </a:ln>
         </p:spPr>
         <p:style>
           <a:lnRef idx="2">
-            <a:schemeClr val="accent1">
-              <a:shade val="50000"/>
-            </a:schemeClr>
+            <a:schemeClr val="accent1"/>
           </a:lnRef>
           <a:fillRef idx="1">
-            <a:schemeClr val="accent1"/>
+            <a:schemeClr val="lt1"/>
           </a:fillRef>
           <a:effectRef idx="0">
             <a:schemeClr val="accent1"/>
           </a:effectRef>
           <a:fontRef idx="minor">
-            <a:schemeClr val="lt1"/>
+            <a:schemeClr val="dk1"/>
           </a:fontRef>
         </p:style>
         <p:txBody>
-          <a:bodyPr rtlCol="0" anchor="ctr"/>
+          <a:bodyPr vert="horz" lIns="91440" tIns="45720" rIns="91440" bIns="45720" rtlCol="0" anchor="ctr"/>
+          <a:lstStyle/>
+          <a:p>
+            <a:pPr algn="ctr">
+              <a:defRPr/>
+            </a:pPr>
+            <a:fld id="{6389AA22-90B4-448C-8B6B-C699140D38B9}" type="slidenum">
+              <a:rPr lang="uk-UA" sz="2400" b="1">
+                <a:solidFill>
+                  <a:schemeClr val="bg1">
+                    <a:lumMod val="50000"/>
+                  </a:schemeClr>
+                </a:solidFill>
+              </a:rPr>
+              <a:pPr algn="ctr">
+                <a:defRPr/>
+              </a:pPr>
+              <a:t>9</a:t>
+            </a:fld>
+            <a:endParaRPr lang="uk-UA" sz="2400" b="1" dirty="0">
+              <a:solidFill>
+                <a:schemeClr val="bg1">
+                  <a:lumMod val="50000"/>
+                </a:schemeClr>
+              </a:solidFill>
+            </a:endParaRPr>
+          </a:p>
+        </p:txBody>
+      </p:sp>
+      <p:sp>
+        <p:nvSpPr>
+          <p:cNvPr id="8" name="Прямоугольник 7"/>
+          <p:cNvSpPr/>
+          <p:nvPr/>
+        </p:nvSpPr>
+        <p:spPr>
+          <a:xfrm>
+            <a:off x="0" y="560874"/>
+            <a:ext cx="12192000" cy="707886"/>
+          </a:xfrm>
+          <a:prstGeom prst="rect">
+            <a:avLst/>
+          </a:prstGeom>
+        </p:spPr>
+        <p:txBody>
+          <a:bodyPr wrap="square">
+            <a:spAutoFit/>
+          </a:bodyPr>
           <a:lstStyle/>
           <a:p>
             <a:pPr algn="ctr"/>
             <a:r>
-              <a:rPr lang="en-US" sz="7200" b="1" dirty="0" smtClean="0"/>
-              <a:t>2. </a:t>
-            </a:r>
-            <a:r>
-              <a:rPr lang="ru-RU" sz="7200" b="1" dirty="0" smtClean="0"/>
-              <a:t>Сложные селекторы</a:t>
-            </a:r>
-            <a:endParaRPr lang="uk-UA" sz="7200" b="1" dirty="0"/>
+              <a:rPr lang="ru-RU" sz="4000" b="1" dirty="0" smtClean="0"/>
+              <a:t>Тег и множество правил</a:t>
+            </a:r>
+            <a:endParaRPr lang="ru-RU" sz="4000" b="1" dirty="0"/>
+          </a:p>
+        </p:txBody>
+      </p:sp>
+      <p:sp>
+        <p:nvSpPr>
+          <p:cNvPr id="9" name="TextBox 8"/>
+          <p:cNvSpPr txBox="1"/>
+          <p:nvPr/>
+        </p:nvSpPr>
+        <p:spPr>
+          <a:xfrm>
+            <a:off x="1523492" y="2420888"/>
+            <a:ext cx="10009112" cy="2308324"/>
+          </a:xfrm>
+          <a:prstGeom prst="rect">
+            <a:avLst/>
+          </a:prstGeom>
+          <a:noFill/>
+        </p:spPr>
+        <p:txBody>
+          <a:bodyPr wrap="square" rtlCol="0">
+            <a:spAutoFit/>
+          </a:bodyPr>
+          <a:lstStyle/>
+          <a:p>
+            <a:r>
+              <a:rPr lang="ru-RU" sz="3600" dirty="0"/>
+              <a:t>Селектор определяет правила по которым браузер определяет теги к которым будет применены стили. </a:t>
+            </a:r>
+            <a:r>
+              <a:rPr lang="ru-RU" sz="3600" b="1" dirty="0" smtClean="0">
+                <a:solidFill>
+                  <a:schemeClr val="accent6">
+                    <a:lumMod val="75000"/>
+                  </a:schemeClr>
+                </a:solidFill>
+              </a:rPr>
+              <a:t>Тег может </a:t>
+            </a:r>
+            <a:r>
+              <a:rPr lang="ru-RU" sz="3600" b="1" dirty="0">
+                <a:solidFill>
+                  <a:schemeClr val="accent6">
+                    <a:lumMod val="75000"/>
+                  </a:schemeClr>
+                </a:solidFill>
+              </a:rPr>
+              <a:t>подходить под </a:t>
+            </a:r>
+            <a:r>
+              <a:rPr lang="ru-RU" sz="3600" b="1" dirty="0" smtClean="0">
+                <a:solidFill>
+                  <a:schemeClr val="accent6">
+                    <a:lumMod val="75000"/>
+                  </a:schemeClr>
+                </a:solidFill>
+              </a:rPr>
+              <a:t>селекторы нескольких </a:t>
+            </a:r>
+            <a:r>
+              <a:rPr lang="ru-RU" sz="3600" b="1" dirty="0">
+                <a:solidFill>
+                  <a:schemeClr val="accent6">
+                    <a:lumMod val="75000"/>
+                  </a:schemeClr>
+                </a:solidFill>
+              </a:rPr>
+              <a:t>правил одновременно. </a:t>
+            </a:r>
           </a:p>
         </p:txBody>
       </p:sp>
     </p:spTree>
     <p:extLst>
       <p:ext uri="{BB962C8B-B14F-4D97-AF65-F5344CB8AC3E}">
-        <p14:creationId xmlns:p14="http://schemas.microsoft.com/office/powerpoint/2010/main" val="4119959173"/>
+        <p14:creationId xmlns:p14="http://schemas.microsoft.com/office/powerpoint/2010/main" val="1314814410"/>
       </p:ext>
     </p:extLst>
   </p:cSld>

--- a/lesson06.pptx
+++ b/lesson06.pptx
@@ -296,7 +296,7 @@
             <a:fld id="{85522811-C5C6-42D2-A409-F8556720C93F}" type="datetimeFigureOut">
               <a:rPr lang="uk-UA" smtClean="0"/>
               <a:pPr/>
-              <a:t>23.12.2020</a:t>
+              <a:t>24.12.2020</a:t>
             </a:fld>
             <a:endParaRPr lang="uk-UA"/>
           </a:p>
@@ -926,7 +926,7 @@
             <a:fld id="{E6FC6B0D-6115-4D7C-8040-9C8E2349BB6E}" type="datetime1">
               <a:rPr lang="uk-UA" smtClean="0"/>
               <a:pPr/>
-              <a:t>23.12.2020</a:t>
+              <a:t>24.12.2020</a:t>
             </a:fld>
             <a:endParaRPr lang="uk-UA"/>
           </a:p>
@@ -1093,7 +1093,7 @@
             <a:fld id="{996367BA-0A39-4DE2-BFC3-D5290044365E}" type="datetime1">
               <a:rPr lang="uk-UA" smtClean="0"/>
               <a:pPr/>
-              <a:t>23.12.2020</a:t>
+              <a:t>24.12.2020</a:t>
             </a:fld>
             <a:endParaRPr lang="uk-UA"/>
           </a:p>
@@ -1270,7 +1270,7 @@
             <a:fld id="{1BD6A67F-6C29-47DC-AF8A-FDB3C787DF70}" type="datetime1">
               <a:rPr lang="uk-UA" smtClean="0"/>
               <a:pPr/>
-              <a:t>23.12.2020</a:t>
+              <a:t>24.12.2020</a:t>
             </a:fld>
             <a:endParaRPr lang="uk-UA"/>
           </a:p>
@@ -1437,7 +1437,7 @@
             <a:fld id="{1657D9C5-7FF1-434F-B56E-9BAD559744E9}" type="datetime1">
               <a:rPr lang="uk-UA" smtClean="0"/>
               <a:pPr/>
-              <a:t>23.12.2020</a:t>
+              <a:t>24.12.2020</a:t>
             </a:fld>
             <a:endParaRPr lang="uk-UA"/>
           </a:p>
@@ -1680,7 +1680,7 @@
             <a:fld id="{2CEB0FC9-DE63-476B-A1A9-BE934D9049F8}" type="datetime1">
               <a:rPr lang="uk-UA" smtClean="0"/>
               <a:pPr/>
-              <a:t>23.12.2020</a:t>
+              <a:t>24.12.2020</a:t>
             </a:fld>
             <a:endParaRPr lang="uk-UA"/>
           </a:p>
@@ -1965,7 +1965,7 @@
             <a:fld id="{F964460F-86E2-4DF6-9D0F-12F5005CF375}" type="datetime1">
               <a:rPr lang="uk-UA" smtClean="0"/>
               <a:pPr/>
-              <a:t>23.12.2020</a:t>
+              <a:t>24.12.2020</a:t>
             </a:fld>
             <a:endParaRPr lang="uk-UA"/>
           </a:p>
@@ -2384,7 +2384,7 @@
             <a:fld id="{C521715E-DDCD-4267-B0A5-2918B6F6768A}" type="datetime1">
               <a:rPr lang="uk-UA" smtClean="0"/>
               <a:pPr/>
-              <a:t>23.12.2020</a:t>
+              <a:t>24.12.2020</a:t>
             </a:fld>
             <a:endParaRPr lang="uk-UA"/>
           </a:p>
@@ -2499,7 +2499,7 @@
             <a:fld id="{9289842C-EB2D-4EBB-A272-2F6A49D9794D}" type="datetime1">
               <a:rPr lang="uk-UA" smtClean="0"/>
               <a:pPr/>
-              <a:t>23.12.2020</a:t>
+              <a:t>24.12.2020</a:t>
             </a:fld>
             <a:endParaRPr lang="uk-UA"/>
           </a:p>
@@ -2591,7 +2591,7 @@
             <a:fld id="{D036F091-B700-4B52-99AC-85D0FD94D904}" type="datetime1">
               <a:rPr lang="uk-UA" smtClean="0"/>
               <a:pPr/>
-              <a:t>23.12.2020</a:t>
+              <a:t>24.12.2020</a:t>
             </a:fld>
             <a:endParaRPr lang="uk-UA"/>
           </a:p>
@@ -2865,7 +2865,7 @@
             <a:fld id="{B35DFABA-3811-4634-B803-2EAC4CD0063B}" type="datetime1">
               <a:rPr lang="uk-UA" smtClean="0"/>
               <a:pPr/>
-              <a:t>23.12.2020</a:t>
+              <a:t>24.12.2020</a:t>
             </a:fld>
             <a:endParaRPr lang="uk-UA"/>
           </a:p>
@@ -3115,7 +3115,7 @@
             <a:fld id="{8A9EA25E-F88E-463A-A119-D1E55A881002}" type="datetime1">
               <a:rPr lang="uk-UA" smtClean="0"/>
               <a:pPr/>
-              <a:t>23.12.2020</a:t>
+              <a:t>24.12.2020</a:t>
             </a:fld>
             <a:endParaRPr lang="uk-UA"/>
           </a:p>
@@ -3325,7 +3325,7 @@
             <a:fld id="{E708ED03-0080-49A2-B709-7DA4ACB3A1C3}" type="datetime1">
               <a:rPr lang="uk-UA" smtClean="0"/>
               <a:pPr/>
-              <a:t>23.12.2020</a:t>
+              <a:t>24.12.2020</a:t>
             </a:fld>
             <a:endParaRPr lang="uk-UA"/>
           </a:p>
@@ -7945,8 +7945,8 @@
         </p:nvSpPr>
         <p:spPr>
           <a:xfrm>
-            <a:off x="4583831" y="2060848"/>
-            <a:ext cx="5291795" cy="2862322"/>
+            <a:off x="4583831" y="2564904"/>
+            <a:ext cx="6408713" cy="1754326"/>
           </a:xfrm>
           <a:prstGeom prst="rect">
             <a:avLst/>
@@ -8072,9 +8072,7 @@
             <a:r>
               <a:rPr lang="en-US" sz="2800" b="1" dirty="0">
                 <a:solidFill>
-                  <a:schemeClr val="accent6">
-                    <a:lumMod val="75000"/>
-                  </a:schemeClr>
+                  <a:srgbClr val="00B050"/>
                 </a:solidFill>
               </a:rPr>
               <a:t>component</a:t>
@@ -9383,46 +9381,84 @@
       </p:sp>
       <p:sp>
         <p:nvSpPr>
-          <p:cNvPr id="10" name="TextBox 9"/>
-          <p:cNvSpPr txBox="1"/>
+          <p:cNvPr id="11" name="Прямоугольник 10"/>
+          <p:cNvSpPr/>
           <p:nvPr/>
         </p:nvSpPr>
         <p:spPr>
           <a:xfrm>
-            <a:off x="839416" y="5317758"/>
-            <a:ext cx="9289033" cy="830997"/>
+            <a:off x="839416" y="5410672"/>
+            <a:ext cx="6696745" cy="954107"/>
           </a:xfrm>
           <a:prstGeom prst="rect">
             <a:avLst/>
           </a:prstGeom>
-          <a:noFill/>
-        </p:spPr>
-        <p:txBody>
-          <a:bodyPr wrap="square" rtlCol="0">
+        </p:spPr>
+        <p:txBody>
+          <a:bodyPr wrap="square">
             <a:spAutoFit/>
           </a:bodyPr>
           <a:lstStyle/>
           <a:p>
             <a:r>
-              <a:rPr lang="ru-RU" sz="2400" b="1" dirty="0" smtClean="0"/>
-              <a:t>Воспользуйтесь разметкой:</a:t>
-            </a:r>
-            <a:br>
-              <a:rPr lang="ru-RU" sz="2400" b="1" dirty="0" smtClean="0"/>
-            </a:br>
-            <a:r>
-              <a:rPr lang="en-US" sz="2400" b="1" dirty="0">
-                <a:hlinkClick r:id="rId4"/>
+              <a:rPr lang="ru-RU" sz="2800" b="1" dirty="0"/>
+              <a:t>Откройте проект из каталога (из архива): </a:t>
+            </a:r>
+            <a:r>
+              <a:rPr lang="ru-RU" sz="2800" b="1" dirty="0">
+                <a:solidFill>
+                  <a:schemeClr val="accent6">
+                    <a:lumMod val="75000"/>
+                  </a:schemeClr>
+                </a:solidFill>
               </a:rPr>
-              <a:t>https://</a:t>
-            </a:r>
-            <a:r>
-              <a:rPr lang="en-US" sz="2400" b="1" dirty="0" smtClean="0">
-                <a:hlinkClick r:id="rId4"/>
+              <a:t>./</a:t>
+            </a:r>
+            <a:r>
+              <a:rPr lang="en-US" sz="2800" b="1" dirty="0" err="1" smtClean="0">
+                <a:solidFill>
+                  <a:schemeClr val="accent6">
+                    <a:lumMod val="75000"/>
+                  </a:schemeClr>
+                </a:solidFill>
               </a:rPr>
-              <a:t>filebase.xyz/storage/web/selectors/v1/homework.html</a:t>
-            </a:r>
-            <a:endParaRPr lang="ru-RU" sz="2400" b="1" dirty="0"/>
+              <a:t>css</a:t>
+            </a:r>
+            <a:r>
+              <a:rPr lang="en-US" sz="2800" b="1" dirty="0" smtClean="0">
+                <a:solidFill>
+                  <a:schemeClr val="accent6">
+                    <a:lumMod val="75000"/>
+                  </a:schemeClr>
+                </a:solidFill>
+              </a:rPr>
+              <a:t>-selectors-master/</a:t>
+            </a:r>
+            <a:r>
+              <a:rPr lang="en-US" sz="2800" b="1" dirty="0" smtClean="0">
+                <a:solidFill>
+                  <a:srgbClr val="00B050"/>
+                </a:solidFill>
+              </a:rPr>
+              <a:t>homework</a:t>
+            </a:r>
+            <a:r>
+              <a:rPr lang="en-US" sz="2800" b="1" dirty="0" smtClean="0">
+                <a:solidFill>
+                  <a:schemeClr val="accent6">
+                    <a:lumMod val="75000"/>
+                  </a:schemeClr>
+                </a:solidFill>
+              </a:rPr>
+              <a:t>-template</a:t>
+            </a:r>
+            <a:endParaRPr lang="ru-RU" sz="2800" b="1" dirty="0">
+              <a:solidFill>
+                <a:schemeClr val="accent6">
+                  <a:lumMod val="75000"/>
+                </a:schemeClr>
+              </a:solidFill>
+            </a:endParaRPr>
           </a:p>
         </p:txBody>
       </p:sp>
@@ -10419,11 +10455,7 @@
           <a:p>
             <a:r>
               <a:rPr lang="ru-RU" sz="2400" b="1" dirty="0" smtClean="0"/>
-              <a:t>Откройте проект из каталога (и</a:t>
-            </a:r>
-            <a:r>
-              <a:rPr lang="ru-RU" sz="2400" b="1" dirty="0" smtClean="0"/>
-              <a:t>з архива): </a:t>
+              <a:t>Откройте проект из каталога (из архива): </a:t>
             </a:r>
             <a:r>
               <a:rPr lang="ru-RU" sz="2400" b="1" dirty="0" smtClean="0">
@@ -10453,7 +10485,25 @@
                   </a:schemeClr>
                 </a:solidFill>
               </a:rPr>
-              <a:t>-selectors-master/demo-template</a:t>
+              <a:t>-selectors-master/</a:t>
+            </a:r>
+            <a:r>
+              <a:rPr lang="en-US" sz="2400" b="1" dirty="0" smtClean="0">
+                <a:solidFill>
+                  <a:srgbClr val="00B050"/>
+                </a:solidFill>
+              </a:rPr>
+              <a:t>demo</a:t>
+            </a:r>
+            <a:r>
+              <a:rPr lang="en-US" sz="2400" b="1" dirty="0" smtClean="0">
+                <a:solidFill>
+                  <a:schemeClr val="accent6">
+                    <a:lumMod val="75000"/>
+                  </a:schemeClr>
+                </a:solidFill>
+              </a:rPr>
+              <a:t>-template</a:t>
             </a:r>
             <a:endParaRPr lang="ru-RU" sz="2400" b="1" dirty="0">
               <a:solidFill>
